--- a/Techweek2019.pptx
+++ b/Techweek2019.pptx
@@ -9,6 +9,10 @@
     <p:sldId id="257" r:id="rId3"/>
     <p:sldId id="258" r:id="rId4"/>
     <p:sldId id="259" r:id="rId5"/>
+    <p:sldId id="260" r:id="rId6"/>
+    <p:sldId id="263" r:id="rId7"/>
+    <p:sldId id="261" r:id="rId8"/>
+    <p:sldId id="262" r:id="rId9"/>
   </p:sldIdLst>
   <p:sldSz cx="12192000" cy="6858000"/>
   <p:notesSz cx="6858000" cy="9144000"/>
@@ -107,6 +111,11 @@
       </a:defRPr>
     </a:lvl9pPr>
   </p:defaultTextStyle>
+  <p:extLst>
+    <p:ext uri="{EFAFB233-063F-42B5-8137-9DF3F51BA10A}">
+      <p15:sldGuideLst xmlns:p15="http://schemas.microsoft.com/office/powerpoint/2012/main"/>
+    </p:ext>
+  </p:extLst>
 </p:presentation>
 </file>
 
@@ -6804,6 +6813,620 @@
 </p:sld>
 </file>
 
+<file path=ppt/slides/slide5.xml><?xml version="1.0" encoding="utf-8"?>
+<p:sld xmlns:a="http://schemas.openxmlformats.org/drawingml/2006/main" xmlns:r="http://schemas.openxmlformats.org/officeDocument/2006/relationships" xmlns:p="http://schemas.openxmlformats.org/presentationml/2006/main">
+  <p:cSld>
+    <p:spTree>
+      <p:nvGrpSpPr>
+        <p:cNvPr id="1" name=""/>
+        <p:cNvGrpSpPr/>
+        <p:nvPr/>
+      </p:nvGrpSpPr>
+      <p:grpSpPr>
+        <a:xfrm>
+          <a:off x="0" y="0"/>
+          <a:ext cx="0" cy="0"/>
+          <a:chOff x="0" y="0"/>
+          <a:chExt cx="0" cy="0"/>
+        </a:xfrm>
+      </p:grpSpPr>
+      <p:sp>
+        <p:nvSpPr>
+          <p:cNvPr id="2" name="Título 1">
+            <a:extLst>
+              <a:ext uri="{FF2B5EF4-FFF2-40B4-BE49-F238E27FC236}">
+                <a16:creationId xmlns:a16="http://schemas.microsoft.com/office/drawing/2014/main" id="{D3B41A0A-FEC1-4386-82E3-91A4B0D0E70C}"/>
+              </a:ext>
+            </a:extLst>
+          </p:cNvPr>
+          <p:cNvSpPr>
+            <a:spLocks noGrp="1"/>
+          </p:cNvSpPr>
+          <p:nvPr>
+            <p:ph type="title"/>
+          </p:nvPr>
+        </p:nvSpPr>
+        <p:spPr>
+          <a:xfrm>
+            <a:off x="677334" y="609600"/>
+            <a:ext cx="8596668" cy="722811"/>
+          </a:xfrm>
+        </p:spPr>
+        <p:txBody>
+          <a:bodyPr/>
+          <a:lstStyle/>
+          <a:p>
+            <a:r>
+              <a:rPr lang="pt-BR" dirty="0"/>
+              <a:t>Objetos GeneXus</a:t>
+            </a:r>
+          </a:p>
+        </p:txBody>
+      </p:sp>
+      <p:sp>
+        <p:nvSpPr>
+          <p:cNvPr id="3" name="Espaço Reservado para Conteúdo 2">
+            <a:extLst>
+              <a:ext uri="{FF2B5EF4-FFF2-40B4-BE49-F238E27FC236}">
+                <a16:creationId xmlns:a16="http://schemas.microsoft.com/office/drawing/2014/main" id="{CAFCFB6F-6204-48EB-A175-889A89E85B11}"/>
+              </a:ext>
+            </a:extLst>
+          </p:cNvPr>
+          <p:cNvSpPr>
+            <a:spLocks noGrp="1"/>
+          </p:cNvSpPr>
+          <p:nvPr>
+            <p:ph idx="1"/>
+          </p:nvPr>
+        </p:nvSpPr>
+        <p:spPr>
+          <a:xfrm>
+            <a:off x="677334" y="1435401"/>
+            <a:ext cx="8596668" cy="4382303"/>
+          </a:xfrm>
+        </p:spPr>
+        <p:txBody>
+          <a:bodyPr>
+            <a:normAutofit fontScale="92500" lnSpcReduction="10000"/>
+          </a:bodyPr>
+          <a:lstStyle/>
+          <a:p>
+            <a:r>
+              <a:rPr lang="pt-BR" dirty="0"/>
+              <a:t>Definições de propriedades, eventos, telas e regras similares, cada um com suas especificidades</a:t>
+            </a:r>
+          </a:p>
+          <a:p>
+            <a:r>
+              <a:rPr lang="pt-BR" dirty="0"/>
+              <a:t>Tipos de objetos</a:t>
+            </a:r>
+          </a:p>
+          <a:p>
+            <a:pPr lvl="1"/>
+            <a:r>
+              <a:rPr lang="pt-BR" dirty="0"/>
+              <a:t>Domínios</a:t>
+            </a:r>
+          </a:p>
+          <a:p>
+            <a:pPr lvl="1"/>
+            <a:r>
+              <a:rPr lang="pt-BR" dirty="0"/>
+              <a:t>Transações</a:t>
+            </a:r>
+          </a:p>
+          <a:p>
+            <a:pPr lvl="1"/>
+            <a:r>
+              <a:rPr lang="pt-BR" i="1" dirty="0"/>
+              <a:t>Web </a:t>
+            </a:r>
+            <a:r>
+              <a:rPr lang="pt-BR" i="1" dirty="0" err="1"/>
+              <a:t>Panels</a:t>
+            </a:r>
+            <a:endParaRPr lang="pt-BR" i="1" dirty="0"/>
+          </a:p>
+          <a:p>
+            <a:pPr lvl="1"/>
+            <a:r>
+              <a:rPr lang="pt-BR" i="1" dirty="0"/>
+              <a:t>Procedures</a:t>
+            </a:r>
+          </a:p>
+          <a:p>
+            <a:pPr lvl="1"/>
+            <a:r>
+              <a:rPr lang="pt-BR" dirty="0"/>
+              <a:t>Imagens</a:t>
+            </a:r>
+          </a:p>
+          <a:p>
+            <a:pPr lvl="1"/>
+            <a:r>
+              <a:rPr lang="pt-BR" dirty="0"/>
+              <a:t>Temas</a:t>
+            </a:r>
+          </a:p>
+          <a:p>
+            <a:pPr lvl="1"/>
+            <a:r>
+              <a:rPr lang="pt-BR" dirty="0"/>
+              <a:t>Gráficos</a:t>
+            </a:r>
+          </a:p>
+          <a:p>
+            <a:pPr lvl="1"/>
+            <a:r>
+              <a:rPr lang="pt-BR" dirty="0" err="1"/>
+              <a:t>SDTs</a:t>
+            </a:r>
+            <a:endParaRPr lang="pt-BR" dirty="0"/>
+          </a:p>
+          <a:p>
+            <a:pPr lvl="1"/>
+            <a:r>
+              <a:rPr lang="pt-BR" dirty="0"/>
+              <a:t>E muitos mais...</a:t>
+            </a:r>
+          </a:p>
+          <a:p>
+            <a:r>
+              <a:rPr lang="pt-BR" dirty="0"/>
+              <a:t>Objetos GeneXus não tem nenhuma correlação com Orientação a Objetos</a:t>
+            </a:r>
+          </a:p>
+          <a:p>
+            <a:endParaRPr lang="pt-BR" dirty="0"/>
+          </a:p>
+        </p:txBody>
+      </p:sp>
+    </p:spTree>
+    <p:extLst>
+      <p:ext uri="{BB962C8B-B14F-4D97-AF65-F5344CB8AC3E}">
+        <p14:creationId xmlns:p14="http://schemas.microsoft.com/office/powerpoint/2010/main" val="1168226438"/>
+      </p:ext>
+    </p:extLst>
+  </p:cSld>
+  <p:clrMapOvr>
+    <a:masterClrMapping/>
+  </p:clrMapOvr>
+</p:sld>
+</file>
+
+<file path=ppt/slides/slide6.xml><?xml version="1.0" encoding="utf-8"?>
+<p:sld xmlns:a="http://schemas.openxmlformats.org/drawingml/2006/main" xmlns:r="http://schemas.openxmlformats.org/officeDocument/2006/relationships" xmlns:p="http://schemas.openxmlformats.org/presentationml/2006/main">
+  <p:cSld>
+    <p:spTree>
+      <p:nvGrpSpPr>
+        <p:cNvPr id="1" name=""/>
+        <p:cNvGrpSpPr/>
+        <p:nvPr/>
+      </p:nvGrpSpPr>
+      <p:grpSpPr>
+        <a:xfrm>
+          <a:off x="0" y="0"/>
+          <a:ext cx="0" cy="0"/>
+          <a:chOff x="0" y="0"/>
+          <a:chExt cx="0" cy="0"/>
+        </a:xfrm>
+      </p:grpSpPr>
+      <p:sp>
+        <p:nvSpPr>
+          <p:cNvPr id="2" name="Título 1">
+            <a:extLst>
+              <a:ext uri="{FF2B5EF4-FFF2-40B4-BE49-F238E27FC236}">
+                <a16:creationId xmlns:a16="http://schemas.microsoft.com/office/drawing/2014/main" id="{4655E4EF-947B-401E-9836-983005879035}"/>
+              </a:ext>
+            </a:extLst>
+          </p:cNvPr>
+          <p:cNvSpPr>
+            <a:spLocks noGrp="1"/>
+          </p:cNvSpPr>
+          <p:nvPr>
+            <p:ph type="title"/>
+          </p:nvPr>
+        </p:nvSpPr>
+        <p:spPr/>
+        <p:txBody>
+          <a:bodyPr/>
+          <a:lstStyle/>
+          <a:p>
+            <a:r>
+              <a:rPr lang="pt-BR" dirty="0"/>
+              <a:t>Definições gerais para os objetos</a:t>
+            </a:r>
+          </a:p>
+        </p:txBody>
+      </p:sp>
+      <p:sp>
+        <p:nvSpPr>
+          <p:cNvPr id="3" name="Espaço Reservado para Conteúdo 2">
+            <a:extLst>
+              <a:ext uri="{FF2B5EF4-FFF2-40B4-BE49-F238E27FC236}">
+                <a16:creationId xmlns:a16="http://schemas.microsoft.com/office/drawing/2014/main" id="{C647BE43-BC2F-49B9-AC2E-FA7FC315AAF1}"/>
+              </a:ext>
+            </a:extLst>
+          </p:cNvPr>
+          <p:cNvSpPr>
+            <a:spLocks noGrp="1"/>
+          </p:cNvSpPr>
+          <p:nvPr>
+            <p:ph idx="1"/>
+          </p:nvPr>
+        </p:nvSpPr>
+        <p:spPr>
+          <a:xfrm>
+            <a:off x="677334" y="1435401"/>
+            <a:ext cx="8596668" cy="4408808"/>
+          </a:xfrm>
+        </p:spPr>
+        <p:txBody>
+          <a:bodyPr/>
+          <a:lstStyle/>
+          <a:p>
+            <a:r>
+              <a:rPr lang="pt-BR" dirty="0"/>
+              <a:t>Comum a diversos tipos de objetos:</a:t>
+            </a:r>
+          </a:p>
+          <a:p>
+            <a:pPr lvl="1"/>
+            <a:r>
+              <a:rPr lang="pt-BR" dirty="0"/>
+              <a:t>Aba “</a:t>
+            </a:r>
+            <a:r>
+              <a:rPr lang="pt-BR" dirty="0" err="1"/>
+              <a:t>Rules</a:t>
+            </a:r>
+            <a:r>
+              <a:rPr lang="pt-BR" dirty="0"/>
+              <a:t>”</a:t>
+            </a:r>
+          </a:p>
+          <a:p>
+            <a:pPr lvl="1"/>
+            <a:r>
+              <a:rPr lang="pt-BR" dirty="0"/>
+              <a:t>Aba “</a:t>
+            </a:r>
+            <a:r>
+              <a:rPr lang="pt-BR" dirty="0" err="1"/>
+              <a:t>Documentation</a:t>
+            </a:r>
+            <a:r>
+              <a:rPr lang="pt-BR" dirty="0"/>
+              <a:t>”</a:t>
+            </a:r>
+          </a:p>
+          <a:p>
+            <a:pPr lvl="1"/>
+            <a:r>
+              <a:rPr lang="pt-BR" dirty="0"/>
+              <a:t>Regra “</a:t>
+            </a:r>
+            <a:r>
+              <a:rPr lang="pt-BR" dirty="0" err="1"/>
+              <a:t>Parm</a:t>
+            </a:r>
+            <a:r>
+              <a:rPr lang="pt-BR" dirty="0"/>
+              <a:t>”</a:t>
+            </a:r>
+          </a:p>
+          <a:p>
+            <a:pPr lvl="1"/>
+            <a:r>
+              <a:rPr lang="pt-BR" dirty="0"/>
+              <a:t>No caso de </a:t>
+            </a:r>
+            <a:r>
+              <a:rPr lang="pt-BR" i="1" dirty="0"/>
+              <a:t>Web </a:t>
+            </a:r>
+            <a:r>
+              <a:rPr lang="pt-BR" i="1" dirty="0" err="1"/>
+              <a:t>Panels</a:t>
+            </a:r>
+            <a:r>
+              <a:rPr lang="pt-BR" i="1" dirty="0"/>
+              <a:t> </a:t>
+            </a:r>
+            <a:r>
+              <a:rPr lang="pt-BR" dirty="0"/>
+              <a:t>e </a:t>
+            </a:r>
+            <a:r>
+              <a:rPr lang="pt-BR" i="1" dirty="0"/>
+              <a:t>Procedures</a:t>
+            </a:r>
+            <a:r>
+              <a:rPr lang="pt-BR" dirty="0"/>
+              <a:t>, a aba “</a:t>
+            </a:r>
+            <a:r>
+              <a:rPr lang="pt-BR" dirty="0" err="1"/>
+              <a:t>Conditions</a:t>
+            </a:r>
+            <a:r>
+              <a:rPr lang="pt-BR" dirty="0"/>
+              <a:t>”</a:t>
+            </a:r>
+          </a:p>
+          <a:p>
+            <a:pPr lvl="1"/>
+            <a:r>
+              <a:rPr lang="pt-BR" dirty="0"/>
+              <a:t>Em transações</a:t>
+            </a:r>
+            <a:r>
+              <a:rPr lang="pt-BR" i="1" dirty="0"/>
+              <a:t> </a:t>
+            </a:r>
+            <a:r>
+              <a:rPr lang="pt-BR" dirty="0"/>
+              <a:t>e </a:t>
+            </a:r>
+            <a:r>
+              <a:rPr lang="pt-BR" i="1" dirty="0"/>
+              <a:t>Web </a:t>
+            </a:r>
+            <a:r>
+              <a:rPr lang="pt-BR" i="1" dirty="0" err="1"/>
+              <a:t>Panels</a:t>
+            </a:r>
+            <a:endParaRPr lang="pt-BR" i="1" dirty="0"/>
+          </a:p>
+          <a:p>
+            <a:pPr lvl="2"/>
+            <a:r>
+              <a:rPr lang="pt-BR" dirty="0"/>
+              <a:t>Habilitação de campos</a:t>
+            </a:r>
+          </a:p>
+          <a:p>
+            <a:pPr lvl="2"/>
+            <a:r>
+              <a:rPr lang="pt-BR" dirty="0"/>
+              <a:t>Regra “Prompt”</a:t>
+            </a:r>
+          </a:p>
+          <a:p>
+            <a:pPr lvl="1"/>
+            <a:r>
+              <a:rPr lang="pt-BR" dirty="0"/>
+              <a:t>Definição de variáveis baseadas em domínios</a:t>
+            </a:r>
+          </a:p>
+        </p:txBody>
+      </p:sp>
+    </p:spTree>
+    <p:extLst>
+      <p:ext uri="{BB962C8B-B14F-4D97-AF65-F5344CB8AC3E}">
+        <p14:creationId xmlns:p14="http://schemas.microsoft.com/office/powerpoint/2010/main" val="3177980186"/>
+      </p:ext>
+    </p:extLst>
+  </p:cSld>
+  <p:clrMapOvr>
+    <a:masterClrMapping/>
+  </p:clrMapOvr>
+</p:sld>
+</file>
+
+<file path=ppt/slides/slide7.xml><?xml version="1.0" encoding="utf-8"?>
+<p:sld xmlns:a="http://schemas.openxmlformats.org/drawingml/2006/main" xmlns:r="http://schemas.openxmlformats.org/officeDocument/2006/relationships" xmlns:p="http://schemas.openxmlformats.org/presentationml/2006/main">
+  <p:cSld>
+    <p:spTree>
+      <p:nvGrpSpPr>
+        <p:cNvPr id="1" name=""/>
+        <p:cNvGrpSpPr/>
+        <p:nvPr/>
+      </p:nvGrpSpPr>
+      <p:grpSpPr>
+        <a:xfrm>
+          <a:off x="0" y="0"/>
+          <a:ext cx="0" cy="0"/>
+          <a:chOff x="0" y="0"/>
+          <a:chExt cx="0" cy="0"/>
+        </a:xfrm>
+      </p:grpSpPr>
+      <p:sp>
+        <p:nvSpPr>
+          <p:cNvPr id="2" name="Título 1">
+            <a:extLst>
+              <a:ext uri="{FF2B5EF4-FFF2-40B4-BE49-F238E27FC236}">
+                <a16:creationId xmlns:a16="http://schemas.microsoft.com/office/drawing/2014/main" id="{A3A21370-FA9E-43B6-B97A-7185F2181826}"/>
+              </a:ext>
+            </a:extLst>
+          </p:cNvPr>
+          <p:cNvSpPr>
+            <a:spLocks noGrp="1"/>
+          </p:cNvSpPr>
+          <p:nvPr>
+            <p:ph type="title"/>
+          </p:nvPr>
+        </p:nvSpPr>
+        <p:spPr>
+          <a:xfrm>
+            <a:off x="677334" y="609600"/>
+            <a:ext cx="8596668" cy="722811"/>
+          </a:xfrm>
+        </p:spPr>
+        <p:txBody>
+          <a:bodyPr/>
+          <a:lstStyle/>
+          <a:p>
+            <a:r>
+              <a:rPr lang="pt-BR" dirty="0"/>
+              <a:t>Objetos GeneXus: Transações</a:t>
+            </a:r>
+          </a:p>
+        </p:txBody>
+      </p:sp>
+      <p:sp>
+        <p:nvSpPr>
+          <p:cNvPr id="3" name="Espaço Reservado para Conteúdo 2">
+            <a:extLst>
+              <a:ext uri="{FF2B5EF4-FFF2-40B4-BE49-F238E27FC236}">
+                <a16:creationId xmlns:a16="http://schemas.microsoft.com/office/drawing/2014/main" id="{9430121F-AF51-4D00-865B-C911EEC1CF35}"/>
+              </a:ext>
+            </a:extLst>
+          </p:cNvPr>
+          <p:cNvSpPr>
+            <a:spLocks noGrp="1"/>
+          </p:cNvSpPr>
+          <p:nvPr>
+            <p:ph idx="1"/>
+          </p:nvPr>
+        </p:nvSpPr>
+        <p:spPr/>
+        <p:txBody>
+          <a:bodyPr/>
+          <a:lstStyle/>
+          <a:p>
+            <a:r>
+              <a:rPr lang="pt-BR" dirty="0"/>
+              <a:t>Definem a estrutura do banco de dados a ser gerada</a:t>
+            </a:r>
+          </a:p>
+          <a:p>
+            <a:r>
+              <a:rPr lang="pt-BR" dirty="0"/>
+              <a:t>Definem regras para a entrada de dados</a:t>
+            </a:r>
+          </a:p>
+          <a:p>
+            <a:r>
+              <a:rPr lang="pt-BR" dirty="0"/>
+              <a:t>Definem o comportamento dos atributos do sistema (validações com expressões regulares, máscaras, </a:t>
+            </a:r>
+            <a:r>
+              <a:rPr lang="pt-BR" i="1" dirty="0"/>
+              <a:t>range </a:t>
+            </a:r>
+            <a:r>
+              <a:rPr lang="pt-BR" dirty="0"/>
+              <a:t>de valores, etc...)</a:t>
+            </a:r>
+          </a:p>
+        </p:txBody>
+      </p:sp>
+    </p:spTree>
+    <p:extLst>
+      <p:ext uri="{BB962C8B-B14F-4D97-AF65-F5344CB8AC3E}">
+        <p14:creationId xmlns:p14="http://schemas.microsoft.com/office/powerpoint/2010/main" val="229613350"/>
+      </p:ext>
+    </p:extLst>
+  </p:cSld>
+  <p:clrMapOvr>
+    <a:masterClrMapping/>
+  </p:clrMapOvr>
+</p:sld>
+</file>
+
+<file path=ppt/slides/slide8.xml><?xml version="1.0" encoding="utf-8"?>
+<p:sld xmlns:a="http://schemas.openxmlformats.org/drawingml/2006/main" xmlns:r="http://schemas.openxmlformats.org/officeDocument/2006/relationships" xmlns:p="http://schemas.openxmlformats.org/presentationml/2006/main">
+  <p:cSld>
+    <p:spTree>
+      <p:nvGrpSpPr>
+        <p:cNvPr id="1" name=""/>
+        <p:cNvGrpSpPr/>
+        <p:nvPr/>
+      </p:nvGrpSpPr>
+      <p:grpSpPr>
+        <a:xfrm>
+          <a:off x="0" y="0"/>
+          <a:ext cx="0" cy="0"/>
+          <a:chOff x="0" y="0"/>
+          <a:chExt cx="0" cy="0"/>
+        </a:xfrm>
+      </p:grpSpPr>
+      <p:sp>
+        <p:nvSpPr>
+          <p:cNvPr id="2" name="Título 1">
+            <a:extLst>
+              <a:ext uri="{FF2B5EF4-FFF2-40B4-BE49-F238E27FC236}">
+                <a16:creationId xmlns:a16="http://schemas.microsoft.com/office/drawing/2014/main" id="{530B3E37-74F3-43B5-8DAA-7C0735F27A1E}"/>
+              </a:ext>
+            </a:extLst>
+          </p:cNvPr>
+          <p:cNvSpPr>
+            <a:spLocks noGrp="1"/>
+          </p:cNvSpPr>
+          <p:nvPr>
+            <p:ph type="title"/>
+          </p:nvPr>
+        </p:nvSpPr>
+        <p:spPr/>
+        <p:txBody>
+          <a:bodyPr/>
+          <a:lstStyle/>
+          <a:p>
+            <a:r>
+              <a:rPr lang="pt-BR" dirty="0"/>
+              <a:t>Objetos GeneXus: </a:t>
+            </a:r>
+            <a:r>
+              <a:rPr lang="pt-BR" i="1" dirty="0"/>
+              <a:t>Web </a:t>
+            </a:r>
+            <a:r>
+              <a:rPr lang="pt-BR" i="1" dirty="0" err="1"/>
+              <a:t>Panels</a:t>
+            </a:r>
+            <a:endParaRPr lang="pt-BR" dirty="0"/>
+          </a:p>
+        </p:txBody>
+      </p:sp>
+      <p:sp>
+        <p:nvSpPr>
+          <p:cNvPr id="3" name="Espaço Reservado para Conteúdo 2">
+            <a:extLst>
+              <a:ext uri="{FF2B5EF4-FFF2-40B4-BE49-F238E27FC236}">
+                <a16:creationId xmlns:a16="http://schemas.microsoft.com/office/drawing/2014/main" id="{8A9782F4-EBF6-4435-9DDA-81E9E5DA3433}"/>
+              </a:ext>
+            </a:extLst>
+          </p:cNvPr>
+          <p:cNvSpPr>
+            <a:spLocks noGrp="1"/>
+          </p:cNvSpPr>
+          <p:nvPr>
+            <p:ph idx="1"/>
+          </p:nvPr>
+        </p:nvSpPr>
+        <p:spPr/>
+        <p:txBody>
+          <a:bodyPr/>
+          <a:lstStyle/>
+          <a:p>
+            <a:r>
+              <a:rPr lang="pt-BR" dirty="0"/>
+              <a:t>Definem as telas da aplicação</a:t>
+            </a:r>
+          </a:p>
+          <a:p>
+            <a:r>
+              <a:rPr lang="pt-BR" dirty="0"/>
+              <a:t>Usados para desenhar telas mais complexas do que as desenháveis com o formulário da transação</a:t>
+            </a:r>
+          </a:p>
+        </p:txBody>
+      </p:sp>
+    </p:spTree>
+    <p:extLst>
+      <p:ext uri="{BB962C8B-B14F-4D97-AF65-F5344CB8AC3E}">
+        <p14:creationId xmlns:p14="http://schemas.microsoft.com/office/powerpoint/2010/main" val="189512758"/>
+      </p:ext>
+    </p:extLst>
+  </p:cSld>
+  <p:clrMapOvr>
+    <a:masterClrMapping/>
+  </p:clrMapOvr>
+</p:sld>
+</file>
+
 <file path=ppt/theme/theme1.xml><?xml version="1.0" encoding="utf-8"?>
 <a:theme xmlns:a="http://schemas.openxmlformats.org/drawingml/2006/main" name="Facetado">
   <a:themeElements>

--- a/Techweek2019.pptx
+++ b/Techweek2019.pptx
@@ -12,7 +12,13 @@
     <p:sldId id="260" r:id="rId6"/>
     <p:sldId id="263" r:id="rId7"/>
     <p:sldId id="261" r:id="rId8"/>
-    <p:sldId id="262" r:id="rId9"/>
+    <p:sldId id="264" r:id="rId9"/>
+    <p:sldId id="262" r:id="rId10"/>
+    <p:sldId id="265" r:id="rId11"/>
+    <p:sldId id="266" r:id="rId12"/>
+    <p:sldId id="267" r:id="rId13"/>
+    <p:sldId id="268" r:id="rId14"/>
+    <p:sldId id="269" r:id="rId15"/>
   </p:sldIdLst>
   <p:sldSz cx="12192000" cy="6858000"/>
   <p:notesSz cx="6858000" cy="9144000"/>
@@ -841,7 +847,7 @@
           <a:p>
             <a:fld id="{A4B818D9-19C3-4AD2-9336-87D155945ED2}" type="datetimeFigureOut">
               <a:rPr lang="pt-BR" smtClean="0"/>
-              <a:t>13/05/2019</a:t>
+              <a:t>14/05/2019</a:t>
             </a:fld>
             <a:endParaRPr lang="pt-BR"/>
           </a:p>
@@ -1092,7 +1098,7 @@
           <a:p>
             <a:fld id="{A4B818D9-19C3-4AD2-9336-87D155945ED2}" type="datetimeFigureOut">
               <a:rPr lang="pt-BR" smtClean="0"/>
-              <a:t>13/05/2019</a:t>
+              <a:t>14/05/2019</a:t>
             </a:fld>
             <a:endParaRPr lang="pt-BR"/>
           </a:p>
@@ -1406,7 +1412,7 @@
           <a:p>
             <a:fld id="{A4B818D9-19C3-4AD2-9336-87D155945ED2}" type="datetimeFigureOut">
               <a:rPr lang="pt-BR" smtClean="0"/>
-              <a:t>13/05/2019</a:t>
+              <a:t>14/05/2019</a:t>
             </a:fld>
             <a:endParaRPr lang="pt-BR"/>
           </a:p>
@@ -1747,7 +1753,7 @@
           <a:p>
             <a:fld id="{A4B818D9-19C3-4AD2-9336-87D155945ED2}" type="datetimeFigureOut">
               <a:rPr lang="pt-BR" smtClean="0"/>
-              <a:t>13/05/2019</a:t>
+              <a:t>14/05/2019</a:t>
             </a:fld>
             <a:endParaRPr lang="pt-BR"/>
           </a:p>
@@ -2061,7 +2067,7 @@
           <a:p>
             <a:fld id="{A4B818D9-19C3-4AD2-9336-87D155945ED2}" type="datetimeFigureOut">
               <a:rPr lang="pt-BR" smtClean="0"/>
-              <a:t>13/05/2019</a:t>
+              <a:t>14/05/2019</a:t>
             </a:fld>
             <a:endParaRPr lang="pt-BR"/>
           </a:p>
@@ -2454,7 +2460,7 @@
           <a:p>
             <a:fld id="{A4B818D9-19C3-4AD2-9336-87D155945ED2}" type="datetimeFigureOut">
               <a:rPr lang="pt-BR" smtClean="0"/>
-              <a:t>13/05/2019</a:t>
+              <a:t>14/05/2019</a:t>
             </a:fld>
             <a:endParaRPr lang="pt-BR"/>
           </a:p>
@@ -2624,7 +2630,7 @@
           <a:p>
             <a:fld id="{A4B818D9-19C3-4AD2-9336-87D155945ED2}" type="datetimeFigureOut">
               <a:rPr lang="pt-BR" smtClean="0"/>
-              <a:t>13/05/2019</a:t>
+              <a:t>14/05/2019</a:t>
             </a:fld>
             <a:endParaRPr lang="pt-BR"/>
           </a:p>
@@ -2804,7 +2810,7 @@
           <a:p>
             <a:fld id="{A4B818D9-19C3-4AD2-9336-87D155945ED2}" type="datetimeFigureOut">
               <a:rPr lang="pt-BR" smtClean="0"/>
-              <a:t>13/05/2019</a:t>
+              <a:t>14/05/2019</a:t>
             </a:fld>
             <a:endParaRPr lang="pt-BR"/>
           </a:p>
@@ -2990,7 +2996,7 @@
           <a:p>
             <a:fld id="{A4B818D9-19C3-4AD2-9336-87D155945ED2}" type="datetimeFigureOut">
               <a:rPr lang="pt-BR" smtClean="0"/>
-              <a:t>13/05/2019</a:t>
+              <a:t>14/05/2019</a:t>
             </a:fld>
             <a:endParaRPr lang="pt-BR"/>
           </a:p>
@@ -3276,7 +3282,7 @@
           <a:p>
             <a:fld id="{A4B818D9-19C3-4AD2-9336-87D155945ED2}" type="datetimeFigureOut">
               <a:rPr lang="pt-BR" smtClean="0"/>
-              <a:t>13/05/2019</a:t>
+              <a:t>14/05/2019</a:t>
             </a:fld>
             <a:endParaRPr lang="pt-BR"/>
           </a:p>
@@ -3508,7 +3514,7 @@
           <a:p>
             <a:fld id="{A4B818D9-19C3-4AD2-9336-87D155945ED2}" type="datetimeFigureOut">
               <a:rPr lang="pt-BR" smtClean="0"/>
-              <a:t>13/05/2019</a:t>
+              <a:t>14/05/2019</a:t>
             </a:fld>
             <a:endParaRPr lang="pt-BR"/>
           </a:p>
@@ -3882,7 +3888,7 @@
           <a:p>
             <a:fld id="{A4B818D9-19C3-4AD2-9336-87D155945ED2}" type="datetimeFigureOut">
               <a:rPr lang="pt-BR" smtClean="0"/>
-              <a:t>13/05/2019</a:t>
+              <a:t>14/05/2019</a:t>
             </a:fld>
             <a:endParaRPr lang="pt-BR"/>
           </a:p>
@@ -4005,7 +4011,7 @@
           <a:p>
             <a:fld id="{A4B818D9-19C3-4AD2-9336-87D155945ED2}" type="datetimeFigureOut">
               <a:rPr lang="pt-BR" smtClean="0"/>
-              <a:t>13/05/2019</a:t>
+              <a:t>14/05/2019</a:t>
             </a:fld>
             <a:endParaRPr lang="pt-BR"/>
           </a:p>
@@ -4100,7 +4106,7 @@
           <a:p>
             <a:fld id="{A4B818D9-19C3-4AD2-9336-87D155945ED2}" type="datetimeFigureOut">
               <a:rPr lang="pt-BR" smtClean="0"/>
-              <a:t>13/05/2019</a:t>
+              <a:t>14/05/2019</a:t>
             </a:fld>
             <a:endParaRPr lang="pt-BR"/>
           </a:p>
@@ -4355,7 +4361,7 @@
           <a:p>
             <a:fld id="{A4B818D9-19C3-4AD2-9336-87D155945ED2}" type="datetimeFigureOut">
               <a:rPr lang="pt-BR" smtClean="0"/>
-              <a:t>13/05/2019</a:t>
+              <a:t>14/05/2019</a:t>
             </a:fld>
             <a:endParaRPr lang="pt-BR"/>
           </a:p>
@@ -4618,7 +4624,7 @@
           <a:p>
             <a:fld id="{A4B818D9-19C3-4AD2-9336-87D155945ED2}" type="datetimeFigureOut">
               <a:rPr lang="pt-BR" smtClean="0"/>
-              <a:t>13/05/2019</a:t>
+              <a:t>14/05/2019</a:t>
             </a:fld>
             <a:endParaRPr lang="pt-BR"/>
           </a:p>
@@ -5361,7 +5367,7 @@
           <a:p>
             <a:fld id="{A4B818D9-19C3-4AD2-9336-87D155945ED2}" type="datetimeFigureOut">
               <a:rPr lang="pt-BR" smtClean="0"/>
-              <a:t>13/05/2019</a:t>
+              <a:t>14/05/2019</a:t>
             </a:fld>
             <a:endParaRPr lang="pt-BR"/>
           </a:p>
@@ -6372,6 +6378,413 @@
 </p:sld>
 </file>
 
+<file path=ppt/slides/slide10.xml><?xml version="1.0" encoding="utf-8"?>
+<p:sld xmlns:a="http://schemas.openxmlformats.org/drawingml/2006/main" xmlns:r="http://schemas.openxmlformats.org/officeDocument/2006/relationships" xmlns:p="http://schemas.openxmlformats.org/presentationml/2006/main">
+  <p:cSld>
+    <p:spTree>
+      <p:nvGrpSpPr>
+        <p:cNvPr id="1" name=""/>
+        <p:cNvGrpSpPr/>
+        <p:nvPr/>
+      </p:nvGrpSpPr>
+      <p:grpSpPr>
+        <a:xfrm>
+          <a:off x="0" y="0"/>
+          <a:ext cx="0" cy="0"/>
+          <a:chOff x="0" y="0"/>
+          <a:chExt cx="0" cy="0"/>
+        </a:xfrm>
+      </p:grpSpPr>
+      <p:sp>
+        <p:nvSpPr>
+          <p:cNvPr id="2" name="Título 1">
+            <a:extLst>
+              <a:ext uri="{FF2B5EF4-FFF2-40B4-BE49-F238E27FC236}">
+                <a16:creationId xmlns:a16="http://schemas.microsoft.com/office/drawing/2014/main" id="{05A0008C-6192-4FCC-863D-6B4F1E2CA7EF}"/>
+              </a:ext>
+            </a:extLst>
+          </p:cNvPr>
+          <p:cNvSpPr>
+            <a:spLocks noGrp="1"/>
+          </p:cNvSpPr>
+          <p:nvPr>
+            <p:ph type="title"/>
+          </p:nvPr>
+        </p:nvSpPr>
+        <p:spPr/>
+        <p:txBody>
+          <a:bodyPr/>
+          <a:lstStyle/>
+          <a:p>
+            <a:r>
+              <a:rPr lang="pt-BR" dirty="0"/>
+              <a:t>Objetos: </a:t>
+            </a:r>
+            <a:r>
+              <a:rPr lang="pt-BR" i="1" dirty="0"/>
+              <a:t>Procedures</a:t>
+            </a:r>
+            <a:endParaRPr lang="pt-BR" dirty="0"/>
+          </a:p>
+        </p:txBody>
+      </p:sp>
+      <p:sp>
+        <p:nvSpPr>
+          <p:cNvPr id="3" name="Espaço Reservado para Conteúdo 2">
+            <a:extLst>
+              <a:ext uri="{FF2B5EF4-FFF2-40B4-BE49-F238E27FC236}">
+                <a16:creationId xmlns:a16="http://schemas.microsoft.com/office/drawing/2014/main" id="{A385CAA8-D80B-4E51-9771-262FF4C87739}"/>
+              </a:ext>
+            </a:extLst>
+          </p:cNvPr>
+          <p:cNvSpPr>
+            <a:spLocks noGrp="1"/>
+          </p:cNvSpPr>
+          <p:nvPr>
+            <p:ph idx="1"/>
+          </p:nvPr>
+        </p:nvSpPr>
+        <p:spPr/>
+        <p:txBody>
+          <a:bodyPr/>
+          <a:lstStyle/>
+          <a:p>
+            <a:endParaRPr lang="pt-BR"/>
+          </a:p>
+        </p:txBody>
+      </p:sp>
+    </p:spTree>
+    <p:extLst>
+      <p:ext uri="{BB962C8B-B14F-4D97-AF65-F5344CB8AC3E}">
+        <p14:creationId xmlns:p14="http://schemas.microsoft.com/office/powerpoint/2010/main" val="3399798196"/>
+      </p:ext>
+    </p:extLst>
+  </p:cSld>
+  <p:clrMapOvr>
+    <a:masterClrMapping/>
+  </p:clrMapOvr>
+</p:sld>
+</file>
+
+<file path=ppt/slides/slide11.xml><?xml version="1.0" encoding="utf-8"?>
+<p:sld xmlns:a="http://schemas.openxmlformats.org/drawingml/2006/main" xmlns:r="http://schemas.openxmlformats.org/officeDocument/2006/relationships" xmlns:p="http://schemas.openxmlformats.org/presentationml/2006/main">
+  <p:cSld>
+    <p:spTree>
+      <p:nvGrpSpPr>
+        <p:cNvPr id="1" name=""/>
+        <p:cNvGrpSpPr/>
+        <p:nvPr/>
+      </p:nvGrpSpPr>
+      <p:grpSpPr>
+        <a:xfrm>
+          <a:off x="0" y="0"/>
+          <a:ext cx="0" cy="0"/>
+          <a:chOff x="0" y="0"/>
+          <a:chExt cx="0" cy="0"/>
+        </a:xfrm>
+      </p:grpSpPr>
+      <p:sp>
+        <p:nvSpPr>
+          <p:cNvPr id="2" name="Título 1">
+            <a:extLst>
+              <a:ext uri="{FF2B5EF4-FFF2-40B4-BE49-F238E27FC236}">
+                <a16:creationId xmlns:a16="http://schemas.microsoft.com/office/drawing/2014/main" id="{6C92488F-AABA-44D5-813C-633B30830744}"/>
+              </a:ext>
+            </a:extLst>
+          </p:cNvPr>
+          <p:cNvSpPr>
+            <a:spLocks noGrp="1"/>
+          </p:cNvSpPr>
+          <p:nvPr>
+            <p:ph type="title"/>
+          </p:nvPr>
+        </p:nvSpPr>
+        <p:spPr/>
+        <p:txBody>
+          <a:bodyPr/>
+          <a:lstStyle/>
+          <a:p>
+            <a:r>
+              <a:rPr lang="pt-BR" dirty="0"/>
+              <a:t>Objetos: Imagens e Temas</a:t>
+            </a:r>
+          </a:p>
+        </p:txBody>
+      </p:sp>
+      <p:sp>
+        <p:nvSpPr>
+          <p:cNvPr id="3" name="Espaço Reservado para Conteúdo 2">
+            <a:extLst>
+              <a:ext uri="{FF2B5EF4-FFF2-40B4-BE49-F238E27FC236}">
+                <a16:creationId xmlns:a16="http://schemas.microsoft.com/office/drawing/2014/main" id="{EEB91FED-3084-48A2-B78C-F9ECE0ECEFBB}"/>
+              </a:ext>
+            </a:extLst>
+          </p:cNvPr>
+          <p:cNvSpPr>
+            <a:spLocks noGrp="1"/>
+          </p:cNvSpPr>
+          <p:nvPr>
+            <p:ph idx="1"/>
+          </p:nvPr>
+        </p:nvSpPr>
+        <p:spPr/>
+        <p:txBody>
+          <a:bodyPr/>
+          <a:lstStyle/>
+          <a:p>
+            <a:endParaRPr lang="pt-BR"/>
+          </a:p>
+        </p:txBody>
+      </p:sp>
+    </p:spTree>
+    <p:extLst>
+      <p:ext uri="{BB962C8B-B14F-4D97-AF65-F5344CB8AC3E}">
+        <p14:creationId xmlns:p14="http://schemas.microsoft.com/office/powerpoint/2010/main" val="2991543637"/>
+      </p:ext>
+    </p:extLst>
+  </p:cSld>
+  <p:clrMapOvr>
+    <a:masterClrMapping/>
+  </p:clrMapOvr>
+</p:sld>
+</file>
+
+<file path=ppt/slides/slide12.xml><?xml version="1.0" encoding="utf-8"?>
+<p:sld xmlns:a="http://schemas.openxmlformats.org/drawingml/2006/main" xmlns:r="http://schemas.openxmlformats.org/officeDocument/2006/relationships" xmlns:p="http://schemas.openxmlformats.org/presentationml/2006/main">
+  <p:cSld>
+    <p:spTree>
+      <p:nvGrpSpPr>
+        <p:cNvPr id="1" name=""/>
+        <p:cNvGrpSpPr/>
+        <p:nvPr/>
+      </p:nvGrpSpPr>
+      <p:grpSpPr>
+        <a:xfrm>
+          <a:off x="0" y="0"/>
+          <a:ext cx="0" cy="0"/>
+          <a:chOff x="0" y="0"/>
+          <a:chExt cx="0" cy="0"/>
+        </a:xfrm>
+      </p:grpSpPr>
+      <p:sp>
+        <p:nvSpPr>
+          <p:cNvPr id="2" name="Título 1">
+            <a:extLst>
+              <a:ext uri="{FF2B5EF4-FFF2-40B4-BE49-F238E27FC236}">
+                <a16:creationId xmlns:a16="http://schemas.microsoft.com/office/drawing/2014/main" id="{608596FF-B3AD-4570-9C87-3B810B5100C6}"/>
+              </a:ext>
+            </a:extLst>
+          </p:cNvPr>
+          <p:cNvSpPr>
+            <a:spLocks noGrp="1"/>
+          </p:cNvSpPr>
+          <p:nvPr>
+            <p:ph type="title"/>
+          </p:nvPr>
+        </p:nvSpPr>
+        <p:spPr/>
+        <p:txBody>
+          <a:bodyPr/>
+          <a:lstStyle/>
+          <a:p>
+            <a:r>
+              <a:rPr lang="pt-BR" dirty="0"/>
+              <a:t>Objetos: Gráficos</a:t>
+            </a:r>
+          </a:p>
+        </p:txBody>
+      </p:sp>
+      <p:sp>
+        <p:nvSpPr>
+          <p:cNvPr id="3" name="Espaço Reservado para Conteúdo 2">
+            <a:extLst>
+              <a:ext uri="{FF2B5EF4-FFF2-40B4-BE49-F238E27FC236}">
+                <a16:creationId xmlns:a16="http://schemas.microsoft.com/office/drawing/2014/main" id="{48B3C37A-7725-48B7-A32C-03EA025E11C1}"/>
+              </a:ext>
+            </a:extLst>
+          </p:cNvPr>
+          <p:cNvSpPr>
+            <a:spLocks noGrp="1"/>
+          </p:cNvSpPr>
+          <p:nvPr>
+            <p:ph idx="1"/>
+          </p:nvPr>
+        </p:nvSpPr>
+        <p:spPr/>
+        <p:txBody>
+          <a:bodyPr/>
+          <a:lstStyle/>
+          <a:p>
+            <a:endParaRPr lang="pt-BR"/>
+          </a:p>
+        </p:txBody>
+      </p:sp>
+    </p:spTree>
+    <p:extLst>
+      <p:ext uri="{BB962C8B-B14F-4D97-AF65-F5344CB8AC3E}">
+        <p14:creationId xmlns:p14="http://schemas.microsoft.com/office/powerpoint/2010/main" val="4202855611"/>
+      </p:ext>
+    </p:extLst>
+  </p:cSld>
+  <p:clrMapOvr>
+    <a:masterClrMapping/>
+  </p:clrMapOvr>
+</p:sld>
+</file>
+
+<file path=ppt/slides/slide13.xml><?xml version="1.0" encoding="utf-8"?>
+<p:sld xmlns:a="http://schemas.openxmlformats.org/drawingml/2006/main" xmlns:r="http://schemas.openxmlformats.org/officeDocument/2006/relationships" xmlns:p="http://schemas.openxmlformats.org/presentationml/2006/main">
+  <p:cSld>
+    <p:spTree>
+      <p:nvGrpSpPr>
+        <p:cNvPr id="1" name=""/>
+        <p:cNvGrpSpPr/>
+        <p:nvPr/>
+      </p:nvGrpSpPr>
+      <p:grpSpPr>
+        <a:xfrm>
+          <a:off x="0" y="0"/>
+          <a:ext cx="0" cy="0"/>
+          <a:chOff x="0" y="0"/>
+          <a:chExt cx="0" cy="0"/>
+        </a:xfrm>
+      </p:grpSpPr>
+      <p:sp>
+        <p:nvSpPr>
+          <p:cNvPr id="2" name="Título 1">
+            <a:extLst>
+              <a:ext uri="{FF2B5EF4-FFF2-40B4-BE49-F238E27FC236}">
+                <a16:creationId xmlns:a16="http://schemas.microsoft.com/office/drawing/2014/main" id="{107728D3-6452-4688-B4FB-579182B5832E}"/>
+              </a:ext>
+            </a:extLst>
+          </p:cNvPr>
+          <p:cNvSpPr>
+            <a:spLocks noGrp="1"/>
+          </p:cNvSpPr>
+          <p:nvPr>
+            <p:ph type="title"/>
+          </p:nvPr>
+        </p:nvSpPr>
+        <p:spPr/>
+        <p:txBody>
+          <a:bodyPr/>
+          <a:lstStyle/>
+          <a:p>
+            <a:r>
+              <a:rPr lang="pt-BR" dirty="0"/>
+              <a:t>Objetos: </a:t>
+            </a:r>
+            <a:r>
+              <a:rPr lang="pt-BR" dirty="0" err="1"/>
+              <a:t>SDTs</a:t>
+            </a:r>
+            <a:endParaRPr lang="pt-BR" dirty="0"/>
+          </a:p>
+        </p:txBody>
+      </p:sp>
+      <p:sp>
+        <p:nvSpPr>
+          <p:cNvPr id="3" name="Espaço Reservado para Conteúdo 2">
+            <a:extLst>
+              <a:ext uri="{FF2B5EF4-FFF2-40B4-BE49-F238E27FC236}">
+                <a16:creationId xmlns:a16="http://schemas.microsoft.com/office/drawing/2014/main" id="{32D66BEB-88A2-4EDA-9128-5F8ED2B2EF35}"/>
+              </a:ext>
+            </a:extLst>
+          </p:cNvPr>
+          <p:cNvSpPr>
+            <a:spLocks noGrp="1"/>
+          </p:cNvSpPr>
+          <p:nvPr>
+            <p:ph idx="1"/>
+          </p:nvPr>
+        </p:nvSpPr>
+        <p:spPr/>
+        <p:txBody>
+          <a:bodyPr/>
+          <a:lstStyle/>
+          <a:p>
+            <a:endParaRPr lang="pt-BR"/>
+          </a:p>
+        </p:txBody>
+      </p:sp>
+    </p:spTree>
+    <p:extLst>
+      <p:ext uri="{BB962C8B-B14F-4D97-AF65-F5344CB8AC3E}">
+        <p14:creationId xmlns:p14="http://schemas.microsoft.com/office/powerpoint/2010/main" val="3862354369"/>
+      </p:ext>
+    </p:extLst>
+  </p:cSld>
+  <p:clrMapOvr>
+    <a:masterClrMapping/>
+  </p:clrMapOvr>
+</p:sld>
+</file>
+
+<file path=ppt/slides/slide14.xml><?xml version="1.0" encoding="utf-8"?>
+<p:sld xmlns:a="http://schemas.openxmlformats.org/drawingml/2006/main" xmlns:r="http://schemas.openxmlformats.org/officeDocument/2006/relationships" xmlns:p="http://schemas.openxmlformats.org/presentationml/2006/main">
+  <p:cSld>
+    <p:spTree>
+      <p:nvGrpSpPr>
+        <p:cNvPr id="1" name=""/>
+        <p:cNvGrpSpPr/>
+        <p:nvPr/>
+      </p:nvGrpSpPr>
+      <p:grpSpPr>
+        <a:xfrm>
+          <a:off x="0" y="0"/>
+          <a:ext cx="0" cy="0"/>
+          <a:chOff x="0" y="0"/>
+          <a:chExt cx="0" cy="0"/>
+        </a:xfrm>
+      </p:grpSpPr>
+      <p:sp>
+        <p:nvSpPr>
+          <p:cNvPr id="4" name="Título 3">
+            <a:extLst>
+              <a:ext uri="{FF2B5EF4-FFF2-40B4-BE49-F238E27FC236}">
+                <a16:creationId xmlns:a16="http://schemas.microsoft.com/office/drawing/2014/main" id="{AEF7B264-F456-4C98-926D-C90778708B03}"/>
+              </a:ext>
+            </a:extLst>
+          </p:cNvPr>
+          <p:cNvSpPr>
+            <a:spLocks noGrp="1"/>
+          </p:cNvSpPr>
+          <p:nvPr>
+            <p:ph type="title"/>
+          </p:nvPr>
+        </p:nvSpPr>
+        <p:spPr>
+          <a:xfrm>
+            <a:off x="2449862" y="1701018"/>
+            <a:ext cx="7073965" cy="3455963"/>
+          </a:xfrm>
+        </p:spPr>
+        <p:txBody>
+          <a:bodyPr>
+            <a:normAutofit/>
+          </a:bodyPr>
+          <a:lstStyle/>
+          <a:p>
+            <a:r>
+              <a:rPr lang="pt-BR" sz="9600" dirty="0"/>
+              <a:t>Vamos à prática?</a:t>
+            </a:r>
+          </a:p>
+        </p:txBody>
+      </p:sp>
+    </p:spTree>
+    <p:extLst>
+      <p:ext uri="{BB962C8B-B14F-4D97-AF65-F5344CB8AC3E}">
+        <p14:creationId xmlns:p14="http://schemas.microsoft.com/office/powerpoint/2010/main" val="3584567852"/>
+      </p:ext>
+    </p:extLst>
+  </p:cSld>
+  <p:clrMapOvr>
+    <a:masterClrMapping/>
+  </p:clrMapOvr>
+</p:sld>
+</file>
+
 <file path=ppt/slides/slide2.xml><?xml version="1.0" encoding="utf-8"?>
 <p:sld xmlns:a="http://schemas.openxmlformats.org/drawingml/2006/main" xmlns:r="http://schemas.openxmlformats.org/officeDocument/2006/relationships" xmlns:p="http://schemas.openxmlformats.org/presentationml/2006/main">
   <p:cSld>
@@ -6776,12 +7189,8 @@
           <a:p>
             <a:pPr lvl="1"/>
             <a:r>
-              <a:rPr lang="pt-BR" i="1" dirty="0" err="1"/>
-              <a:t>Reorganization</a:t>
-            </a:r>
-            <a:r>
-              <a:rPr lang="pt-BR" i="1" dirty="0"/>
-              <a:t> Menus</a:t>
+              <a:rPr lang="pt-BR" dirty="0"/>
+              <a:t>Análise de impacto e alteração do banco de dados</a:t>
             </a:r>
           </a:p>
           <a:p>
@@ -7327,6 +7736,175 @@
 </file>
 
 <file path=ppt/slides/slide8.xml><?xml version="1.0" encoding="utf-8"?>
+<p:sld xmlns:a="http://schemas.openxmlformats.org/drawingml/2006/main" xmlns:r="http://schemas.openxmlformats.org/officeDocument/2006/relationships" xmlns:p="http://schemas.openxmlformats.org/presentationml/2006/main">
+  <p:cSld>
+    <p:spTree>
+      <p:nvGrpSpPr>
+        <p:cNvPr id="1" name=""/>
+        <p:cNvGrpSpPr/>
+        <p:nvPr/>
+      </p:nvGrpSpPr>
+      <p:grpSpPr>
+        <a:xfrm>
+          <a:off x="0" y="0"/>
+          <a:ext cx="0" cy="0"/>
+          <a:chOff x="0" y="0"/>
+          <a:chExt cx="0" cy="0"/>
+        </a:xfrm>
+      </p:grpSpPr>
+      <p:sp>
+        <p:nvSpPr>
+          <p:cNvPr id="2" name="Título 1">
+            <a:extLst>
+              <a:ext uri="{FF2B5EF4-FFF2-40B4-BE49-F238E27FC236}">
+                <a16:creationId xmlns:a16="http://schemas.microsoft.com/office/drawing/2014/main" id="{9EDC4568-DC25-4AF8-8975-317FCABBB636}"/>
+              </a:ext>
+            </a:extLst>
+          </p:cNvPr>
+          <p:cNvSpPr>
+            <a:spLocks noGrp="1"/>
+          </p:cNvSpPr>
+          <p:nvPr>
+            <p:ph type="title"/>
+          </p:nvPr>
+        </p:nvSpPr>
+        <p:spPr/>
+        <p:txBody>
+          <a:bodyPr/>
+          <a:lstStyle/>
+          <a:p>
+            <a:r>
+              <a:rPr lang="pt-BR" dirty="0"/>
+              <a:t>Atributos e Domínios</a:t>
+            </a:r>
+          </a:p>
+        </p:txBody>
+      </p:sp>
+      <p:sp>
+        <p:nvSpPr>
+          <p:cNvPr id="3" name="Espaço Reservado para Conteúdo 2">
+            <a:extLst>
+              <a:ext uri="{FF2B5EF4-FFF2-40B4-BE49-F238E27FC236}">
+                <a16:creationId xmlns:a16="http://schemas.microsoft.com/office/drawing/2014/main" id="{DCBEF424-CF7E-43E9-AA5B-362A0FC047AF}"/>
+              </a:ext>
+            </a:extLst>
+          </p:cNvPr>
+          <p:cNvSpPr>
+            <a:spLocks noGrp="1"/>
+          </p:cNvSpPr>
+          <p:nvPr>
+            <p:ph idx="1"/>
+          </p:nvPr>
+        </p:nvSpPr>
+        <p:spPr>
+          <a:xfrm>
+            <a:off x="677334" y="1435401"/>
+            <a:ext cx="8596668" cy="4647347"/>
+          </a:xfrm>
+        </p:spPr>
+        <p:txBody>
+          <a:bodyPr>
+            <a:normAutofit fontScale="92500"/>
+          </a:bodyPr>
+          <a:lstStyle/>
+          <a:p>
+            <a:r>
+              <a:rPr lang="pt-BR" dirty="0"/>
+              <a:t>Um atributo é composto basicamente por nome, descrição, tipo de dados e se aceita nulo ou não</a:t>
+            </a:r>
+          </a:p>
+          <a:p>
+            <a:pPr lvl="1"/>
+            <a:r>
+              <a:rPr lang="pt-BR" dirty="0"/>
+              <a:t>Outras definições</a:t>
+            </a:r>
+          </a:p>
+          <a:p>
+            <a:pPr lvl="2"/>
+            <a:r>
+              <a:rPr lang="pt-BR" dirty="0"/>
+              <a:t>Tipo de controle</a:t>
+            </a:r>
+          </a:p>
+          <a:p>
+            <a:pPr lvl="2"/>
+            <a:r>
+              <a:rPr lang="pt-BR" dirty="0"/>
+              <a:t>Máscara</a:t>
+            </a:r>
+          </a:p>
+          <a:p>
+            <a:pPr lvl="2"/>
+            <a:r>
+              <a:rPr lang="pt-BR" dirty="0"/>
+              <a:t>Aparência (Tamanho, fonte, cores)</a:t>
+            </a:r>
+          </a:p>
+          <a:p>
+            <a:r>
+              <a:rPr lang="pt-BR" dirty="0"/>
+              <a:t>Um domínio é um conjunto de definições que podem ser comuns a atributos/variáveis</a:t>
+            </a:r>
+          </a:p>
+          <a:p>
+            <a:pPr lvl="1"/>
+            <a:r>
+              <a:rPr lang="pt-BR" dirty="0"/>
+              <a:t>Tipo de dados</a:t>
+            </a:r>
+          </a:p>
+          <a:p>
+            <a:pPr lvl="1"/>
+            <a:r>
+              <a:rPr lang="pt-BR" dirty="0"/>
+              <a:t>Tipo de controle</a:t>
+            </a:r>
+          </a:p>
+          <a:p>
+            <a:pPr lvl="1"/>
+            <a:r>
+              <a:rPr lang="pt-BR" dirty="0"/>
+              <a:t>Máscara</a:t>
+            </a:r>
+          </a:p>
+          <a:p>
+            <a:pPr lvl="1"/>
+            <a:r>
+              <a:rPr lang="pt-BR" dirty="0"/>
+              <a:t>Aparência (Tamanho, fonte, cores)</a:t>
+            </a:r>
+          </a:p>
+          <a:p>
+            <a:pPr lvl="1"/>
+            <a:r>
+              <a:rPr lang="pt-BR" dirty="0"/>
+              <a:t>Toda a definição feita em um domínio é aplicada nos atributos baseados nesse domínio. Quando a definição muda, o GeneXus reaplica em todos os atributos baseados!</a:t>
+            </a:r>
+          </a:p>
+          <a:p>
+            <a:pPr lvl="2"/>
+            <a:endParaRPr lang="pt-BR" dirty="0"/>
+          </a:p>
+          <a:p>
+            <a:endParaRPr lang="pt-BR" dirty="0"/>
+          </a:p>
+        </p:txBody>
+      </p:sp>
+    </p:spTree>
+    <p:extLst>
+      <p:ext uri="{BB962C8B-B14F-4D97-AF65-F5344CB8AC3E}">
+        <p14:creationId xmlns:p14="http://schemas.microsoft.com/office/powerpoint/2010/main" val="1267751359"/>
+      </p:ext>
+    </p:extLst>
+  </p:cSld>
+  <p:clrMapOvr>
+    <a:masterClrMapping/>
+  </p:clrMapOvr>
+</p:sld>
+</file>
+
+<file path=ppt/slides/slide9.xml><?xml version="1.0" encoding="utf-8"?>
 <p:sld xmlns:a="http://schemas.openxmlformats.org/drawingml/2006/main" xmlns:r="http://schemas.openxmlformats.org/officeDocument/2006/relationships" xmlns:p="http://schemas.openxmlformats.org/presentationml/2006/main">
   <p:cSld>
     <p:spTree>

--- a/Techweek2019.pptx
+++ b/Techweek2019.pptx
@@ -19,6 +19,8 @@
     <p:sldId id="267" r:id="rId13"/>
     <p:sldId id="268" r:id="rId14"/>
     <p:sldId id="269" r:id="rId15"/>
+    <p:sldId id="271" r:id="rId16"/>
+    <p:sldId id="270" r:id="rId17"/>
   </p:sldIdLst>
   <p:sldSz cx="12192000" cy="6858000"/>
   <p:notesSz cx="6858000" cy="9144000"/>
@@ -847,7 +849,7 @@
           <a:p>
             <a:fld id="{A4B818D9-19C3-4AD2-9336-87D155945ED2}" type="datetimeFigureOut">
               <a:rPr lang="pt-BR" smtClean="0"/>
-              <a:t>14/05/2019</a:t>
+              <a:t>15/05/2019</a:t>
             </a:fld>
             <a:endParaRPr lang="pt-BR"/>
           </a:p>
@@ -1098,7 +1100,7 @@
           <a:p>
             <a:fld id="{A4B818D9-19C3-4AD2-9336-87D155945ED2}" type="datetimeFigureOut">
               <a:rPr lang="pt-BR" smtClean="0"/>
-              <a:t>14/05/2019</a:t>
+              <a:t>15/05/2019</a:t>
             </a:fld>
             <a:endParaRPr lang="pt-BR"/>
           </a:p>
@@ -1412,7 +1414,7 @@
           <a:p>
             <a:fld id="{A4B818D9-19C3-4AD2-9336-87D155945ED2}" type="datetimeFigureOut">
               <a:rPr lang="pt-BR" smtClean="0"/>
-              <a:t>14/05/2019</a:t>
+              <a:t>15/05/2019</a:t>
             </a:fld>
             <a:endParaRPr lang="pt-BR"/>
           </a:p>
@@ -1753,7 +1755,7 @@
           <a:p>
             <a:fld id="{A4B818D9-19C3-4AD2-9336-87D155945ED2}" type="datetimeFigureOut">
               <a:rPr lang="pt-BR" smtClean="0"/>
-              <a:t>14/05/2019</a:t>
+              <a:t>15/05/2019</a:t>
             </a:fld>
             <a:endParaRPr lang="pt-BR"/>
           </a:p>
@@ -2067,7 +2069,7 @@
           <a:p>
             <a:fld id="{A4B818D9-19C3-4AD2-9336-87D155945ED2}" type="datetimeFigureOut">
               <a:rPr lang="pt-BR" smtClean="0"/>
-              <a:t>14/05/2019</a:t>
+              <a:t>15/05/2019</a:t>
             </a:fld>
             <a:endParaRPr lang="pt-BR"/>
           </a:p>
@@ -2460,7 +2462,7 @@
           <a:p>
             <a:fld id="{A4B818D9-19C3-4AD2-9336-87D155945ED2}" type="datetimeFigureOut">
               <a:rPr lang="pt-BR" smtClean="0"/>
-              <a:t>14/05/2019</a:t>
+              <a:t>15/05/2019</a:t>
             </a:fld>
             <a:endParaRPr lang="pt-BR"/>
           </a:p>
@@ -2630,7 +2632,7 @@
           <a:p>
             <a:fld id="{A4B818D9-19C3-4AD2-9336-87D155945ED2}" type="datetimeFigureOut">
               <a:rPr lang="pt-BR" smtClean="0"/>
-              <a:t>14/05/2019</a:t>
+              <a:t>15/05/2019</a:t>
             </a:fld>
             <a:endParaRPr lang="pt-BR"/>
           </a:p>
@@ -2810,7 +2812,7 @@
           <a:p>
             <a:fld id="{A4B818D9-19C3-4AD2-9336-87D155945ED2}" type="datetimeFigureOut">
               <a:rPr lang="pt-BR" smtClean="0"/>
-              <a:t>14/05/2019</a:t>
+              <a:t>15/05/2019</a:t>
             </a:fld>
             <a:endParaRPr lang="pt-BR"/>
           </a:p>
@@ -2996,7 +2998,7 @@
           <a:p>
             <a:fld id="{A4B818D9-19C3-4AD2-9336-87D155945ED2}" type="datetimeFigureOut">
               <a:rPr lang="pt-BR" smtClean="0"/>
-              <a:t>14/05/2019</a:t>
+              <a:t>15/05/2019</a:t>
             </a:fld>
             <a:endParaRPr lang="pt-BR"/>
           </a:p>
@@ -3282,7 +3284,7 @@
           <a:p>
             <a:fld id="{A4B818D9-19C3-4AD2-9336-87D155945ED2}" type="datetimeFigureOut">
               <a:rPr lang="pt-BR" smtClean="0"/>
-              <a:t>14/05/2019</a:t>
+              <a:t>15/05/2019</a:t>
             </a:fld>
             <a:endParaRPr lang="pt-BR"/>
           </a:p>
@@ -3514,7 +3516,7 @@
           <a:p>
             <a:fld id="{A4B818D9-19C3-4AD2-9336-87D155945ED2}" type="datetimeFigureOut">
               <a:rPr lang="pt-BR" smtClean="0"/>
-              <a:t>14/05/2019</a:t>
+              <a:t>15/05/2019</a:t>
             </a:fld>
             <a:endParaRPr lang="pt-BR"/>
           </a:p>
@@ -3888,7 +3890,7 @@
           <a:p>
             <a:fld id="{A4B818D9-19C3-4AD2-9336-87D155945ED2}" type="datetimeFigureOut">
               <a:rPr lang="pt-BR" smtClean="0"/>
-              <a:t>14/05/2019</a:t>
+              <a:t>15/05/2019</a:t>
             </a:fld>
             <a:endParaRPr lang="pt-BR"/>
           </a:p>
@@ -4011,7 +4013,7 @@
           <a:p>
             <a:fld id="{A4B818D9-19C3-4AD2-9336-87D155945ED2}" type="datetimeFigureOut">
               <a:rPr lang="pt-BR" smtClean="0"/>
-              <a:t>14/05/2019</a:t>
+              <a:t>15/05/2019</a:t>
             </a:fld>
             <a:endParaRPr lang="pt-BR"/>
           </a:p>
@@ -4106,7 +4108,7 @@
           <a:p>
             <a:fld id="{A4B818D9-19C3-4AD2-9336-87D155945ED2}" type="datetimeFigureOut">
               <a:rPr lang="pt-BR" smtClean="0"/>
-              <a:t>14/05/2019</a:t>
+              <a:t>15/05/2019</a:t>
             </a:fld>
             <a:endParaRPr lang="pt-BR"/>
           </a:p>
@@ -4361,7 +4363,7 @@
           <a:p>
             <a:fld id="{A4B818D9-19C3-4AD2-9336-87D155945ED2}" type="datetimeFigureOut">
               <a:rPr lang="pt-BR" smtClean="0"/>
-              <a:t>14/05/2019</a:t>
+              <a:t>15/05/2019</a:t>
             </a:fld>
             <a:endParaRPr lang="pt-BR"/>
           </a:p>
@@ -4624,7 +4626,7 @@
           <a:p>
             <a:fld id="{A4B818D9-19C3-4AD2-9336-87D155945ED2}" type="datetimeFigureOut">
               <a:rPr lang="pt-BR" smtClean="0"/>
-              <a:t>14/05/2019</a:t>
+              <a:t>15/05/2019</a:t>
             </a:fld>
             <a:endParaRPr lang="pt-BR"/>
           </a:p>
@@ -5367,7 +5369,7 @@
           <a:p>
             <a:fld id="{A4B818D9-19C3-4AD2-9336-87D155945ED2}" type="datetimeFigureOut">
               <a:rPr lang="pt-BR" smtClean="0"/>
-              <a:t>14/05/2019</a:t>
+              <a:t>15/05/2019</a:t>
             </a:fld>
             <a:endParaRPr lang="pt-BR"/>
           </a:p>
@@ -6449,7 +6451,36 @@
           <a:bodyPr/>
           <a:lstStyle/>
           <a:p>
-            <a:endParaRPr lang="pt-BR"/>
+            <a:r>
+              <a:rPr lang="pt-BR" dirty="0"/>
+              <a:t>Definem instruções para manipulação de dados fora de formulários da transação</a:t>
+            </a:r>
+          </a:p>
+          <a:p>
+            <a:r>
+              <a:rPr lang="pt-BR" dirty="0"/>
+              <a:t>Validações de regras</a:t>
+            </a:r>
+          </a:p>
+          <a:p>
+            <a:r>
+              <a:rPr lang="pt-BR" dirty="0"/>
+              <a:t>Geram os relatórios do sistema</a:t>
+            </a:r>
+          </a:p>
+          <a:p>
+            <a:r>
+              <a:rPr lang="pt-BR" dirty="0"/>
+              <a:t>Utilizadas também para criar </a:t>
+            </a:r>
+            <a:r>
+              <a:rPr lang="pt-BR" i="1" dirty="0"/>
+              <a:t>Web Services </a:t>
+            </a:r>
+            <a:r>
+              <a:rPr lang="pt-BR" dirty="0"/>
+              <a:t>e executáveis</a:t>
+            </a:r>
           </a:p>
         </p:txBody>
       </p:sp>
@@ -6532,7 +6563,70 @@
           <a:bodyPr/>
           <a:lstStyle/>
           <a:p>
-            <a:endParaRPr lang="pt-BR"/>
+            <a:r>
+              <a:rPr lang="pt-BR" dirty="0"/>
+              <a:t>Objetos do tipo “</a:t>
+            </a:r>
+            <a:r>
+              <a:rPr lang="pt-BR" dirty="0" err="1"/>
+              <a:t>Image</a:t>
+            </a:r>
+            <a:r>
+              <a:rPr lang="pt-BR" dirty="0"/>
+              <a:t>”: utilizados para definir as imagens da aplicação</a:t>
+            </a:r>
+          </a:p>
+          <a:p>
+            <a:pPr lvl="1"/>
+            <a:r>
+              <a:rPr lang="pt-BR" dirty="0"/>
+              <a:t>Imagem Interna: Gera um arquivo físico dentro da aplicação</a:t>
+            </a:r>
+          </a:p>
+          <a:p>
+            <a:pPr lvl="1"/>
+            <a:r>
+              <a:rPr lang="pt-BR" dirty="0"/>
+              <a:t>Imagem Externa: Aponta para uma URL</a:t>
+            </a:r>
+          </a:p>
+          <a:p>
+            <a:r>
+              <a:rPr lang="pt-BR" dirty="0"/>
+              <a:t>Temas: Manipulação do CSS da aplicação</a:t>
+            </a:r>
+          </a:p>
+          <a:p>
+            <a:pPr lvl="1"/>
+            <a:r>
+              <a:rPr lang="pt-BR" dirty="0"/>
+              <a:t>Classes</a:t>
+            </a:r>
+          </a:p>
+          <a:p>
+            <a:pPr lvl="1"/>
+            <a:r>
+              <a:rPr lang="pt-BR" dirty="0"/>
+              <a:t>Paleta de Cores</a:t>
+            </a:r>
+          </a:p>
+          <a:p>
+            <a:pPr lvl="1"/>
+            <a:r>
+              <a:rPr lang="pt-BR" dirty="0"/>
+              <a:t>Fontes</a:t>
+            </a:r>
+          </a:p>
+          <a:p>
+            <a:pPr lvl="1"/>
+            <a:r>
+              <a:rPr lang="pt-BR" dirty="0" err="1"/>
+              <a:t>Tags</a:t>
+            </a:r>
+            <a:r>
+              <a:rPr lang="pt-BR" dirty="0"/>
+              <a:t> HTML</a:t>
+            </a:r>
           </a:p>
         </p:txBody>
       </p:sp>
@@ -6615,7 +6709,75 @@
           <a:bodyPr/>
           <a:lstStyle/>
           <a:p>
-            <a:endParaRPr lang="pt-BR"/>
+            <a:r>
+              <a:rPr lang="pt-BR" dirty="0"/>
+              <a:t>Servem para demonstrar dados em forma de gráficos ou tabelas dinâmicas</a:t>
+            </a:r>
+          </a:p>
+          <a:p>
+            <a:r>
+              <a:rPr lang="pt-BR" dirty="0"/>
+              <a:t>Gráficos geram Flash ou </a:t>
+            </a:r>
+            <a:r>
+              <a:rPr lang="pt-BR" dirty="0" err="1"/>
+              <a:t>Javascript</a:t>
+            </a:r>
+            <a:r>
+              <a:rPr lang="pt-BR" dirty="0"/>
+              <a:t>, utilizando </a:t>
+            </a:r>
+            <a:r>
+              <a:rPr lang="pt-BR" i="1" dirty="0" err="1"/>
+              <a:t>Highcharts</a:t>
+            </a:r>
+            <a:endParaRPr lang="pt-BR" i="1" dirty="0"/>
+          </a:p>
+          <a:p>
+            <a:r>
+              <a:rPr lang="pt-BR" dirty="0"/>
+              <a:t>Mediante estrutura definida, é gerada uma instrução SQL para busca dos dados</a:t>
+            </a:r>
+          </a:p>
+          <a:p>
+            <a:r>
+              <a:rPr lang="pt-BR" dirty="0"/>
+              <a:t>Gráficos</a:t>
+            </a:r>
+          </a:p>
+          <a:p>
+            <a:pPr lvl="1"/>
+            <a:r>
+              <a:rPr lang="pt-BR" dirty="0"/>
+              <a:t>Pizza</a:t>
+            </a:r>
+          </a:p>
+          <a:p>
+            <a:pPr lvl="1"/>
+            <a:r>
+              <a:rPr lang="pt-BR" dirty="0"/>
+              <a:t>Barras</a:t>
+            </a:r>
+          </a:p>
+          <a:p>
+            <a:pPr lvl="1"/>
+            <a:r>
+              <a:rPr lang="pt-BR" dirty="0"/>
+              <a:t>Linha</a:t>
+            </a:r>
+          </a:p>
+          <a:p>
+            <a:pPr lvl="1"/>
+            <a:r>
+              <a:rPr lang="pt-BR" dirty="0"/>
+              <a:t>E outros...</a:t>
+            </a:r>
+          </a:p>
+          <a:p>
+            <a:r>
+              <a:rPr lang="pt-BR" dirty="0"/>
+              <a:t>Troca em tempo de execução da visualização dos gráficos</a:t>
+            </a:r>
           </a:p>
         </p:txBody>
       </p:sp>
@@ -6700,10 +6862,53 @@
         </p:nvSpPr>
         <p:spPr/>
         <p:txBody>
-          <a:bodyPr/>
-          <a:lstStyle/>
-          <a:p>
-            <a:endParaRPr lang="pt-BR"/>
+          <a:bodyPr>
+            <a:normAutofit/>
+          </a:bodyPr>
+          <a:lstStyle/>
+          <a:p>
+            <a:r>
+              <a:rPr lang="pt-BR" sz="2400" i="1" dirty="0"/>
+              <a:t>Structured Data </a:t>
+            </a:r>
+            <a:r>
+              <a:rPr lang="pt-BR" sz="2400" i="1" dirty="0" err="1"/>
+              <a:t>Types</a:t>
+            </a:r>
+            <a:r>
+              <a:rPr lang="pt-BR" sz="2400" i="1" dirty="0"/>
+              <a:t>,</a:t>
+            </a:r>
+            <a:r>
+              <a:rPr lang="pt-BR" sz="2400" dirty="0"/>
+              <a:t> ou Tipos de Dados Estruturados</a:t>
+            </a:r>
+          </a:p>
+          <a:p>
+            <a:r>
+              <a:rPr lang="pt-BR" sz="2400" dirty="0"/>
+              <a:t>Similar ao </a:t>
+            </a:r>
+            <a:r>
+              <a:rPr lang="pt-BR" sz="2400" i="1" dirty="0" err="1"/>
+              <a:t>struct</a:t>
+            </a:r>
+            <a:r>
+              <a:rPr lang="pt-BR" sz="2400" dirty="0"/>
+              <a:t> do C++</a:t>
+            </a:r>
+          </a:p>
+          <a:p>
+            <a:r>
+              <a:rPr lang="pt-BR" sz="2400" dirty="0"/>
+              <a:t>Fácil manipulação de listas</a:t>
+            </a:r>
+          </a:p>
+          <a:p>
+            <a:r>
+              <a:rPr lang="pt-BR" sz="2400" dirty="0"/>
+              <a:t>Permite geração fácil de dados em formato JSON e XML</a:t>
+            </a:r>
           </a:p>
         </p:txBody>
       </p:sp>
@@ -6776,6 +6981,284 @@
     <p:extLst>
       <p:ext uri="{BB962C8B-B14F-4D97-AF65-F5344CB8AC3E}">
         <p14:creationId xmlns:p14="http://schemas.microsoft.com/office/powerpoint/2010/main" val="3584567852"/>
+      </p:ext>
+    </p:extLst>
+  </p:cSld>
+  <p:clrMapOvr>
+    <a:masterClrMapping/>
+  </p:clrMapOvr>
+</p:sld>
+</file>
+
+<file path=ppt/slides/slide15.xml><?xml version="1.0" encoding="utf-8"?>
+<p:sld xmlns:a="http://schemas.openxmlformats.org/drawingml/2006/main" xmlns:r="http://schemas.openxmlformats.org/officeDocument/2006/relationships" xmlns:p="http://schemas.openxmlformats.org/presentationml/2006/main">
+  <p:cSld>
+    <p:spTree>
+      <p:nvGrpSpPr>
+        <p:cNvPr id="1" name=""/>
+        <p:cNvGrpSpPr/>
+        <p:nvPr/>
+      </p:nvGrpSpPr>
+      <p:grpSpPr>
+        <a:xfrm>
+          <a:off x="0" y="0"/>
+          <a:ext cx="0" cy="0"/>
+          <a:chOff x="0" y="0"/>
+          <a:chExt cx="0" cy="0"/>
+        </a:xfrm>
+      </p:grpSpPr>
+      <p:sp>
+        <p:nvSpPr>
+          <p:cNvPr id="3" name="Título 2">
+            <a:extLst>
+              <a:ext uri="{FF2B5EF4-FFF2-40B4-BE49-F238E27FC236}">
+                <a16:creationId xmlns:a16="http://schemas.microsoft.com/office/drawing/2014/main" id="{32A9B528-177C-4731-ABA9-0FFF4B188C8A}"/>
+              </a:ext>
+            </a:extLst>
+          </p:cNvPr>
+          <p:cNvSpPr>
+            <a:spLocks noGrp="1"/>
+          </p:cNvSpPr>
+          <p:nvPr>
+            <p:ph type="title"/>
+          </p:nvPr>
+        </p:nvSpPr>
+        <p:spPr/>
+        <p:txBody>
+          <a:bodyPr/>
+          <a:lstStyle/>
+          <a:p>
+            <a:r>
+              <a:rPr lang="pt-BR" dirty="0"/>
+              <a:t>Outros produtos da </a:t>
+            </a:r>
+            <a:r>
+              <a:rPr lang="pt-BR" dirty="0" err="1"/>
+              <a:t>ARTech</a:t>
+            </a:r>
+            <a:endParaRPr lang="pt-BR" dirty="0"/>
+          </a:p>
+        </p:txBody>
+      </p:sp>
+      <p:sp>
+        <p:nvSpPr>
+          <p:cNvPr id="4" name="Espaço Reservado para Conteúdo 3">
+            <a:extLst>
+              <a:ext uri="{FF2B5EF4-FFF2-40B4-BE49-F238E27FC236}">
+                <a16:creationId xmlns:a16="http://schemas.microsoft.com/office/drawing/2014/main" id="{F74D51DC-CCF4-4F16-AA86-BB66E8FE2836}"/>
+              </a:ext>
+            </a:extLst>
+          </p:cNvPr>
+          <p:cNvSpPr>
+            <a:spLocks noGrp="1"/>
+          </p:cNvSpPr>
+          <p:nvPr>
+            <p:ph idx="1"/>
+          </p:nvPr>
+        </p:nvSpPr>
+        <p:spPr/>
+        <p:txBody>
+          <a:bodyPr>
+            <a:normAutofit/>
+          </a:bodyPr>
+          <a:lstStyle/>
+          <a:p>
+            <a:r>
+              <a:rPr lang="pt-BR" sz="2800" dirty="0" err="1"/>
+              <a:t>GXTest</a:t>
+            </a:r>
+            <a:endParaRPr lang="pt-BR" sz="2800" dirty="0"/>
+          </a:p>
+          <a:p>
+            <a:r>
+              <a:rPr lang="pt-BR" sz="2800" dirty="0" err="1"/>
+              <a:t>GXServer</a:t>
+            </a:r>
+            <a:endParaRPr lang="pt-BR" sz="2800" dirty="0"/>
+          </a:p>
+          <a:p>
+            <a:r>
+              <a:rPr lang="pt-BR" sz="2800" dirty="0" err="1"/>
+              <a:t>GXQuery</a:t>
+            </a:r>
+            <a:endParaRPr lang="pt-BR" sz="2800" dirty="0"/>
+          </a:p>
+          <a:p>
+            <a:r>
+              <a:rPr lang="pt-BR" sz="2800" dirty="0" err="1"/>
+              <a:t>GXPortal</a:t>
+            </a:r>
+            <a:endParaRPr lang="pt-BR" sz="2800" dirty="0"/>
+          </a:p>
+        </p:txBody>
+      </p:sp>
+    </p:spTree>
+    <p:extLst>
+      <p:ext uri="{BB962C8B-B14F-4D97-AF65-F5344CB8AC3E}">
+        <p14:creationId xmlns:p14="http://schemas.microsoft.com/office/powerpoint/2010/main" val="1721587164"/>
+      </p:ext>
+    </p:extLst>
+  </p:cSld>
+  <p:clrMapOvr>
+    <a:masterClrMapping/>
+  </p:clrMapOvr>
+</p:sld>
+</file>
+
+<file path=ppt/slides/slide16.xml><?xml version="1.0" encoding="utf-8"?>
+<p:sld xmlns:a="http://schemas.openxmlformats.org/drawingml/2006/main" xmlns:r="http://schemas.openxmlformats.org/officeDocument/2006/relationships" xmlns:p="http://schemas.openxmlformats.org/presentationml/2006/main">
+  <p:cSld>
+    <p:spTree>
+      <p:nvGrpSpPr>
+        <p:cNvPr id="1" name=""/>
+        <p:cNvGrpSpPr/>
+        <p:nvPr/>
+      </p:nvGrpSpPr>
+      <p:grpSpPr>
+        <a:xfrm>
+          <a:off x="0" y="0"/>
+          <a:ext cx="0" cy="0"/>
+          <a:chOff x="0" y="0"/>
+          <a:chExt cx="0" cy="0"/>
+        </a:xfrm>
+      </p:grpSpPr>
+      <p:sp>
+        <p:nvSpPr>
+          <p:cNvPr id="5" name="Título 4">
+            <a:extLst>
+              <a:ext uri="{FF2B5EF4-FFF2-40B4-BE49-F238E27FC236}">
+                <a16:creationId xmlns:a16="http://schemas.microsoft.com/office/drawing/2014/main" id="{4FE25B56-59AE-49BA-8F5D-AACC2FA3838C}"/>
+              </a:ext>
+            </a:extLst>
+          </p:cNvPr>
+          <p:cNvSpPr>
+            <a:spLocks noGrp="1"/>
+          </p:cNvSpPr>
+          <p:nvPr>
+            <p:ph type="title"/>
+          </p:nvPr>
+        </p:nvSpPr>
+        <p:spPr/>
+        <p:txBody>
+          <a:bodyPr/>
+          <a:lstStyle/>
+          <a:p>
+            <a:r>
+              <a:rPr lang="pt-BR" dirty="0"/>
+              <a:t>Outros recursos</a:t>
+            </a:r>
+          </a:p>
+        </p:txBody>
+      </p:sp>
+      <p:sp>
+        <p:nvSpPr>
+          <p:cNvPr id="6" name="Espaço Reservado para Conteúdo 5">
+            <a:extLst>
+              <a:ext uri="{FF2B5EF4-FFF2-40B4-BE49-F238E27FC236}">
+                <a16:creationId xmlns:a16="http://schemas.microsoft.com/office/drawing/2014/main" id="{E7E290A4-8C1F-435F-B181-D343CB2A0F1A}"/>
+              </a:ext>
+            </a:extLst>
+          </p:cNvPr>
+          <p:cNvSpPr>
+            <a:spLocks noGrp="1"/>
+          </p:cNvSpPr>
+          <p:nvPr>
+            <p:ph idx="1"/>
+          </p:nvPr>
+        </p:nvSpPr>
+        <p:spPr/>
+        <p:txBody>
+          <a:bodyPr>
+            <a:normAutofit/>
+          </a:bodyPr>
+          <a:lstStyle/>
+          <a:p>
+            <a:r>
+              <a:rPr lang="pt-BR" sz="2400" dirty="0"/>
+              <a:t>Responsividade: GeneXus e </a:t>
+            </a:r>
+            <a:r>
+              <a:rPr lang="pt-BR" sz="2400" dirty="0" err="1"/>
+              <a:t>Bootstrap</a:t>
+            </a:r>
+            <a:endParaRPr lang="pt-BR" sz="2400" dirty="0"/>
+          </a:p>
+          <a:p>
+            <a:r>
+              <a:rPr lang="pt-BR" sz="2400" dirty="0"/>
+              <a:t>Segurança</a:t>
+            </a:r>
+          </a:p>
+          <a:p>
+            <a:pPr lvl="1"/>
+            <a:r>
+              <a:rPr lang="pt-BR" sz="2000" dirty="0"/>
+              <a:t>SQL </a:t>
+            </a:r>
+            <a:r>
+              <a:rPr lang="pt-BR" sz="2000" dirty="0" err="1"/>
+              <a:t>Injection</a:t>
+            </a:r>
+            <a:r>
+              <a:rPr lang="pt-BR" sz="2000" dirty="0"/>
+              <a:t>: Consultas parametrizadas</a:t>
+            </a:r>
+          </a:p>
+          <a:p>
+            <a:pPr lvl="1"/>
+            <a:r>
+              <a:rPr lang="pt-BR" sz="2000" dirty="0"/>
+              <a:t>Checagem de modificação de dados somente leitura</a:t>
+            </a:r>
+          </a:p>
+          <a:p>
+            <a:pPr lvl="1"/>
+            <a:r>
+              <a:rPr lang="pt-BR" sz="2000" dirty="0"/>
+              <a:t>Criptografia de parâmetros das </a:t>
+            </a:r>
+            <a:r>
+              <a:rPr lang="pt-BR" sz="2000" dirty="0" err="1"/>
+              <a:t>URLs</a:t>
+            </a:r>
+            <a:r>
+              <a:rPr lang="pt-BR" sz="2000" dirty="0"/>
+              <a:t> da aplicação</a:t>
+            </a:r>
+          </a:p>
+          <a:p>
+            <a:r>
+              <a:rPr lang="pt-BR" sz="2400" dirty="0"/>
+              <a:t>Eventos </a:t>
+            </a:r>
+            <a:r>
+              <a:rPr lang="pt-BR" sz="2400" i="1" dirty="0" err="1"/>
+              <a:t>client-side</a:t>
+            </a:r>
+            <a:r>
+              <a:rPr lang="pt-BR" sz="2400" i="1" dirty="0"/>
+              <a:t> </a:t>
+            </a:r>
+            <a:r>
+              <a:rPr lang="pt-BR" sz="2400" dirty="0"/>
+              <a:t>e </a:t>
+            </a:r>
+            <a:r>
+              <a:rPr lang="pt-BR" sz="2400" i="1" dirty="0"/>
+              <a:t>server-</a:t>
+            </a:r>
+            <a:r>
+              <a:rPr lang="pt-BR" sz="2400" i="1" dirty="0" err="1"/>
+              <a:t>side</a:t>
+            </a:r>
+            <a:endParaRPr lang="pt-BR" sz="2400" dirty="0"/>
+          </a:p>
+        </p:txBody>
+      </p:sp>
+    </p:spTree>
+    <p:extLst>
+      <p:ext uri="{BB962C8B-B14F-4D97-AF65-F5344CB8AC3E}">
+        <p14:creationId xmlns:p14="http://schemas.microsoft.com/office/powerpoint/2010/main" val="2828832789"/>
       </p:ext>
     </p:extLst>
   </p:cSld>

--- a/Techweek2019.pptx
+++ b/Techweek2019.pptx
@@ -9,18 +9,20 @@
     <p:sldId id="257" r:id="rId3"/>
     <p:sldId id="258" r:id="rId4"/>
     <p:sldId id="259" r:id="rId5"/>
-    <p:sldId id="260" r:id="rId6"/>
-    <p:sldId id="263" r:id="rId7"/>
-    <p:sldId id="261" r:id="rId8"/>
-    <p:sldId id="264" r:id="rId9"/>
-    <p:sldId id="262" r:id="rId10"/>
-    <p:sldId id="265" r:id="rId11"/>
-    <p:sldId id="266" r:id="rId12"/>
-    <p:sldId id="267" r:id="rId13"/>
-    <p:sldId id="268" r:id="rId14"/>
-    <p:sldId id="269" r:id="rId15"/>
-    <p:sldId id="271" r:id="rId16"/>
-    <p:sldId id="270" r:id="rId17"/>
+    <p:sldId id="272" r:id="rId6"/>
+    <p:sldId id="260" r:id="rId7"/>
+    <p:sldId id="263" r:id="rId8"/>
+    <p:sldId id="261" r:id="rId9"/>
+    <p:sldId id="264" r:id="rId10"/>
+    <p:sldId id="262" r:id="rId11"/>
+    <p:sldId id="265" r:id="rId12"/>
+    <p:sldId id="266" r:id="rId13"/>
+    <p:sldId id="267" r:id="rId14"/>
+    <p:sldId id="268" r:id="rId15"/>
+    <p:sldId id="269" r:id="rId16"/>
+    <p:sldId id="271" r:id="rId17"/>
+    <p:sldId id="270" r:id="rId18"/>
+    <p:sldId id="273" r:id="rId19"/>
   </p:sldIdLst>
   <p:sldSz cx="12192000" cy="6858000"/>
   <p:notesSz cx="6858000" cy="9144000"/>
@@ -868,9 +870,13 @@
         <p:spPr/>
         <p:txBody>
           <a:bodyPr/>
-          <a:lstStyle/>
-          <a:p>
-            <a:endParaRPr lang="pt-BR"/>
+          <a:lstStyle>
+            <a:lvl1pPr>
+              <a:defRPr sz="1200"/>
+            </a:lvl1pPr>
+          </a:lstStyle>
+          <a:p>
+            <a:endParaRPr lang="pt-BR" dirty="0"/>
           </a:p>
         </p:txBody>
       </p:sp>
@@ -3000,25 +3006,6 @@
               <a:rPr lang="pt-BR" smtClean="0"/>
               <a:t>15/05/2019</a:t>
             </a:fld>
-            <a:endParaRPr lang="pt-BR"/>
-          </a:p>
-        </p:txBody>
-      </p:sp>
-      <p:sp>
-        <p:nvSpPr>
-          <p:cNvPr id="5" name="Footer Placeholder 4"/>
-          <p:cNvSpPr>
-            <a:spLocks noGrp="1"/>
-          </p:cNvSpPr>
-          <p:nvPr>
-            <p:ph type="ftr" sz="quarter" idx="11"/>
-          </p:nvPr>
-        </p:nvSpPr>
-        <p:spPr/>
-        <p:txBody>
-          <a:bodyPr/>
-          <a:lstStyle/>
-          <a:p>
             <a:endParaRPr lang="pt-BR"/>
           </a:p>
         </p:txBody>
@@ -3085,6 +3072,61 @@
           </a:prstGeom>
         </p:spPr>
       </p:pic>
+      <p:sp>
+        <p:nvSpPr>
+          <p:cNvPr id="7" name="CaixaDeTexto 6">
+            <a:extLst>
+              <a:ext uri="{FF2B5EF4-FFF2-40B4-BE49-F238E27FC236}">
+                <a16:creationId xmlns:a16="http://schemas.microsoft.com/office/drawing/2014/main" id="{3F395EED-76A5-44DA-A5BD-A65E087D0A8E}"/>
+              </a:ext>
+            </a:extLst>
+          </p:cNvPr>
+          <p:cNvSpPr txBox="1"/>
+          <p:nvPr userDrawn="1"/>
+        </p:nvSpPr>
+        <p:spPr>
+          <a:xfrm>
+            <a:off x="677334" y="6304002"/>
+            <a:ext cx="5707075" cy="553998"/>
+          </a:xfrm>
+          <a:prstGeom prst="rect">
+            <a:avLst/>
+          </a:prstGeom>
+          <a:noFill/>
+        </p:spPr>
+        <p:txBody>
+          <a:bodyPr wrap="none" rtlCol="0">
+            <a:spAutoFit/>
+          </a:bodyPr>
+          <a:lstStyle/>
+          <a:p>
+            <a:pPr marL="0" marR="0" lvl="0" indent="0" algn="l" defTabSz="457200" rtl="0" eaLnBrk="1" fontAlgn="auto" latinLnBrk="0" hangingPunct="1">
+              <a:lnSpc>
+                <a:spcPct val="100000"/>
+              </a:lnSpc>
+              <a:spcBef>
+                <a:spcPts val="0"/>
+              </a:spcBef>
+              <a:spcAft>
+                <a:spcPts val="0"/>
+              </a:spcAft>
+              <a:buClrTx/>
+              <a:buSzTx/>
+              <a:buFontTx/>
+              <a:buNone/>
+              <a:tabLst/>
+              <a:defRPr/>
+            </a:pPr>
+            <a:r>
+              <a:rPr lang="pt-BR" sz="1200" dirty="0"/>
+              <a:t>https://github.com/josenelsoncultri/Techweek2019 - josefcultri@yahoo.com.br</a:t>
+            </a:r>
+          </a:p>
+          <a:p>
+            <a:endParaRPr lang="pt-BR" dirty="0"/>
+          </a:p>
+        </p:txBody>
+      </p:sp>
     </p:spTree>
     <p:extLst>
       <p:ext uri="{BB962C8B-B14F-4D97-AF65-F5344CB8AC3E}">
@@ -4021,25 +4063,6 @@
       </p:sp>
       <p:sp>
         <p:nvSpPr>
-          <p:cNvPr id="4" name="Footer Placeholder 3"/>
-          <p:cNvSpPr>
-            <a:spLocks noGrp="1"/>
-          </p:cNvSpPr>
-          <p:nvPr>
-            <p:ph type="ftr" sz="quarter" idx="11"/>
-          </p:nvPr>
-        </p:nvSpPr>
-        <p:spPr/>
-        <p:txBody>
-          <a:bodyPr/>
-          <a:lstStyle/>
-          <a:p>
-            <a:endParaRPr lang="pt-BR"/>
-          </a:p>
-        </p:txBody>
-      </p:sp>
-      <p:sp>
-        <p:nvSpPr>
           <p:cNvPr id="5" name="Slide Number Placeholder 4"/>
           <p:cNvSpPr>
             <a:spLocks noGrp="1"/>
@@ -4058,6 +4081,61 @@
               <a:t>‹nº›</a:t>
             </a:fld>
             <a:endParaRPr lang="pt-BR"/>
+          </a:p>
+        </p:txBody>
+      </p:sp>
+      <p:sp>
+        <p:nvSpPr>
+          <p:cNvPr id="6" name="CaixaDeTexto 5">
+            <a:extLst>
+              <a:ext uri="{FF2B5EF4-FFF2-40B4-BE49-F238E27FC236}">
+                <a16:creationId xmlns:a16="http://schemas.microsoft.com/office/drawing/2014/main" id="{AE46906A-BF62-4DD3-964A-79E6CBA092F4}"/>
+              </a:ext>
+            </a:extLst>
+          </p:cNvPr>
+          <p:cNvSpPr txBox="1"/>
+          <p:nvPr userDrawn="1"/>
+        </p:nvSpPr>
+        <p:spPr>
+          <a:xfrm>
+            <a:off x="677334" y="6304002"/>
+            <a:ext cx="5707075" cy="553998"/>
+          </a:xfrm>
+          <a:prstGeom prst="rect">
+            <a:avLst/>
+          </a:prstGeom>
+          <a:noFill/>
+        </p:spPr>
+        <p:txBody>
+          <a:bodyPr wrap="none" rtlCol="0">
+            <a:spAutoFit/>
+          </a:bodyPr>
+          <a:lstStyle/>
+          <a:p>
+            <a:pPr marL="0" marR="0" lvl="0" indent="0" algn="l" defTabSz="457200" rtl="0" eaLnBrk="1" fontAlgn="auto" latinLnBrk="0" hangingPunct="1">
+              <a:lnSpc>
+                <a:spcPct val="100000"/>
+              </a:lnSpc>
+              <a:spcBef>
+                <a:spcPts val="0"/>
+              </a:spcBef>
+              <a:spcAft>
+                <a:spcPts val="0"/>
+              </a:spcAft>
+              <a:buClrTx/>
+              <a:buSzTx/>
+              <a:buFontTx/>
+              <a:buNone/>
+              <a:tabLst/>
+              <a:defRPr/>
+            </a:pPr>
+            <a:r>
+              <a:rPr lang="pt-BR" sz="1200" dirty="0"/>
+              <a:t>https://github.com/josenelsoncultri/Techweek2019 - josefcultri@yahoo.com.br</a:t>
+            </a:r>
+          </a:p>
+          <a:p>
+            <a:endParaRPr lang="pt-BR" dirty="0"/>
           </a:p>
         </p:txBody>
       </p:sp>
@@ -5398,7 +5476,7 @@
           <a:bodyPr vert="horz" lIns="91440" tIns="45720" rIns="91440" bIns="45720" rtlCol="0" anchor="ctr"/>
           <a:lstStyle>
             <a:lvl1pPr algn="l">
-              <a:defRPr sz="900">
+              <a:defRPr sz="1200">
                 <a:solidFill>
                   <a:schemeClr val="tx1">
                     <a:tint val="75000"/>
@@ -5408,7 +5486,18 @@
             </a:lvl1pPr>
           </a:lstStyle>
           <a:p>
-            <a:endParaRPr lang="pt-BR"/>
+            <a:r>
+              <a:rPr lang="pt-BR" dirty="0"/>
+              <a:t>https://github.com/josenelsoncultri/Techweek2019</a:t>
+            </a:r>
+            <a:r>
+              <a:rPr lang="pt-BR" sz="1100" dirty="0"/>
+              <a:t> - </a:t>
+            </a:r>
+            <a:r>
+              <a:rPr lang="pt-BR" dirty="0"/>
+              <a:t>josefcultri@yahoo.com.br</a:t>
+            </a:r>
           </a:p>
         </p:txBody>
       </p:sp>
@@ -6402,7 +6491,7 @@
           <p:cNvPr id="2" name="Título 1">
             <a:extLst>
               <a:ext uri="{FF2B5EF4-FFF2-40B4-BE49-F238E27FC236}">
-                <a16:creationId xmlns:a16="http://schemas.microsoft.com/office/drawing/2014/main" id="{05A0008C-6192-4FCC-863D-6B4F1E2CA7EF}"/>
+                <a16:creationId xmlns:a16="http://schemas.microsoft.com/office/drawing/2014/main" id="{530B3E37-74F3-43B5-8DAA-7C0735F27A1E}"/>
               </a:ext>
             </a:extLst>
           </p:cNvPr>
@@ -6420,11 +6509,15 @@
           <a:p>
             <a:r>
               <a:rPr lang="pt-BR" dirty="0"/>
-              <a:t>Objetos: </a:t>
+              <a:t>Objetos GeneXus: </a:t>
             </a:r>
             <a:r>
               <a:rPr lang="pt-BR" i="1" dirty="0"/>
-              <a:t>Procedures</a:t>
+              <a:t>Web </a:t>
+            </a:r>
+            <a:r>
+              <a:rPr lang="pt-BR" i="1" dirty="0" err="1"/>
+              <a:t>Panels</a:t>
             </a:r>
             <a:endParaRPr lang="pt-BR" dirty="0"/>
           </a:p>
@@ -6435,7 +6528,7 @@
           <p:cNvPr id="3" name="Espaço Reservado para Conteúdo 2">
             <a:extLst>
               <a:ext uri="{FF2B5EF4-FFF2-40B4-BE49-F238E27FC236}">
-                <a16:creationId xmlns:a16="http://schemas.microsoft.com/office/drawing/2014/main" id="{A385CAA8-D80B-4E51-9771-262FF4C87739}"/>
+                <a16:creationId xmlns:a16="http://schemas.microsoft.com/office/drawing/2014/main" id="{8A9782F4-EBF6-4435-9DDA-81E9E5DA3433}"/>
               </a:ext>
             </a:extLst>
           </p:cNvPr>
@@ -6453,33 +6546,13 @@
           <a:p>
             <a:r>
               <a:rPr lang="pt-BR" dirty="0"/>
-              <a:t>Definem instruções para manipulação de dados fora de formulários da transação</a:t>
-            </a:r>
-          </a:p>
-          <a:p>
-            <a:r>
-              <a:rPr lang="pt-BR" dirty="0"/>
-              <a:t>Validações de regras</a:t>
-            </a:r>
-          </a:p>
-          <a:p>
-            <a:r>
-              <a:rPr lang="pt-BR" dirty="0"/>
-              <a:t>Geram os relatórios do sistema</a:t>
-            </a:r>
-          </a:p>
-          <a:p>
-            <a:r>
-              <a:rPr lang="pt-BR" dirty="0"/>
-              <a:t>Utilizadas também para criar </a:t>
-            </a:r>
-            <a:r>
-              <a:rPr lang="pt-BR" i="1" dirty="0"/>
-              <a:t>Web Services </a:t>
-            </a:r>
-            <a:r>
-              <a:rPr lang="pt-BR" dirty="0"/>
-              <a:t>e executáveis</a:t>
+              <a:t>Definem as telas da aplicação</a:t>
+            </a:r>
+          </a:p>
+          <a:p>
+            <a:r>
+              <a:rPr lang="pt-BR" dirty="0"/>
+              <a:t>Usados para desenhar telas mais complexas do que as desenháveis com o formulário da transação</a:t>
             </a:r>
           </a:p>
         </p:txBody>
@@ -6487,7 +6560,7 @@
     </p:spTree>
     <p:extLst>
       <p:ext uri="{BB962C8B-B14F-4D97-AF65-F5344CB8AC3E}">
-        <p14:creationId xmlns:p14="http://schemas.microsoft.com/office/powerpoint/2010/main" val="3399798196"/>
+        <p14:creationId xmlns:p14="http://schemas.microsoft.com/office/powerpoint/2010/main" val="189512758"/>
       </p:ext>
     </p:extLst>
   </p:cSld>
@@ -6519,7 +6592,7 @@
           <p:cNvPr id="2" name="Título 1">
             <a:extLst>
               <a:ext uri="{FF2B5EF4-FFF2-40B4-BE49-F238E27FC236}">
-                <a16:creationId xmlns:a16="http://schemas.microsoft.com/office/drawing/2014/main" id="{6C92488F-AABA-44D5-813C-633B30830744}"/>
+                <a16:creationId xmlns:a16="http://schemas.microsoft.com/office/drawing/2014/main" id="{05A0008C-6192-4FCC-863D-6B4F1E2CA7EF}"/>
               </a:ext>
             </a:extLst>
           </p:cNvPr>
@@ -6537,8 +6610,13 @@
           <a:p>
             <a:r>
               <a:rPr lang="pt-BR" dirty="0"/>
-              <a:t>Objetos: Imagens e Temas</a:t>
-            </a:r>
+              <a:t>Objetos: </a:t>
+            </a:r>
+            <a:r>
+              <a:rPr lang="pt-BR" i="1" dirty="0"/>
+              <a:t>Procedures</a:t>
+            </a:r>
+            <a:endParaRPr lang="pt-BR" dirty="0"/>
           </a:p>
         </p:txBody>
       </p:sp>
@@ -6547,7 +6625,7 @@
           <p:cNvPr id="3" name="Espaço Reservado para Conteúdo 2">
             <a:extLst>
               <a:ext uri="{FF2B5EF4-FFF2-40B4-BE49-F238E27FC236}">
-                <a16:creationId xmlns:a16="http://schemas.microsoft.com/office/drawing/2014/main" id="{EEB91FED-3084-48A2-B78C-F9ECE0ECEFBB}"/>
+                <a16:creationId xmlns:a16="http://schemas.microsoft.com/office/drawing/2014/main" id="{A385CAA8-D80B-4E51-9771-262FF4C87739}"/>
               </a:ext>
             </a:extLst>
           </p:cNvPr>
@@ -6565,67 +6643,33 @@
           <a:p>
             <a:r>
               <a:rPr lang="pt-BR" dirty="0"/>
-              <a:t>Objetos do tipo “</a:t>
-            </a:r>
-            <a:r>
-              <a:rPr lang="pt-BR" dirty="0" err="1"/>
-              <a:t>Image</a:t>
-            </a:r>
-            <a:r>
-              <a:rPr lang="pt-BR" dirty="0"/>
-              <a:t>”: utilizados para definir as imagens da aplicação</a:t>
-            </a:r>
-          </a:p>
-          <a:p>
-            <a:pPr lvl="1"/>
-            <a:r>
-              <a:rPr lang="pt-BR" dirty="0"/>
-              <a:t>Imagem Interna: Gera um arquivo físico dentro da aplicação</a:t>
-            </a:r>
-          </a:p>
-          <a:p>
-            <a:pPr lvl="1"/>
-            <a:r>
-              <a:rPr lang="pt-BR" dirty="0"/>
-              <a:t>Imagem Externa: Aponta para uma URL</a:t>
-            </a:r>
-          </a:p>
-          <a:p>
-            <a:r>
-              <a:rPr lang="pt-BR" dirty="0"/>
-              <a:t>Temas: Manipulação do CSS da aplicação</a:t>
-            </a:r>
-          </a:p>
-          <a:p>
-            <a:pPr lvl="1"/>
-            <a:r>
-              <a:rPr lang="pt-BR" dirty="0"/>
-              <a:t>Classes</a:t>
-            </a:r>
-          </a:p>
-          <a:p>
-            <a:pPr lvl="1"/>
-            <a:r>
-              <a:rPr lang="pt-BR" dirty="0"/>
-              <a:t>Paleta de Cores</a:t>
-            </a:r>
-          </a:p>
-          <a:p>
-            <a:pPr lvl="1"/>
-            <a:r>
-              <a:rPr lang="pt-BR" dirty="0"/>
-              <a:t>Fontes</a:t>
-            </a:r>
-          </a:p>
-          <a:p>
-            <a:pPr lvl="1"/>
-            <a:r>
-              <a:rPr lang="pt-BR" dirty="0" err="1"/>
-              <a:t>Tags</a:t>
-            </a:r>
-            <a:r>
-              <a:rPr lang="pt-BR" dirty="0"/>
-              <a:t> HTML</a:t>
+              <a:t>Definem instruções para manipulação de dados fora de formulários da transação</a:t>
+            </a:r>
+          </a:p>
+          <a:p>
+            <a:r>
+              <a:rPr lang="pt-BR" dirty="0"/>
+              <a:t>Validações de regras</a:t>
+            </a:r>
+          </a:p>
+          <a:p>
+            <a:r>
+              <a:rPr lang="pt-BR" dirty="0"/>
+              <a:t>Geram os relatórios do sistema</a:t>
+            </a:r>
+          </a:p>
+          <a:p>
+            <a:r>
+              <a:rPr lang="pt-BR" dirty="0"/>
+              <a:t>Utilizadas também para criar </a:t>
+            </a:r>
+            <a:r>
+              <a:rPr lang="pt-BR" i="1" dirty="0"/>
+              <a:t>Web Services </a:t>
+            </a:r>
+            <a:r>
+              <a:rPr lang="pt-BR" dirty="0"/>
+              <a:t>e executáveis</a:t>
             </a:r>
           </a:p>
         </p:txBody>
@@ -6633,7 +6677,7 @@
     </p:spTree>
     <p:extLst>
       <p:ext uri="{BB962C8B-B14F-4D97-AF65-F5344CB8AC3E}">
-        <p14:creationId xmlns:p14="http://schemas.microsoft.com/office/powerpoint/2010/main" val="2991543637"/>
+        <p14:creationId xmlns:p14="http://schemas.microsoft.com/office/powerpoint/2010/main" val="3399798196"/>
       </p:ext>
     </p:extLst>
   </p:cSld>
@@ -6665,7 +6709,7 @@
           <p:cNvPr id="2" name="Título 1">
             <a:extLst>
               <a:ext uri="{FF2B5EF4-FFF2-40B4-BE49-F238E27FC236}">
-                <a16:creationId xmlns:a16="http://schemas.microsoft.com/office/drawing/2014/main" id="{608596FF-B3AD-4570-9C87-3B810B5100C6}"/>
+                <a16:creationId xmlns:a16="http://schemas.microsoft.com/office/drawing/2014/main" id="{6C92488F-AABA-44D5-813C-633B30830744}"/>
               </a:ext>
             </a:extLst>
           </p:cNvPr>
@@ -6683,7 +6727,7 @@
           <a:p>
             <a:r>
               <a:rPr lang="pt-BR" dirty="0"/>
-              <a:t>Objetos: Gráficos</a:t>
+              <a:t>Objetos: Imagens e Temas</a:t>
             </a:r>
           </a:p>
         </p:txBody>
@@ -6693,7 +6737,7 @@
           <p:cNvPr id="3" name="Espaço Reservado para Conteúdo 2">
             <a:extLst>
               <a:ext uri="{FF2B5EF4-FFF2-40B4-BE49-F238E27FC236}">
-                <a16:creationId xmlns:a16="http://schemas.microsoft.com/office/drawing/2014/main" id="{48B3C37A-7725-48B7-A32C-03EA025E11C1}"/>
+                <a16:creationId xmlns:a16="http://schemas.microsoft.com/office/drawing/2014/main" id="{EEB91FED-3084-48A2-B78C-F9ECE0ECEFBB}"/>
               </a:ext>
             </a:extLst>
           </p:cNvPr>
@@ -6711,72 +6755,67 @@
           <a:p>
             <a:r>
               <a:rPr lang="pt-BR" dirty="0"/>
-              <a:t>Servem para demonstrar dados em forma de gráficos ou tabelas dinâmicas</a:t>
-            </a:r>
-          </a:p>
-          <a:p>
-            <a:r>
-              <a:rPr lang="pt-BR" dirty="0"/>
-              <a:t>Gráficos geram Flash ou </a:t>
+              <a:t>Objetos do tipo “</a:t>
             </a:r>
             <a:r>
               <a:rPr lang="pt-BR" dirty="0" err="1"/>
-              <a:t>Javascript</a:t>
-            </a:r>
-            <a:r>
-              <a:rPr lang="pt-BR" dirty="0"/>
-              <a:t>, utilizando </a:t>
-            </a:r>
-            <a:r>
-              <a:rPr lang="pt-BR" i="1" dirty="0" err="1"/>
-              <a:t>Highcharts</a:t>
-            </a:r>
-            <a:endParaRPr lang="pt-BR" i="1" dirty="0"/>
-          </a:p>
-          <a:p>
-            <a:r>
-              <a:rPr lang="pt-BR" dirty="0"/>
-              <a:t>Mediante estrutura definida, é gerada uma instrução SQL para busca dos dados</a:t>
-            </a:r>
-          </a:p>
-          <a:p>
-            <a:r>
-              <a:rPr lang="pt-BR" dirty="0"/>
-              <a:t>Gráficos</a:t>
+              <a:t>Image</a:t>
+            </a:r>
+            <a:r>
+              <a:rPr lang="pt-BR" dirty="0"/>
+              <a:t>”: utilizados para definir as imagens da aplicação</a:t>
             </a:r>
           </a:p>
           <a:p>
             <a:pPr lvl="1"/>
             <a:r>
               <a:rPr lang="pt-BR" dirty="0"/>
-              <a:t>Pizza</a:t>
+              <a:t>Imagem Interna: Gera um arquivo físico dentro da aplicação</a:t>
             </a:r>
           </a:p>
           <a:p>
             <a:pPr lvl="1"/>
             <a:r>
               <a:rPr lang="pt-BR" dirty="0"/>
-              <a:t>Barras</a:t>
+              <a:t>Imagem Externa: Aponta para uma URL</a:t>
+            </a:r>
+          </a:p>
+          <a:p>
+            <a:r>
+              <a:rPr lang="pt-BR" dirty="0"/>
+              <a:t>Temas: Manipulação do CSS da aplicação</a:t>
             </a:r>
           </a:p>
           <a:p>
             <a:pPr lvl="1"/>
             <a:r>
               <a:rPr lang="pt-BR" dirty="0"/>
-              <a:t>Linha</a:t>
+              <a:t>Classes</a:t>
             </a:r>
           </a:p>
           <a:p>
             <a:pPr lvl="1"/>
             <a:r>
               <a:rPr lang="pt-BR" dirty="0"/>
-              <a:t>E outros...</a:t>
-            </a:r>
-          </a:p>
-          <a:p>
-            <a:r>
-              <a:rPr lang="pt-BR" dirty="0"/>
-              <a:t>Troca em tempo de execução da visualização dos gráficos</a:t>
+              <a:t>Paleta de Cores</a:t>
+            </a:r>
+          </a:p>
+          <a:p>
+            <a:pPr lvl="1"/>
+            <a:r>
+              <a:rPr lang="pt-BR" dirty="0"/>
+              <a:t>Fontes</a:t>
+            </a:r>
+          </a:p>
+          <a:p>
+            <a:pPr lvl="1"/>
+            <a:r>
+              <a:rPr lang="pt-BR" dirty="0" err="1"/>
+              <a:t>Tags</a:t>
+            </a:r>
+            <a:r>
+              <a:rPr lang="pt-BR" dirty="0"/>
+              <a:t> HTML</a:t>
             </a:r>
           </a:p>
         </p:txBody>
@@ -6784,7 +6823,7 @@
     </p:spTree>
     <p:extLst>
       <p:ext uri="{BB962C8B-B14F-4D97-AF65-F5344CB8AC3E}">
-        <p14:creationId xmlns:p14="http://schemas.microsoft.com/office/powerpoint/2010/main" val="4202855611"/>
+        <p14:creationId xmlns:p14="http://schemas.microsoft.com/office/powerpoint/2010/main" val="2991543637"/>
       </p:ext>
     </p:extLst>
   </p:cSld>
@@ -6816,7 +6855,7 @@
           <p:cNvPr id="2" name="Título 1">
             <a:extLst>
               <a:ext uri="{FF2B5EF4-FFF2-40B4-BE49-F238E27FC236}">
-                <a16:creationId xmlns:a16="http://schemas.microsoft.com/office/drawing/2014/main" id="{107728D3-6452-4688-B4FB-579182B5832E}"/>
+                <a16:creationId xmlns:a16="http://schemas.microsoft.com/office/drawing/2014/main" id="{608596FF-B3AD-4570-9C87-3B810B5100C6}"/>
               </a:ext>
             </a:extLst>
           </p:cNvPr>
@@ -6834,13 +6873,8 @@
           <a:p>
             <a:r>
               <a:rPr lang="pt-BR" dirty="0"/>
-              <a:t>Objetos: </a:t>
-            </a:r>
-            <a:r>
-              <a:rPr lang="pt-BR" dirty="0" err="1"/>
-              <a:t>SDTs</a:t>
-            </a:r>
-            <a:endParaRPr lang="pt-BR" dirty="0"/>
+              <a:t>Objetos: Gráficos</a:t>
+            </a:r>
           </a:p>
         </p:txBody>
       </p:sp>
@@ -6849,7 +6883,7 @@
           <p:cNvPr id="3" name="Espaço Reservado para Conteúdo 2">
             <a:extLst>
               <a:ext uri="{FF2B5EF4-FFF2-40B4-BE49-F238E27FC236}">
-                <a16:creationId xmlns:a16="http://schemas.microsoft.com/office/drawing/2014/main" id="{32D66BEB-88A2-4EDA-9128-5F8ED2B2EF35}"/>
+                <a16:creationId xmlns:a16="http://schemas.microsoft.com/office/drawing/2014/main" id="{48B3C37A-7725-48B7-A32C-03EA025E11C1}"/>
               </a:ext>
             </a:extLst>
           </p:cNvPr>
@@ -6862,52 +6896,77 @@
         </p:nvSpPr>
         <p:spPr/>
         <p:txBody>
-          <a:bodyPr>
-            <a:normAutofit/>
-          </a:bodyPr>
-          <a:lstStyle/>
-          <a:p>
-            <a:r>
-              <a:rPr lang="pt-BR" sz="2400" i="1" dirty="0"/>
-              <a:t>Structured Data </a:t>
-            </a:r>
-            <a:r>
-              <a:rPr lang="pt-BR" sz="2400" i="1" dirty="0" err="1"/>
-              <a:t>Types</a:t>
-            </a:r>
-            <a:r>
-              <a:rPr lang="pt-BR" sz="2400" i="1" dirty="0"/>
-              <a:t>,</a:t>
-            </a:r>
-            <a:r>
-              <a:rPr lang="pt-BR" sz="2400" dirty="0"/>
-              <a:t> ou Tipos de Dados Estruturados</a:t>
-            </a:r>
-          </a:p>
-          <a:p>
-            <a:r>
-              <a:rPr lang="pt-BR" sz="2400" dirty="0"/>
-              <a:t>Similar ao </a:t>
-            </a:r>
-            <a:r>
-              <a:rPr lang="pt-BR" sz="2400" i="1" dirty="0" err="1"/>
-              <a:t>struct</a:t>
-            </a:r>
-            <a:r>
-              <a:rPr lang="pt-BR" sz="2400" dirty="0"/>
-              <a:t> do C++</a:t>
-            </a:r>
-          </a:p>
-          <a:p>
-            <a:r>
-              <a:rPr lang="pt-BR" sz="2400" dirty="0"/>
-              <a:t>Fácil manipulação de listas</a:t>
-            </a:r>
-          </a:p>
-          <a:p>
-            <a:r>
-              <a:rPr lang="pt-BR" sz="2400" dirty="0"/>
-              <a:t>Permite geração fácil de dados em formato JSON e XML</a:t>
+          <a:bodyPr/>
+          <a:lstStyle/>
+          <a:p>
+            <a:r>
+              <a:rPr lang="pt-BR" dirty="0"/>
+              <a:t>Servem para demonstrar dados em forma de gráficos ou tabelas dinâmicas</a:t>
+            </a:r>
+          </a:p>
+          <a:p>
+            <a:r>
+              <a:rPr lang="pt-BR" dirty="0"/>
+              <a:t>Gráficos geram Flash ou </a:t>
+            </a:r>
+            <a:r>
+              <a:rPr lang="pt-BR" dirty="0" err="1"/>
+              <a:t>Javascript</a:t>
+            </a:r>
+            <a:r>
+              <a:rPr lang="pt-BR" dirty="0"/>
+              <a:t>, utilizando </a:t>
+            </a:r>
+            <a:r>
+              <a:rPr lang="pt-BR" i="1" dirty="0" err="1"/>
+              <a:t>Highcharts</a:t>
+            </a:r>
+            <a:endParaRPr lang="pt-BR" i="1" dirty="0"/>
+          </a:p>
+          <a:p>
+            <a:r>
+              <a:rPr lang="pt-BR" dirty="0"/>
+              <a:t>Mediante estrutura definida, é gerada uma instrução SQL para busca dos dados</a:t>
+            </a:r>
+          </a:p>
+          <a:p>
+            <a:r>
+              <a:rPr lang="pt-BR" dirty="0"/>
+              <a:t>Gráficos</a:t>
+            </a:r>
+          </a:p>
+          <a:p>
+            <a:pPr lvl="1"/>
+            <a:r>
+              <a:rPr lang="pt-BR" dirty="0"/>
+              <a:t>Pizza</a:t>
+            </a:r>
+          </a:p>
+          <a:p>
+            <a:pPr lvl="1"/>
+            <a:r>
+              <a:rPr lang="pt-BR" dirty="0"/>
+              <a:t>Barras</a:t>
+            </a:r>
+          </a:p>
+          <a:p>
+            <a:pPr lvl="1"/>
+            <a:r>
+              <a:rPr lang="pt-BR" dirty="0"/>
+              <a:t>Linha</a:t>
+            </a:r>
+          </a:p>
+          <a:p>
+            <a:pPr lvl="1"/>
+            <a:r>
+              <a:rPr lang="pt-BR" dirty="0"/>
+              <a:t>E outros...</a:t>
+            </a:r>
+          </a:p>
+          <a:p>
+            <a:r>
+              <a:rPr lang="pt-BR" dirty="0"/>
+              <a:t>Troca em tempo de execução da visualização dos gráficos</a:t>
             </a:r>
           </a:p>
         </p:txBody>
@@ -6915,7 +6974,7 @@
     </p:spTree>
     <p:extLst>
       <p:ext uri="{BB962C8B-B14F-4D97-AF65-F5344CB8AC3E}">
-        <p14:creationId xmlns:p14="http://schemas.microsoft.com/office/powerpoint/2010/main" val="3862354369"/>
+        <p14:creationId xmlns:p14="http://schemas.microsoft.com/office/powerpoint/2010/main" val="4202855611"/>
       </p:ext>
     </p:extLst>
   </p:cSld>
@@ -6944,10 +7003,10 @@
       </p:grpSpPr>
       <p:sp>
         <p:nvSpPr>
-          <p:cNvPr id="4" name="Título 3">
+          <p:cNvPr id="2" name="Título 1">
             <a:extLst>
               <a:ext uri="{FF2B5EF4-FFF2-40B4-BE49-F238E27FC236}">
-                <a16:creationId xmlns:a16="http://schemas.microsoft.com/office/drawing/2014/main" id="{AEF7B264-F456-4C98-926D-C90778708B03}"/>
+                <a16:creationId xmlns:a16="http://schemas.microsoft.com/office/drawing/2014/main" id="{107728D3-6452-4688-B4FB-579182B5832E}"/>
               </a:ext>
             </a:extLst>
           </p:cNvPr>
@@ -6958,12 +7017,40 @@
             <p:ph type="title"/>
           </p:nvPr>
         </p:nvSpPr>
-        <p:spPr>
-          <a:xfrm>
-            <a:off x="2449862" y="1701018"/>
-            <a:ext cx="7073965" cy="3455963"/>
-          </a:xfrm>
-        </p:spPr>
+        <p:spPr/>
+        <p:txBody>
+          <a:bodyPr/>
+          <a:lstStyle/>
+          <a:p>
+            <a:r>
+              <a:rPr lang="pt-BR" dirty="0"/>
+              <a:t>Objetos: </a:t>
+            </a:r>
+            <a:r>
+              <a:rPr lang="pt-BR" dirty="0" err="1"/>
+              <a:t>SDTs</a:t>
+            </a:r>
+            <a:endParaRPr lang="pt-BR" dirty="0"/>
+          </a:p>
+        </p:txBody>
+      </p:sp>
+      <p:sp>
+        <p:nvSpPr>
+          <p:cNvPr id="3" name="Espaço Reservado para Conteúdo 2">
+            <a:extLst>
+              <a:ext uri="{FF2B5EF4-FFF2-40B4-BE49-F238E27FC236}">
+                <a16:creationId xmlns:a16="http://schemas.microsoft.com/office/drawing/2014/main" id="{32D66BEB-88A2-4EDA-9128-5F8ED2B2EF35}"/>
+              </a:ext>
+            </a:extLst>
+          </p:cNvPr>
+          <p:cNvSpPr>
+            <a:spLocks noGrp="1"/>
+          </p:cNvSpPr>
+          <p:nvPr>
+            <p:ph idx="1"/>
+          </p:nvPr>
+        </p:nvSpPr>
+        <p:spPr/>
         <p:txBody>
           <a:bodyPr>
             <a:normAutofit/>
@@ -6971,8 +7058,46 @@
           <a:lstStyle/>
           <a:p>
             <a:r>
-              <a:rPr lang="pt-BR" sz="9600" dirty="0"/>
-              <a:t>Vamos à prática?</a:t>
+              <a:rPr lang="pt-BR" sz="2400" i="1" dirty="0"/>
+              <a:t>Structured Data </a:t>
+            </a:r>
+            <a:r>
+              <a:rPr lang="pt-BR" sz="2400" i="1" dirty="0" err="1"/>
+              <a:t>Types</a:t>
+            </a:r>
+            <a:r>
+              <a:rPr lang="pt-BR" sz="2400" i="1" dirty="0"/>
+              <a:t>,</a:t>
+            </a:r>
+            <a:r>
+              <a:rPr lang="pt-BR" sz="2400" dirty="0"/>
+              <a:t> ou Tipos de Dados Estruturados</a:t>
+            </a:r>
+          </a:p>
+          <a:p>
+            <a:r>
+              <a:rPr lang="pt-BR" sz="2400" dirty="0"/>
+              <a:t>Similar ao </a:t>
+            </a:r>
+            <a:r>
+              <a:rPr lang="pt-BR" sz="2400" i="1" dirty="0" err="1"/>
+              <a:t>struct</a:t>
+            </a:r>
+            <a:r>
+              <a:rPr lang="pt-BR" sz="2400" dirty="0"/>
+              <a:t> do C++</a:t>
+            </a:r>
+          </a:p>
+          <a:p>
+            <a:r>
+              <a:rPr lang="pt-BR" sz="2400" dirty="0"/>
+              <a:t>Fácil manipulação de listas</a:t>
+            </a:r>
+          </a:p>
+          <a:p>
+            <a:r>
+              <a:rPr lang="pt-BR" sz="2400" dirty="0"/>
+              <a:t>Permite geração fácil de dados em formato JSON e XML</a:t>
             </a:r>
           </a:p>
         </p:txBody>
@@ -6980,7 +7105,7 @@
     </p:spTree>
     <p:extLst>
       <p:ext uri="{BB962C8B-B14F-4D97-AF65-F5344CB8AC3E}">
-        <p14:creationId xmlns:p14="http://schemas.microsoft.com/office/powerpoint/2010/main" val="3584567852"/>
+        <p14:creationId xmlns:p14="http://schemas.microsoft.com/office/powerpoint/2010/main" val="3862354369"/>
       </p:ext>
     </p:extLst>
   </p:cSld>
@@ -7009,10 +7134,10 @@
       </p:grpSpPr>
       <p:sp>
         <p:nvSpPr>
-          <p:cNvPr id="3" name="Título 2">
+          <p:cNvPr id="4" name="Título 3">
             <a:extLst>
               <a:ext uri="{FF2B5EF4-FFF2-40B4-BE49-F238E27FC236}">
-                <a16:creationId xmlns:a16="http://schemas.microsoft.com/office/drawing/2014/main" id="{32A9B528-177C-4731-ABA9-0FFF4B188C8A}"/>
+                <a16:creationId xmlns:a16="http://schemas.microsoft.com/office/drawing/2014/main" id="{AEF7B264-F456-4C98-926D-C90778708B03}"/>
               </a:ext>
             </a:extLst>
           </p:cNvPr>
@@ -7023,40 +7148,12 @@
             <p:ph type="title"/>
           </p:nvPr>
         </p:nvSpPr>
-        <p:spPr/>
-        <p:txBody>
-          <a:bodyPr/>
-          <a:lstStyle/>
-          <a:p>
-            <a:r>
-              <a:rPr lang="pt-BR" dirty="0"/>
-              <a:t>Outros produtos da </a:t>
-            </a:r>
-            <a:r>
-              <a:rPr lang="pt-BR" dirty="0" err="1"/>
-              <a:t>ARTech</a:t>
-            </a:r>
-            <a:endParaRPr lang="pt-BR" dirty="0"/>
-          </a:p>
-        </p:txBody>
-      </p:sp>
-      <p:sp>
-        <p:nvSpPr>
-          <p:cNvPr id="4" name="Espaço Reservado para Conteúdo 3">
-            <a:extLst>
-              <a:ext uri="{FF2B5EF4-FFF2-40B4-BE49-F238E27FC236}">
-                <a16:creationId xmlns:a16="http://schemas.microsoft.com/office/drawing/2014/main" id="{F74D51DC-CCF4-4F16-AA86-BB66E8FE2836}"/>
-              </a:ext>
-            </a:extLst>
-          </p:cNvPr>
-          <p:cNvSpPr>
-            <a:spLocks noGrp="1"/>
-          </p:cNvSpPr>
-          <p:nvPr>
-            <p:ph idx="1"/>
-          </p:nvPr>
-        </p:nvSpPr>
-        <p:spPr/>
+        <p:spPr>
+          <a:xfrm>
+            <a:off x="2449862" y="1701018"/>
+            <a:ext cx="7073965" cy="3455963"/>
+          </a:xfrm>
+        </p:spPr>
         <p:txBody>
           <a:bodyPr>
             <a:normAutofit/>
@@ -7064,38 +7161,16 @@
           <a:lstStyle/>
           <a:p>
             <a:r>
-              <a:rPr lang="pt-BR" sz="2800" dirty="0" err="1"/>
-              <a:t>GXTest</a:t>
-            </a:r>
-            <a:endParaRPr lang="pt-BR" sz="2800" dirty="0"/>
-          </a:p>
-          <a:p>
-            <a:r>
-              <a:rPr lang="pt-BR" sz="2800" dirty="0" err="1"/>
-              <a:t>GXServer</a:t>
-            </a:r>
-            <a:endParaRPr lang="pt-BR" sz="2800" dirty="0"/>
-          </a:p>
-          <a:p>
-            <a:r>
-              <a:rPr lang="pt-BR" sz="2800" dirty="0" err="1"/>
-              <a:t>GXQuery</a:t>
-            </a:r>
-            <a:endParaRPr lang="pt-BR" sz="2800" dirty="0"/>
-          </a:p>
-          <a:p>
-            <a:r>
-              <a:rPr lang="pt-BR" sz="2800" dirty="0" err="1"/>
-              <a:t>GXPortal</a:t>
-            </a:r>
-            <a:endParaRPr lang="pt-BR" sz="2800" dirty="0"/>
+              <a:rPr lang="pt-BR" sz="9600" dirty="0"/>
+              <a:t>Vamos à prática?</a:t>
+            </a:r>
           </a:p>
         </p:txBody>
       </p:sp>
     </p:spTree>
     <p:extLst>
       <p:ext uri="{BB962C8B-B14F-4D97-AF65-F5344CB8AC3E}">
-        <p14:creationId xmlns:p14="http://schemas.microsoft.com/office/powerpoint/2010/main" val="1721587164"/>
+        <p14:creationId xmlns:p14="http://schemas.microsoft.com/office/powerpoint/2010/main" val="3584567852"/>
       </p:ext>
     </p:extLst>
   </p:cSld>
@@ -7124,6 +7199,121 @@
       </p:grpSpPr>
       <p:sp>
         <p:nvSpPr>
+          <p:cNvPr id="3" name="Título 2">
+            <a:extLst>
+              <a:ext uri="{FF2B5EF4-FFF2-40B4-BE49-F238E27FC236}">
+                <a16:creationId xmlns:a16="http://schemas.microsoft.com/office/drawing/2014/main" id="{32A9B528-177C-4731-ABA9-0FFF4B188C8A}"/>
+              </a:ext>
+            </a:extLst>
+          </p:cNvPr>
+          <p:cNvSpPr>
+            <a:spLocks noGrp="1"/>
+          </p:cNvSpPr>
+          <p:nvPr>
+            <p:ph type="title"/>
+          </p:nvPr>
+        </p:nvSpPr>
+        <p:spPr/>
+        <p:txBody>
+          <a:bodyPr/>
+          <a:lstStyle/>
+          <a:p>
+            <a:r>
+              <a:rPr lang="pt-BR" dirty="0"/>
+              <a:t>Outros produtos da </a:t>
+            </a:r>
+            <a:r>
+              <a:rPr lang="pt-BR" dirty="0" err="1"/>
+              <a:t>ARTech</a:t>
+            </a:r>
+            <a:endParaRPr lang="pt-BR" dirty="0"/>
+          </a:p>
+        </p:txBody>
+      </p:sp>
+      <p:sp>
+        <p:nvSpPr>
+          <p:cNvPr id="4" name="Espaço Reservado para Conteúdo 3">
+            <a:extLst>
+              <a:ext uri="{FF2B5EF4-FFF2-40B4-BE49-F238E27FC236}">
+                <a16:creationId xmlns:a16="http://schemas.microsoft.com/office/drawing/2014/main" id="{F74D51DC-CCF4-4F16-AA86-BB66E8FE2836}"/>
+              </a:ext>
+            </a:extLst>
+          </p:cNvPr>
+          <p:cNvSpPr>
+            <a:spLocks noGrp="1"/>
+          </p:cNvSpPr>
+          <p:nvPr>
+            <p:ph idx="1"/>
+          </p:nvPr>
+        </p:nvSpPr>
+        <p:spPr/>
+        <p:txBody>
+          <a:bodyPr>
+            <a:normAutofit/>
+          </a:bodyPr>
+          <a:lstStyle/>
+          <a:p>
+            <a:r>
+              <a:rPr lang="pt-BR" sz="2800" dirty="0" err="1"/>
+              <a:t>GXTest</a:t>
+            </a:r>
+            <a:endParaRPr lang="pt-BR" sz="2800" dirty="0"/>
+          </a:p>
+          <a:p>
+            <a:r>
+              <a:rPr lang="pt-BR" sz="2800" dirty="0" err="1"/>
+              <a:t>GXServer</a:t>
+            </a:r>
+            <a:endParaRPr lang="pt-BR" sz="2800" dirty="0"/>
+          </a:p>
+          <a:p>
+            <a:r>
+              <a:rPr lang="pt-BR" sz="2800" dirty="0" err="1"/>
+              <a:t>GXQuery</a:t>
+            </a:r>
+            <a:endParaRPr lang="pt-BR" sz="2800" dirty="0"/>
+          </a:p>
+          <a:p>
+            <a:r>
+              <a:rPr lang="pt-BR" sz="2800" dirty="0" err="1"/>
+              <a:t>GXPortal</a:t>
+            </a:r>
+            <a:endParaRPr lang="pt-BR" sz="2800" dirty="0"/>
+          </a:p>
+        </p:txBody>
+      </p:sp>
+    </p:spTree>
+    <p:extLst>
+      <p:ext uri="{BB962C8B-B14F-4D97-AF65-F5344CB8AC3E}">
+        <p14:creationId xmlns:p14="http://schemas.microsoft.com/office/powerpoint/2010/main" val="1721587164"/>
+      </p:ext>
+    </p:extLst>
+  </p:cSld>
+  <p:clrMapOvr>
+    <a:masterClrMapping/>
+  </p:clrMapOvr>
+</p:sld>
+</file>
+
+<file path=ppt/slides/slide17.xml><?xml version="1.0" encoding="utf-8"?>
+<p:sld xmlns:a="http://schemas.openxmlformats.org/drawingml/2006/main" xmlns:r="http://schemas.openxmlformats.org/officeDocument/2006/relationships" xmlns:p="http://schemas.openxmlformats.org/presentationml/2006/main">
+  <p:cSld>
+    <p:spTree>
+      <p:nvGrpSpPr>
+        <p:cNvPr id="1" name=""/>
+        <p:cNvGrpSpPr/>
+        <p:nvPr/>
+      </p:nvGrpSpPr>
+      <p:grpSpPr>
+        <a:xfrm>
+          <a:off x="0" y="0"/>
+          <a:ext cx="0" cy="0"/>
+          <a:chOff x="0" y="0"/>
+          <a:chExt cx="0" cy="0"/>
+        </a:xfrm>
+      </p:grpSpPr>
+      <p:sp>
+        <p:nvSpPr>
           <p:cNvPr id="5" name="Título 4">
             <a:extLst>
               <a:ext uri="{FF2B5EF4-FFF2-40B4-BE49-F238E27FC236}">
@@ -7259,6 +7449,75 @@
     <p:extLst>
       <p:ext uri="{BB962C8B-B14F-4D97-AF65-F5344CB8AC3E}">
         <p14:creationId xmlns:p14="http://schemas.microsoft.com/office/powerpoint/2010/main" val="2828832789"/>
+      </p:ext>
+    </p:extLst>
+  </p:cSld>
+  <p:clrMapOvr>
+    <a:masterClrMapping/>
+  </p:clrMapOvr>
+</p:sld>
+</file>
+
+<file path=ppt/slides/slide18.xml><?xml version="1.0" encoding="utf-8"?>
+<p:sld xmlns:a="http://schemas.openxmlformats.org/drawingml/2006/main" xmlns:r="http://schemas.openxmlformats.org/officeDocument/2006/relationships" xmlns:p="http://schemas.openxmlformats.org/presentationml/2006/main">
+  <p:cSld>
+    <p:spTree>
+      <p:nvGrpSpPr>
+        <p:cNvPr id="1" name=""/>
+        <p:cNvGrpSpPr/>
+        <p:nvPr/>
+      </p:nvGrpSpPr>
+      <p:grpSpPr>
+        <a:xfrm>
+          <a:off x="0" y="0"/>
+          <a:ext cx="0" cy="0"/>
+          <a:chOff x="0" y="0"/>
+          <a:chExt cx="0" cy="0"/>
+        </a:xfrm>
+      </p:grpSpPr>
+      <p:sp>
+        <p:nvSpPr>
+          <p:cNvPr id="4" name="CaixaDeTexto 3">
+            <a:extLst>
+              <a:ext uri="{FF2B5EF4-FFF2-40B4-BE49-F238E27FC236}">
+                <a16:creationId xmlns:a16="http://schemas.microsoft.com/office/drawing/2014/main" id="{50CDC08A-DAB5-4788-AB2B-088A573E9C98}"/>
+              </a:ext>
+            </a:extLst>
+          </p:cNvPr>
+          <p:cNvSpPr txBox="1"/>
+          <p:nvPr/>
+        </p:nvSpPr>
+        <p:spPr>
+          <a:xfrm>
+            <a:off x="649357" y="3013501"/>
+            <a:ext cx="8534709" cy="830997"/>
+          </a:xfrm>
+          <a:prstGeom prst="rect">
+            <a:avLst/>
+          </a:prstGeom>
+          <a:noFill/>
+        </p:spPr>
+        <p:txBody>
+          <a:bodyPr wrap="none" rtlCol="0">
+            <a:spAutoFit/>
+          </a:bodyPr>
+          <a:lstStyle/>
+          <a:p>
+            <a:r>
+              <a:rPr lang="pt-BR" sz="4800" dirty="0">
+                <a:solidFill>
+                  <a:srgbClr val="83B330"/>
+                </a:solidFill>
+              </a:rPr>
+              <a:t>Muito obrigado pela presença!</a:t>
+            </a:r>
+          </a:p>
+        </p:txBody>
+      </p:sp>
+    </p:spTree>
+    <p:extLst>
+      <p:ext uri="{BB962C8B-B14F-4D97-AF65-F5344CB8AC3E}">
+        <p14:creationId xmlns:p14="http://schemas.microsoft.com/office/powerpoint/2010/main" val="430651849"/>
       </p:ext>
     </p:extLst>
   </p:cSld>
@@ -7331,23 +7590,25 @@
         </p:nvSpPr>
         <p:spPr/>
         <p:txBody>
-          <a:bodyPr/>
-          <a:lstStyle/>
-          <a:p>
-            <a:r>
-              <a:rPr lang="pt-BR" dirty="0"/>
+          <a:bodyPr>
+            <a:normAutofit/>
+          </a:bodyPr>
+          <a:lstStyle/>
+          <a:p>
+            <a:r>
+              <a:rPr lang="pt-BR" sz="3600" dirty="0"/>
               <a:t>Ferramenta case de desenvolvimento de software baseada em conhecimento</a:t>
             </a:r>
           </a:p>
           <a:p>
             <a:r>
-              <a:rPr lang="pt-BR" dirty="0"/>
+              <a:rPr lang="pt-BR" sz="3600" dirty="0"/>
               <a:t>“Gerador de código”</a:t>
             </a:r>
           </a:p>
           <a:p>
             <a:r>
-              <a:rPr lang="pt-BR" dirty="0"/>
+              <a:rPr lang="pt-BR" sz="3600" dirty="0"/>
               <a:t>Ideia principal: “Foco na  sua regra de negócio, GeneXus toma conta do resto”</a:t>
             </a:r>
           </a:p>
@@ -7647,46 +7908,48 @@
         </p:nvSpPr>
         <p:spPr/>
         <p:txBody>
-          <a:bodyPr/>
-          <a:lstStyle/>
-          <a:p>
-            <a:r>
-              <a:rPr lang="pt-BR" dirty="0"/>
+          <a:bodyPr>
+            <a:normAutofit lnSpcReduction="10000"/>
+          </a:bodyPr>
+          <a:lstStyle/>
+          <a:p>
+            <a:r>
+              <a:rPr lang="pt-BR" sz="3200" dirty="0"/>
               <a:t>Processos</a:t>
             </a:r>
           </a:p>
           <a:p>
             <a:pPr lvl="1"/>
             <a:r>
-              <a:rPr lang="pt-BR" dirty="0"/>
+              <a:rPr lang="pt-BR" sz="2800" dirty="0"/>
               <a:t>Definição do conhecimento através dos objetos GeneXus</a:t>
             </a:r>
           </a:p>
           <a:p>
             <a:pPr lvl="1"/>
             <a:r>
-              <a:rPr lang="pt-BR" dirty="0"/>
+              <a:rPr lang="pt-BR" sz="2800" dirty="0"/>
               <a:t>Especificação</a:t>
             </a:r>
           </a:p>
           <a:p>
             <a:pPr lvl="1"/>
             <a:r>
-              <a:rPr lang="pt-BR" dirty="0"/>
+              <a:rPr lang="pt-BR" sz="2800" dirty="0"/>
               <a:t>Análise de impacto e alteração do banco de dados</a:t>
             </a:r>
           </a:p>
           <a:p>
             <a:pPr lvl="1"/>
             <a:r>
-              <a:rPr lang="pt-BR" dirty="0"/>
+              <a:rPr lang="pt-BR" sz="2800" dirty="0"/>
               <a:t>Geração</a:t>
             </a:r>
           </a:p>
           <a:p>
             <a:pPr lvl="1"/>
             <a:r>
-              <a:rPr lang="pt-BR" dirty="0"/>
+              <a:rPr lang="pt-BR" sz="2800" dirty="0"/>
               <a:t>Compilação</a:t>
             </a:r>
           </a:p>
@@ -7724,160 +7987,416 @@
       </p:grpSpPr>
       <p:sp>
         <p:nvSpPr>
-          <p:cNvPr id="2" name="Título 1">
+          <p:cNvPr id="4" name="Elipse 3">
             <a:extLst>
               <a:ext uri="{FF2B5EF4-FFF2-40B4-BE49-F238E27FC236}">
-                <a16:creationId xmlns:a16="http://schemas.microsoft.com/office/drawing/2014/main" id="{D3B41A0A-FEC1-4386-82E3-91A4B0D0E70C}"/>
+                <a16:creationId xmlns:a16="http://schemas.microsoft.com/office/drawing/2014/main" id="{78620CFC-1714-4CE4-B1A4-70B3A13D12B0}"/>
               </a:ext>
             </a:extLst>
           </p:cNvPr>
-          <p:cNvSpPr>
-            <a:spLocks noGrp="1"/>
-          </p:cNvSpPr>
-          <p:nvPr>
-            <p:ph type="title"/>
-          </p:nvPr>
+          <p:cNvSpPr/>
+          <p:nvPr/>
         </p:nvSpPr>
         <p:spPr>
           <a:xfrm>
-            <a:off x="677334" y="609600"/>
-            <a:ext cx="8596668" cy="722811"/>
+            <a:off x="3684104" y="437321"/>
+            <a:ext cx="3240000" cy="1080000"/>
           </a:xfrm>
+          <a:prstGeom prst="ellipse">
+            <a:avLst/>
+          </a:prstGeom>
         </p:spPr>
-        <p:txBody>
-          <a:bodyPr/>
-          <a:lstStyle/>
-          <a:p>
-            <a:r>
-              <a:rPr lang="pt-BR" dirty="0"/>
-              <a:t>Objetos GeneXus</a:t>
-            </a:r>
-          </a:p>
-        </p:txBody>
-      </p:sp>
-      <p:sp>
-        <p:nvSpPr>
-          <p:cNvPr id="3" name="Espaço Reservado para Conteúdo 2">
+        <p:style>
+          <a:lnRef idx="1">
+            <a:schemeClr val="accent1"/>
+          </a:lnRef>
+          <a:fillRef idx="2">
+            <a:schemeClr val="accent1"/>
+          </a:fillRef>
+          <a:effectRef idx="1">
+            <a:schemeClr val="accent1"/>
+          </a:effectRef>
+          <a:fontRef idx="minor">
+            <a:schemeClr val="dk1"/>
+          </a:fontRef>
+        </p:style>
+        <p:txBody>
+          <a:bodyPr rtlCol="0" anchor="ctr"/>
+          <a:lstStyle/>
+          <a:p>
+            <a:pPr algn="ctr"/>
+            <a:r>
+              <a:rPr lang="pt-BR" dirty="0"/>
+              <a:t>Conhecimento da regra de negócio</a:t>
+            </a:r>
+          </a:p>
+        </p:txBody>
+      </p:sp>
+      <p:sp>
+        <p:nvSpPr>
+          <p:cNvPr id="5" name="Elipse 4">
             <a:extLst>
               <a:ext uri="{FF2B5EF4-FFF2-40B4-BE49-F238E27FC236}">
-                <a16:creationId xmlns:a16="http://schemas.microsoft.com/office/drawing/2014/main" id="{CAFCFB6F-6204-48EB-A175-889A89E85B11}"/>
+                <a16:creationId xmlns:a16="http://schemas.microsoft.com/office/drawing/2014/main" id="{41655FB6-42D5-4809-8F36-34F6D7938291}"/>
               </a:ext>
             </a:extLst>
           </p:cNvPr>
-          <p:cNvSpPr>
-            <a:spLocks noGrp="1"/>
-          </p:cNvSpPr>
-          <p:nvPr>
-            <p:ph idx="1"/>
-          </p:nvPr>
+          <p:cNvSpPr/>
+          <p:nvPr/>
         </p:nvSpPr>
         <p:spPr>
           <a:xfrm>
-            <a:off x="677334" y="1435401"/>
-            <a:ext cx="8596668" cy="4382303"/>
+            <a:off x="3684104" y="1928243"/>
+            <a:ext cx="3240000" cy="1080000"/>
           </a:xfrm>
+          <a:prstGeom prst="ellipse">
+            <a:avLst/>
+          </a:prstGeom>
         </p:spPr>
-        <p:txBody>
-          <a:bodyPr>
-            <a:normAutofit fontScale="92500" lnSpcReduction="10000"/>
-          </a:bodyPr>
-          <a:lstStyle/>
-          <a:p>
-            <a:r>
-              <a:rPr lang="pt-BR" dirty="0"/>
-              <a:t>Definições de propriedades, eventos, telas e regras similares, cada um com suas especificidades</a:t>
-            </a:r>
-          </a:p>
-          <a:p>
-            <a:r>
-              <a:rPr lang="pt-BR" dirty="0"/>
-              <a:t>Tipos de objetos</a:t>
-            </a:r>
-          </a:p>
-          <a:p>
-            <a:pPr lvl="1"/>
-            <a:r>
-              <a:rPr lang="pt-BR" dirty="0"/>
-              <a:t>Domínios</a:t>
-            </a:r>
-          </a:p>
-          <a:p>
-            <a:pPr lvl="1"/>
-            <a:r>
-              <a:rPr lang="pt-BR" dirty="0"/>
-              <a:t>Transações</a:t>
-            </a:r>
-          </a:p>
-          <a:p>
-            <a:pPr lvl="1"/>
-            <a:r>
-              <a:rPr lang="pt-BR" i="1" dirty="0"/>
-              <a:t>Web </a:t>
-            </a:r>
-            <a:r>
-              <a:rPr lang="pt-BR" i="1" dirty="0" err="1"/>
-              <a:t>Panels</a:t>
-            </a:r>
-            <a:endParaRPr lang="pt-BR" i="1" dirty="0"/>
-          </a:p>
-          <a:p>
-            <a:pPr lvl="1"/>
-            <a:r>
-              <a:rPr lang="pt-BR" i="1" dirty="0"/>
-              <a:t>Procedures</a:t>
-            </a:r>
-          </a:p>
-          <a:p>
-            <a:pPr lvl="1"/>
-            <a:r>
-              <a:rPr lang="pt-BR" dirty="0"/>
-              <a:t>Imagens</a:t>
-            </a:r>
-          </a:p>
-          <a:p>
-            <a:pPr lvl="1"/>
-            <a:r>
-              <a:rPr lang="pt-BR" dirty="0"/>
-              <a:t>Temas</a:t>
-            </a:r>
-          </a:p>
-          <a:p>
-            <a:pPr lvl="1"/>
-            <a:r>
-              <a:rPr lang="pt-BR" dirty="0"/>
-              <a:t>Gráficos</a:t>
-            </a:r>
-          </a:p>
-          <a:p>
-            <a:pPr lvl="1"/>
-            <a:r>
-              <a:rPr lang="pt-BR" dirty="0" err="1"/>
-              <a:t>SDTs</a:t>
-            </a:r>
-            <a:endParaRPr lang="pt-BR" dirty="0"/>
-          </a:p>
-          <a:p>
-            <a:pPr lvl="1"/>
-            <a:r>
-              <a:rPr lang="pt-BR" dirty="0"/>
-              <a:t>E muitos mais...</a:t>
-            </a:r>
-          </a:p>
-          <a:p>
-            <a:r>
-              <a:rPr lang="pt-BR" dirty="0"/>
-              <a:t>Objetos GeneXus não tem nenhuma correlação com Orientação a Objetos</a:t>
-            </a:r>
-          </a:p>
-          <a:p>
-            <a:endParaRPr lang="pt-BR" dirty="0"/>
-          </a:p>
-        </p:txBody>
-      </p:sp>
+        <p:style>
+          <a:lnRef idx="1">
+            <a:schemeClr val="accent3"/>
+          </a:lnRef>
+          <a:fillRef idx="2">
+            <a:schemeClr val="accent3"/>
+          </a:fillRef>
+          <a:effectRef idx="1">
+            <a:schemeClr val="accent3"/>
+          </a:effectRef>
+          <a:fontRef idx="minor">
+            <a:schemeClr val="dk1"/>
+          </a:fontRef>
+        </p:style>
+        <p:txBody>
+          <a:bodyPr rtlCol="0" anchor="ctr"/>
+          <a:lstStyle/>
+          <a:p>
+            <a:pPr algn="ctr"/>
+            <a:r>
+              <a:rPr lang="pt-BR" dirty="0"/>
+              <a:t>Objetos GeneXus</a:t>
+            </a:r>
+          </a:p>
+        </p:txBody>
+      </p:sp>
+      <p:sp>
+        <p:nvSpPr>
+          <p:cNvPr id="6" name="Elipse 5">
+            <a:extLst>
+              <a:ext uri="{FF2B5EF4-FFF2-40B4-BE49-F238E27FC236}">
+                <a16:creationId xmlns:a16="http://schemas.microsoft.com/office/drawing/2014/main" id="{33AAB646-E0BE-4BE9-A7DF-569CBCE0677A}"/>
+              </a:ext>
+            </a:extLst>
+          </p:cNvPr>
+          <p:cNvSpPr/>
+          <p:nvPr/>
+        </p:nvSpPr>
+        <p:spPr>
+          <a:xfrm>
+            <a:off x="3684104" y="3324704"/>
+            <a:ext cx="3240000" cy="1080000"/>
+          </a:xfrm>
+          <a:prstGeom prst="ellipse">
+            <a:avLst/>
+          </a:prstGeom>
+        </p:spPr>
+        <p:style>
+          <a:lnRef idx="1">
+            <a:schemeClr val="accent4"/>
+          </a:lnRef>
+          <a:fillRef idx="2">
+            <a:schemeClr val="accent4"/>
+          </a:fillRef>
+          <a:effectRef idx="1">
+            <a:schemeClr val="accent4"/>
+          </a:effectRef>
+          <a:fontRef idx="minor">
+            <a:schemeClr val="dk1"/>
+          </a:fontRef>
+        </p:style>
+        <p:txBody>
+          <a:bodyPr rtlCol="0" anchor="ctr"/>
+          <a:lstStyle/>
+          <a:p>
+            <a:pPr algn="ctr"/>
+            <a:r>
+              <a:rPr lang="pt-BR" dirty="0"/>
+              <a:t>Base de Conhecimento</a:t>
+            </a:r>
+          </a:p>
+        </p:txBody>
+      </p:sp>
+      <p:sp>
+        <p:nvSpPr>
+          <p:cNvPr id="7" name="Elipse 6">
+            <a:extLst>
+              <a:ext uri="{FF2B5EF4-FFF2-40B4-BE49-F238E27FC236}">
+                <a16:creationId xmlns:a16="http://schemas.microsoft.com/office/drawing/2014/main" id="{7EA8B91D-1F21-4C86-86E3-D3593671FEFA}"/>
+              </a:ext>
+            </a:extLst>
+          </p:cNvPr>
+          <p:cNvSpPr/>
+          <p:nvPr/>
+        </p:nvSpPr>
+        <p:spPr>
+          <a:xfrm>
+            <a:off x="1235998" y="4807306"/>
+            <a:ext cx="3240000" cy="1080000"/>
+          </a:xfrm>
+          <a:prstGeom prst="ellipse">
+            <a:avLst/>
+          </a:prstGeom>
+          <a:ln/>
+        </p:spPr>
+        <p:style>
+          <a:lnRef idx="1">
+            <a:schemeClr val="accent6"/>
+          </a:lnRef>
+          <a:fillRef idx="2">
+            <a:schemeClr val="accent6"/>
+          </a:fillRef>
+          <a:effectRef idx="1">
+            <a:schemeClr val="accent6"/>
+          </a:effectRef>
+          <a:fontRef idx="minor">
+            <a:schemeClr val="dk1"/>
+          </a:fontRef>
+        </p:style>
+        <p:txBody>
+          <a:bodyPr rtlCol="0" anchor="ctr"/>
+          <a:lstStyle/>
+          <a:p>
+            <a:pPr algn="ctr"/>
+            <a:r>
+              <a:rPr lang="pt-BR" dirty="0"/>
+              <a:t>Programas</a:t>
+            </a:r>
+          </a:p>
+        </p:txBody>
+      </p:sp>
+      <p:sp>
+        <p:nvSpPr>
+          <p:cNvPr id="8" name="Elipse 7">
+            <a:extLst>
+              <a:ext uri="{FF2B5EF4-FFF2-40B4-BE49-F238E27FC236}">
+                <a16:creationId xmlns:a16="http://schemas.microsoft.com/office/drawing/2014/main" id="{64F27491-3548-405F-B0EF-8F2AB2AF6CD3}"/>
+              </a:ext>
+            </a:extLst>
+          </p:cNvPr>
+          <p:cNvSpPr/>
+          <p:nvPr/>
+        </p:nvSpPr>
+        <p:spPr>
+          <a:xfrm>
+            <a:off x="6096002" y="4717827"/>
+            <a:ext cx="3240000" cy="1080000"/>
+          </a:xfrm>
+          <a:prstGeom prst="ellipse">
+            <a:avLst/>
+          </a:prstGeom>
+        </p:spPr>
+        <p:style>
+          <a:lnRef idx="1">
+            <a:schemeClr val="accent6"/>
+          </a:lnRef>
+          <a:fillRef idx="2">
+            <a:schemeClr val="accent6"/>
+          </a:fillRef>
+          <a:effectRef idx="1">
+            <a:schemeClr val="accent6"/>
+          </a:effectRef>
+          <a:fontRef idx="minor">
+            <a:schemeClr val="dk1"/>
+          </a:fontRef>
+        </p:style>
+        <p:txBody>
+          <a:bodyPr rtlCol="0" anchor="ctr"/>
+          <a:lstStyle/>
+          <a:p>
+            <a:pPr algn="ctr"/>
+            <a:r>
+              <a:rPr lang="pt-BR" dirty="0"/>
+              <a:t>Base de Dados</a:t>
+            </a:r>
+          </a:p>
+        </p:txBody>
+      </p:sp>
+      <p:cxnSp>
+        <p:nvCxnSpPr>
+          <p:cNvPr id="12" name="Conector de Seta Reta 11">
+            <a:extLst>
+              <a:ext uri="{FF2B5EF4-FFF2-40B4-BE49-F238E27FC236}">
+                <a16:creationId xmlns:a16="http://schemas.microsoft.com/office/drawing/2014/main" id="{768CC744-082C-4401-9860-AF5D07B5D0EF}"/>
+              </a:ext>
+            </a:extLst>
+          </p:cNvPr>
+          <p:cNvCxnSpPr>
+            <a:cxnSpLocks/>
+            <a:stCxn id="4" idx="4"/>
+            <a:endCxn id="5" idx="0"/>
+          </p:cNvCxnSpPr>
+          <p:nvPr/>
+        </p:nvCxnSpPr>
+        <p:spPr>
+          <a:xfrm>
+            <a:off x="5304104" y="1517321"/>
+            <a:ext cx="0" cy="410922"/>
+          </a:xfrm>
+          <a:prstGeom prst="straightConnector1">
+            <a:avLst/>
+          </a:prstGeom>
+          <a:ln>
+            <a:tailEnd type="triangle"/>
+          </a:ln>
+        </p:spPr>
+        <p:style>
+          <a:lnRef idx="3">
+            <a:schemeClr val="dk1"/>
+          </a:lnRef>
+          <a:fillRef idx="0">
+            <a:schemeClr val="dk1"/>
+          </a:fillRef>
+          <a:effectRef idx="2">
+            <a:schemeClr val="dk1"/>
+          </a:effectRef>
+          <a:fontRef idx="minor">
+            <a:schemeClr val="tx1"/>
+          </a:fontRef>
+        </p:style>
+      </p:cxnSp>
+      <p:cxnSp>
+        <p:nvCxnSpPr>
+          <p:cNvPr id="14" name="Conector de Seta Reta 13">
+            <a:extLst>
+              <a:ext uri="{FF2B5EF4-FFF2-40B4-BE49-F238E27FC236}">
+                <a16:creationId xmlns:a16="http://schemas.microsoft.com/office/drawing/2014/main" id="{E336ED22-EF06-4319-B4EF-AF205A8539E5}"/>
+              </a:ext>
+            </a:extLst>
+          </p:cNvPr>
+          <p:cNvCxnSpPr>
+            <a:cxnSpLocks/>
+            <a:stCxn id="5" idx="4"/>
+            <a:endCxn id="6" idx="0"/>
+          </p:cNvCxnSpPr>
+          <p:nvPr/>
+        </p:nvCxnSpPr>
+        <p:spPr>
+          <a:xfrm>
+            <a:off x="5304104" y="3008243"/>
+            <a:ext cx="0" cy="316461"/>
+          </a:xfrm>
+          <a:prstGeom prst="straightConnector1">
+            <a:avLst/>
+          </a:prstGeom>
+          <a:ln>
+            <a:tailEnd type="triangle"/>
+          </a:ln>
+        </p:spPr>
+        <p:style>
+          <a:lnRef idx="3">
+            <a:schemeClr val="dk1"/>
+          </a:lnRef>
+          <a:fillRef idx="0">
+            <a:schemeClr val="dk1"/>
+          </a:fillRef>
+          <a:effectRef idx="2">
+            <a:schemeClr val="dk1"/>
+          </a:effectRef>
+          <a:fontRef idx="minor">
+            <a:schemeClr val="tx1"/>
+          </a:fontRef>
+        </p:style>
+      </p:cxnSp>
+      <p:cxnSp>
+        <p:nvCxnSpPr>
+          <p:cNvPr id="17" name="Conector de Seta Reta 16">
+            <a:extLst>
+              <a:ext uri="{FF2B5EF4-FFF2-40B4-BE49-F238E27FC236}">
+                <a16:creationId xmlns:a16="http://schemas.microsoft.com/office/drawing/2014/main" id="{80DC35AA-2E7F-49F6-AF09-EA2068B6985A}"/>
+              </a:ext>
+            </a:extLst>
+          </p:cNvPr>
+          <p:cNvCxnSpPr>
+            <a:cxnSpLocks/>
+            <a:stCxn id="6" idx="3"/>
+            <a:endCxn id="7" idx="0"/>
+          </p:cNvCxnSpPr>
+          <p:nvPr/>
+        </p:nvCxnSpPr>
+        <p:spPr>
+          <a:xfrm flipH="1">
+            <a:off x="2855998" y="4246542"/>
+            <a:ext cx="1302593" cy="560764"/>
+          </a:xfrm>
+          <a:prstGeom prst="straightConnector1">
+            <a:avLst/>
+          </a:prstGeom>
+          <a:ln>
+            <a:tailEnd type="triangle"/>
+          </a:ln>
+        </p:spPr>
+        <p:style>
+          <a:lnRef idx="3">
+            <a:schemeClr val="dk1"/>
+          </a:lnRef>
+          <a:fillRef idx="0">
+            <a:schemeClr val="dk1"/>
+          </a:fillRef>
+          <a:effectRef idx="2">
+            <a:schemeClr val="dk1"/>
+          </a:effectRef>
+          <a:fontRef idx="minor">
+            <a:schemeClr val="tx1"/>
+          </a:fontRef>
+        </p:style>
+      </p:cxnSp>
+      <p:cxnSp>
+        <p:nvCxnSpPr>
+          <p:cNvPr id="23" name="Conector de Seta Reta 22">
+            <a:extLst>
+              <a:ext uri="{FF2B5EF4-FFF2-40B4-BE49-F238E27FC236}">
+                <a16:creationId xmlns:a16="http://schemas.microsoft.com/office/drawing/2014/main" id="{1CE17B26-581C-4B23-8048-828DB2F0A8DE}"/>
+              </a:ext>
+            </a:extLst>
+          </p:cNvPr>
+          <p:cNvCxnSpPr>
+            <a:cxnSpLocks/>
+            <a:stCxn id="6" idx="5"/>
+            <a:endCxn id="8" idx="0"/>
+          </p:cNvCxnSpPr>
+          <p:nvPr/>
+        </p:nvCxnSpPr>
+        <p:spPr>
+          <a:xfrm>
+            <a:off x="6449617" y="4246542"/>
+            <a:ext cx="1266385" cy="471285"/>
+          </a:xfrm>
+          <a:prstGeom prst="straightConnector1">
+            <a:avLst/>
+          </a:prstGeom>
+          <a:ln>
+            <a:tailEnd type="triangle"/>
+          </a:ln>
+        </p:spPr>
+        <p:style>
+          <a:lnRef idx="3">
+            <a:schemeClr val="dk1"/>
+          </a:lnRef>
+          <a:fillRef idx="0">
+            <a:schemeClr val="dk1"/>
+          </a:fillRef>
+          <a:effectRef idx="2">
+            <a:schemeClr val="dk1"/>
+          </a:effectRef>
+          <a:fontRef idx="minor">
+            <a:schemeClr val="tx1"/>
+          </a:fontRef>
+        </p:style>
+      </p:cxnSp>
     </p:spTree>
     <p:extLst>
       <p:ext uri="{BB962C8B-B14F-4D97-AF65-F5344CB8AC3E}">
-        <p14:creationId xmlns:p14="http://schemas.microsoft.com/office/powerpoint/2010/main" val="1168226438"/>
+        <p14:creationId xmlns:p14="http://schemas.microsoft.com/office/powerpoint/2010/main" val="4053677128"/>
       </p:ext>
     </p:extLst>
   </p:cSld>
@@ -7909,7 +8428,7 @@
           <p:cNvPr id="2" name="Título 1">
             <a:extLst>
               <a:ext uri="{FF2B5EF4-FFF2-40B4-BE49-F238E27FC236}">
-                <a16:creationId xmlns:a16="http://schemas.microsoft.com/office/drawing/2014/main" id="{4655E4EF-947B-401E-9836-983005879035}"/>
+                <a16:creationId xmlns:a16="http://schemas.microsoft.com/office/drawing/2014/main" id="{D3B41A0A-FEC1-4386-82E3-91A4B0D0E70C}"/>
               </a:ext>
             </a:extLst>
           </p:cNvPr>
@@ -7920,14 +8439,19 @@
             <p:ph type="title"/>
           </p:nvPr>
         </p:nvSpPr>
-        <p:spPr/>
+        <p:spPr>
+          <a:xfrm>
+            <a:off x="677334" y="609600"/>
+            <a:ext cx="8596668" cy="722811"/>
+          </a:xfrm>
+        </p:spPr>
         <p:txBody>
           <a:bodyPr/>
           <a:lstStyle/>
           <a:p>
             <a:r>
               <a:rPr lang="pt-BR" dirty="0"/>
-              <a:t>Definições gerais para os objetos</a:t>
+              <a:t>Objetos GeneXus</a:t>
             </a:r>
           </a:p>
         </p:txBody>
@@ -7937,7 +8461,7 @@
           <p:cNvPr id="3" name="Espaço Reservado para Conteúdo 2">
             <a:extLst>
               <a:ext uri="{FF2B5EF4-FFF2-40B4-BE49-F238E27FC236}">
-                <a16:creationId xmlns:a16="http://schemas.microsoft.com/office/drawing/2014/main" id="{C647BE43-BC2F-49B9-AC2E-FA7FC315AAF1}"/>
+                <a16:creationId xmlns:a16="http://schemas.microsoft.com/office/drawing/2014/main" id="{CAFCFB6F-6204-48EB-A175-889A89E85B11}"/>
               </a:ext>
             </a:extLst>
           </p:cNvPr>
@@ -7951,69 +8475,42 @@
         <p:spPr>
           <a:xfrm>
             <a:off x="677334" y="1435401"/>
-            <a:ext cx="8596668" cy="4408808"/>
+            <a:ext cx="8596668" cy="4382303"/>
           </a:xfrm>
         </p:spPr>
         <p:txBody>
-          <a:bodyPr/>
-          <a:lstStyle/>
-          <a:p>
-            <a:r>
-              <a:rPr lang="pt-BR" dirty="0"/>
-              <a:t>Comum a diversos tipos de objetos:</a:t>
+          <a:bodyPr>
+            <a:normAutofit fontScale="92500" lnSpcReduction="10000"/>
+          </a:bodyPr>
+          <a:lstStyle/>
+          <a:p>
+            <a:r>
+              <a:rPr lang="pt-BR" dirty="0"/>
+              <a:t>Definições de propriedades, eventos, telas e regras similares, cada um com suas especificidades</a:t>
+            </a:r>
+          </a:p>
+          <a:p>
+            <a:r>
+              <a:rPr lang="pt-BR" dirty="0"/>
+              <a:t>Tipos de objetos</a:t>
             </a:r>
           </a:p>
           <a:p>
             <a:pPr lvl="1"/>
             <a:r>
               <a:rPr lang="pt-BR" dirty="0"/>
-              <a:t>Aba “</a:t>
-            </a:r>
-            <a:r>
-              <a:rPr lang="pt-BR" dirty="0" err="1"/>
-              <a:t>Rules</a:t>
-            </a:r>
-            <a:r>
-              <a:rPr lang="pt-BR" dirty="0"/>
-              <a:t>”</a:t>
+              <a:t>Domínios</a:t>
             </a:r>
           </a:p>
           <a:p>
             <a:pPr lvl="1"/>
             <a:r>
               <a:rPr lang="pt-BR" dirty="0"/>
-              <a:t>Aba “</a:t>
-            </a:r>
-            <a:r>
-              <a:rPr lang="pt-BR" dirty="0" err="1"/>
-              <a:t>Documentation</a:t>
-            </a:r>
-            <a:r>
-              <a:rPr lang="pt-BR" dirty="0"/>
-              <a:t>”</a:t>
+              <a:t>Transações</a:t>
             </a:r>
           </a:p>
           <a:p>
             <a:pPr lvl="1"/>
-            <a:r>
-              <a:rPr lang="pt-BR" dirty="0"/>
-              <a:t>Regra “</a:t>
-            </a:r>
-            <a:r>
-              <a:rPr lang="pt-BR" dirty="0" err="1"/>
-              <a:t>Parm</a:t>
-            </a:r>
-            <a:r>
-              <a:rPr lang="pt-BR" dirty="0"/>
-              <a:t>”</a:t>
-            </a:r>
-          </a:p>
-          <a:p>
-            <a:pPr lvl="1"/>
-            <a:r>
-              <a:rPr lang="pt-BR" dirty="0"/>
-              <a:t>No caso de </a:t>
-            </a:r>
             <a:r>
               <a:rPr lang="pt-BR" i="1" dirty="0"/>
               <a:t>Web </a:t>
@@ -8022,82 +8519,66 @@
               <a:rPr lang="pt-BR" i="1" dirty="0" err="1"/>
               <a:t>Panels</a:t>
             </a:r>
-            <a:r>
-              <a:rPr lang="pt-BR" i="1" dirty="0"/>
-              <a:t> </a:t>
-            </a:r>
-            <a:r>
-              <a:rPr lang="pt-BR" dirty="0"/>
-              <a:t>e </a:t>
-            </a:r>
+            <a:endParaRPr lang="pt-BR" i="1" dirty="0"/>
+          </a:p>
+          <a:p>
+            <a:pPr lvl="1"/>
             <a:r>
               <a:rPr lang="pt-BR" i="1" dirty="0"/>
               <a:t>Procedures</a:t>
             </a:r>
-            <a:r>
-              <a:rPr lang="pt-BR" dirty="0"/>
-              <a:t>, a aba “</a:t>
-            </a:r>
+          </a:p>
+          <a:p>
+            <a:pPr lvl="1"/>
+            <a:r>
+              <a:rPr lang="pt-BR" dirty="0"/>
+              <a:t>Imagens</a:t>
+            </a:r>
+          </a:p>
+          <a:p>
+            <a:pPr lvl="1"/>
+            <a:r>
+              <a:rPr lang="pt-BR" dirty="0"/>
+              <a:t>Temas</a:t>
+            </a:r>
+          </a:p>
+          <a:p>
+            <a:pPr lvl="1"/>
+            <a:r>
+              <a:rPr lang="pt-BR" dirty="0"/>
+              <a:t>Gráficos</a:t>
+            </a:r>
+          </a:p>
+          <a:p>
+            <a:pPr lvl="1"/>
             <a:r>
               <a:rPr lang="pt-BR" dirty="0" err="1"/>
-              <a:t>Conditions</a:t>
-            </a:r>
-            <a:r>
-              <a:rPr lang="pt-BR" dirty="0"/>
-              <a:t>”</a:t>
-            </a:r>
+              <a:t>SDTs</a:t>
+            </a:r>
+            <a:endParaRPr lang="pt-BR" dirty="0"/>
           </a:p>
           <a:p>
             <a:pPr lvl="1"/>
             <a:r>
               <a:rPr lang="pt-BR" dirty="0"/>
-              <a:t>Em transações</a:t>
-            </a:r>
-            <a:r>
-              <a:rPr lang="pt-BR" i="1" dirty="0"/>
-              <a:t> </a:t>
-            </a:r>
-            <a:r>
-              <a:rPr lang="pt-BR" dirty="0"/>
-              <a:t>e </a:t>
-            </a:r>
-            <a:r>
-              <a:rPr lang="pt-BR" i="1" dirty="0"/>
-              <a:t>Web </a:t>
-            </a:r>
-            <a:r>
-              <a:rPr lang="pt-BR" i="1" dirty="0" err="1"/>
-              <a:t>Panels</a:t>
-            </a:r>
-            <a:endParaRPr lang="pt-BR" i="1" dirty="0"/>
-          </a:p>
-          <a:p>
-            <a:pPr lvl="2"/>
-            <a:r>
-              <a:rPr lang="pt-BR" dirty="0"/>
-              <a:t>Habilitação de campos</a:t>
-            </a:r>
-          </a:p>
-          <a:p>
-            <a:pPr lvl="2"/>
-            <a:r>
-              <a:rPr lang="pt-BR" dirty="0"/>
-              <a:t>Regra “Prompt”</a:t>
-            </a:r>
-          </a:p>
-          <a:p>
-            <a:pPr lvl="1"/>
-            <a:r>
-              <a:rPr lang="pt-BR" dirty="0"/>
-              <a:t>Definição de variáveis baseadas em domínios</a:t>
-            </a:r>
+              <a:t>E muitos mais...</a:t>
+            </a:r>
+          </a:p>
+          <a:p>
+            <a:r>
+              <a:rPr lang="pt-BR" dirty="0"/>
+              <a:t>Objetos GeneXus não tem nenhuma correlação com Orientação a Objetos</a:t>
+            </a:r>
+          </a:p>
+          <a:p>
+            <a:endParaRPr lang="pt-BR" dirty="0"/>
           </a:p>
         </p:txBody>
       </p:sp>
     </p:spTree>
     <p:extLst>
       <p:ext uri="{BB962C8B-B14F-4D97-AF65-F5344CB8AC3E}">
-        <p14:creationId xmlns:p14="http://schemas.microsoft.com/office/powerpoint/2010/main" val="3177980186"/>
+        <p14:creationId xmlns:p14="http://schemas.microsoft.com/office/powerpoint/2010/main" val="1168226438"/>
       </p:ext>
     </p:extLst>
   </p:cSld>
@@ -8129,7 +8610,7 @@
           <p:cNvPr id="2" name="Título 1">
             <a:extLst>
               <a:ext uri="{FF2B5EF4-FFF2-40B4-BE49-F238E27FC236}">
-                <a16:creationId xmlns:a16="http://schemas.microsoft.com/office/drawing/2014/main" id="{A3A21370-FA9E-43B6-B97A-7185F2181826}"/>
+                <a16:creationId xmlns:a16="http://schemas.microsoft.com/office/drawing/2014/main" id="{4655E4EF-947B-401E-9836-983005879035}"/>
               </a:ext>
             </a:extLst>
           </p:cNvPr>
@@ -8140,19 +8621,14 @@
             <p:ph type="title"/>
           </p:nvPr>
         </p:nvSpPr>
-        <p:spPr>
-          <a:xfrm>
-            <a:off x="677334" y="609600"/>
-            <a:ext cx="8596668" cy="722811"/>
-          </a:xfrm>
-        </p:spPr>
+        <p:spPr/>
         <p:txBody>
           <a:bodyPr/>
           <a:lstStyle/>
           <a:p>
             <a:r>
               <a:rPr lang="pt-BR" dirty="0"/>
-              <a:t>Objetos GeneXus: Transações</a:t>
+              <a:t>Definições gerais para os objetos</a:t>
             </a:r>
           </a:p>
         </p:txBody>
@@ -8162,7 +8638,7 @@
           <p:cNvPr id="3" name="Espaço Reservado para Conteúdo 2">
             <a:extLst>
               <a:ext uri="{FF2B5EF4-FFF2-40B4-BE49-F238E27FC236}">
-                <a16:creationId xmlns:a16="http://schemas.microsoft.com/office/drawing/2014/main" id="{9430121F-AF51-4D00-865B-C911EEC1CF35}"/>
+                <a16:creationId xmlns:a16="http://schemas.microsoft.com/office/drawing/2014/main" id="{C647BE43-BC2F-49B9-AC2E-FA7FC315AAF1}"/>
               </a:ext>
             </a:extLst>
           </p:cNvPr>
@@ -8173,34 +8649,148 @@
             <p:ph idx="1"/>
           </p:nvPr>
         </p:nvSpPr>
-        <p:spPr/>
+        <p:spPr>
+          <a:xfrm>
+            <a:off x="677334" y="1435401"/>
+            <a:ext cx="8596668" cy="4408808"/>
+          </a:xfrm>
+        </p:spPr>
         <p:txBody>
           <a:bodyPr/>
           <a:lstStyle/>
           <a:p>
             <a:r>
               <a:rPr lang="pt-BR" dirty="0"/>
-              <a:t>Definem a estrutura do banco de dados a ser gerada</a:t>
-            </a:r>
-          </a:p>
-          <a:p>
-            <a:r>
-              <a:rPr lang="pt-BR" dirty="0"/>
-              <a:t>Definem regras para a entrada de dados</a:t>
-            </a:r>
-          </a:p>
-          <a:p>
-            <a:r>
-              <a:rPr lang="pt-BR" dirty="0"/>
-              <a:t>Definem o comportamento dos atributos do sistema (validações com expressões regulares, máscaras, </a:t>
+              <a:t>Comum a diversos tipos de objetos:</a:t>
+            </a:r>
+          </a:p>
+          <a:p>
+            <a:pPr lvl="1"/>
+            <a:r>
+              <a:rPr lang="pt-BR" dirty="0"/>
+              <a:t>Aba “</a:t>
+            </a:r>
+            <a:r>
+              <a:rPr lang="pt-BR" dirty="0" err="1"/>
+              <a:t>Rules</a:t>
+            </a:r>
+            <a:r>
+              <a:rPr lang="pt-BR" dirty="0"/>
+              <a:t>”</a:t>
+            </a:r>
+          </a:p>
+          <a:p>
+            <a:pPr lvl="1"/>
+            <a:r>
+              <a:rPr lang="pt-BR" dirty="0"/>
+              <a:t>Aba “</a:t>
+            </a:r>
+            <a:r>
+              <a:rPr lang="pt-BR" dirty="0" err="1"/>
+              <a:t>Documentation</a:t>
+            </a:r>
+            <a:r>
+              <a:rPr lang="pt-BR" dirty="0"/>
+              <a:t>”</a:t>
+            </a:r>
+          </a:p>
+          <a:p>
+            <a:pPr lvl="1"/>
+            <a:r>
+              <a:rPr lang="pt-BR" dirty="0"/>
+              <a:t>Regra “</a:t>
+            </a:r>
+            <a:r>
+              <a:rPr lang="pt-BR" dirty="0" err="1"/>
+              <a:t>Parm</a:t>
+            </a:r>
+            <a:r>
+              <a:rPr lang="pt-BR" dirty="0"/>
+              <a:t>”</a:t>
+            </a:r>
+          </a:p>
+          <a:p>
+            <a:pPr lvl="1"/>
+            <a:r>
+              <a:rPr lang="pt-BR" dirty="0"/>
+              <a:t>No caso de </a:t>
             </a:r>
             <a:r>
               <a:rPr lang="pt-BR" i="1" dirty="0"/>
-              <a:t>range </a:t>
-            </a:r>
-            <a:r>
-              <a:rPr lang="pt-BR" dirty="0"/>
-              <a:t>de valores, etc...)</a:t>
+              <a:t>Web </a:t>
+            </a:r>
+            <a:r>
+              <a:rPr lang="pt-BR" i="1" dirty="0" err="1"/>
+              <a:t>Panels</a:t>
+            </a:r>
+            <a:r>
+              <a:rPr lang="pt-BR" i="1" dirty="0"/>
+              <a:t> </a:t>
+            </a:r>
+            <a:r>
+              <a:rPr lang="pt-BR" dirty="0"/>
+              <a:t>e </a:t>
+            </a:r>
+            <a:r>
+              <a:rPr lang="pt-BR" i="1" dirty="0"/>
+              <a:t>Procedures</a:t>
+            </a:r>
+            <a:r>
+              <a:rPr lang="pt-BR" dirty="0"/>
+              <a:t>, a aba “</a:t>
+            </a:r>
+            <a:r>
+              <a:rPr lang="pt-BR" dirty="0" err="1"/>
+              <a:t>Conditions</a:t>
+            </a:r>
+            <a:r>
+              <a:rPr lang="pt-BR" dirty="0"/>
+              <a:t>”</a:t>
+            </a:r>
+          </a:p>
+          <a:p>
+            <a:pPr lvl="1"/>
+            <a:r>
+              <a:rPr lang="pt-BR" dirty="0"/>
+              <a:t>Em transações</a:t>
+            </a:r>
+            <a:r>
+              <a:rPr lang="pt-BR" i="1" dirty="0"/>
+              <a:t> </a:t>
+            </a:r>
+            <a:r>
+              <a:rPr lang="pt-BR" dirty="0"/>
+              <a:t>e </a:t>
+            </a:r>
+            <a:r>
+              <a:rPr lang="pt-BR" i="1" dirty="0"/>
+              <a:t>Web </a:t>
+            </a:r>
+            <a:r>
+              <a:rPr lang="pt-BR" i="1" dirty="0" err="1"/>
+              <a:t>Panels</a:t>
+            </a:r>
+            <a:endParaRPr lang="pt-BR" i="1" dirty="0"/>
+          </a:p>
+          <a:p>
+            <a:pPr lvl="2"/>
+            <a:r>
+              <a:rPr lang="pt-BR" dirty="0"/>
+              <a:t>Habilitação de campos</a:t>
+            </a:r>
+          </a:p>
+          <a:p>
+            <a:pPr lvl="2"/>
+            <a:r>
+              <a:rPr lang="pt-BR" dirty="0"/>
+              <a:t>Regra “Prompt”</a:t>
+            </a:r>
+          </a:p>
+          <a:p>
+            <a:pPr lvl="1"/>
+            <a:r>
+              <a:rPr lang="pt-BR" dirty="0"/>
+              <a:t>Definição de variáveis baseadas em domínios</a:t>
             </a:r>
           </a:p>
         </p:txBody>
@@ -8208,7 +8798,7 @@
     </p:spTree>
     <p:extLst>
       <p:ext uri="{BB962C8B-B14F-4D97-AF65-F5344CB8AC3E}">
-        <p14:creationId xmlns:p14="http://schemas.microsoft.com/office/powerpoint/2010/main" val="229613350"/>
+        <p14:creationId xmlns:p14="http://schemas.microsoft.com/office/powerpoint/2010/main" val="3177980186"/>
       </p:ext>
     </p:extLst>
   </p:cSld>
@@ -8240,7 +8830,7 @@
           <p:cNvPr id="2" name="Título 1">
             <a:extLst>
               <a:ext uri="{FF2B5EF4-FFF2-40B4-BE49-F238E27FC236}">
-                <a16:creationId xmlns:a16="http://schemas.microsoft.com/office/drawing/2014/main" id="{9EDC4568-DC25-4AF8-8975-317FCABBB636}"/>
+                <a16:creationId xmlns:a16="http://schemas.microsoft.com/office/drawing/2014/main" id="{A3A21370-FA9E-43B6-B97A-7185F2181826}"/>
               </a:ext>
             </a:extLst>
           </p:cNvPr>
@@ -8258,7 +8848,7 @@
           <a:p>
             <a:r>
               <a:rPr lang="pt-BR" dirty="0"/>
-              <a:t>Atributos e Domínios</a:t>
+              <a:t>Objetos GeneXus: Transações</a:t>
             </a:r>
           </a:p>
         </p:txBody>
@@ -8268,7 +8858,7 @@
           <p:cNvPr id="3" name="Espaço Reservado para Conteúdo 2">
             <a:extLst>
               <a:ext uri="{FF2B5EF4-FFF2-40B4-BE49-F238E27FC236}">
-                <a16:creationId xmlns:a16="http://schemas.microsoft.com/office/drawing/2014/main" id="{DCBEF424-CF7E-43E9-AA5B-362A0FC047AF}"/>
+                <a16:creationId xmlns:a16="http://schemas.microsoft.com/office/drawing/2014/main" id="{9430121F-AF51-4D00-865B-C911EEC1CF35}"/>
               </a:ext>
             </a:extLst>
           </p:cNvPr>
@@ -8279,105 +8869,42 @@
             <p:ph idx="1"/>
           </p:nvPr>
         </p:nvSpPr>
-        <p:spPr>
-          <a:xfrm>
-            <a:off x="677334" y="1435401"/>
-            <a:ext cx="8596668" cy="4647347"/>
-          </a:xfrm>
-        </p:spPr>
-        <p:txBody>
-          <a:bodyPr>
-            <a:normAutofit fontScale="92500"/>
-          </a:bodyPr>
-          <a:lstStyle/>
-          <a:p>
-            <a:r>
-              <a:rPr lang="pt-BR" dirty="0"/>
-              <a:t>Um atributo é composto basicamente por nome, descrição, tipo de dados e se aceita nulo ou não</a:t>
-            </a:r>
-          </a:p>
-          <a:p>
-            <a:pPr lvl="1"/>
-            <a:r>
-              <a:rPr lang="pt-BR" dirty="0"/>
-              <a:t>Outras definições</a:t>
-            </a:r>
-          </a:p>
-          <a:p>
-            <a:pPr lvl="2"/>
-            <a:r>
-              <a:rPr lang="pt-BR" dirty="0"/>
-              <a:t>Tipo de controle</a:t>
-            </a:r>
-          </a:p>
-          <a:p>
-            <a:pPr lvl="2"/>
-            <a:r>
-              <a:rPr lang="pt-BR" dirty="0"/>
-              <a:t>Máscara</a:t>
-            </a:r>
-          </a:p>
-          <a:p>
-            <a:pPr lvl="2"/>
-            <a:r>
-              <a:rPr lang="pt-BR" dirty="0"/>
-              <a:t>Aparência (Tamanho, fonte, cores)</a:t>
-            </a:r>
-          </a:p>
-          <a:p>
-            <a:r>
-              <a:rPr lang="pt-BR" dirty="0"/>
-              <a:t>Um domínio é um conjunto de definições que podem ser comuns a atributos/variáveis</a:t>
-            </a:r>
-          </a:p>
-          <a:p>
-            <a:pPr lvl="1"/>
-            <a:r>
-              <a:rPr lang="pt-BR" dirty="0"/>
-              <a:t>Tipo de dados</a:t>
-            </a:r>
-          </a:p>
-          <a:p>
-            <a:pPr lvl="1"/>
-            <a:r>
-              <a:rPr lang="pt-BR" dirty="0"/>
-              <a:t>Tipo de controle</a:t>
-            </a:r>
-          </a:p>
-          <a:p>
-            <a:pPr lvl="1"/>
-            <a:r>
-              <a:rPr lang="pt-BR" dirty="0"/>
-              <a:t>Máscara</a:t>
-            </a:r>
-          </a:p>
-          <a:p>
-            <a:pPr lvl="1"/>
-            <a:r>
-              <a:rPr lang="pt-BR" dirty="0"/>
-              <a:t>Aparência (Tamanho, fonte, cores)</a:t>
-            </a:r>
-          </a:p>
-          <a:p>
-            <a:pPr lvl="1"/>
-            <a:r>
-              <a:rPr lang="pt-BR" dirty="0"/>
-              <a:t>Toda a definição feita em um domínio é aplicada nos atributos baseados nesse domínio. Quando a definição muda, o GeneXus reaplica em todos os atributos baseados!</a:t>
-            </a:r>
-          </a:p>
-          <a:p>
-            <a:pPr lvl="2"/>
-            <a:endParaRPr lang="pt-BR" dirty="0"/>
-          </a:p>
-          <a:p>
-            <a:endParaRPr lang="pt-BR" dirty="0"/>
+        <p:spPr/>
+        <p:txBody>
+          <a:bodyPr/>
+          <a:lstStyle/>
+          <a:p>
+            <a:r>
+              <a:rPr lang="pt-BR" dirty="0"/>
+              <a:t>Definem a estrutura do banco de dados a ser gerada</a:t>
+            </a:r>
+          </a:p>
+          <a:p>
+            <a:r>
+              <a:rPr lang="pt-BR" dirty="0"/>
+              <a:t>Definem regras para a entrada de dados</a:t>
+            </a:r>
+          </a:p>
+          <a:p>
+            <a:r>
+              <a:rPr lang="pt-BR" dirty="0"/>
+              <a:t>Definem o comportamento dos atributos do sistema (validações com expressões regulares, máscaras, </a:t>
+            </a:r>
+            <a:r>
+              <a:rPr lang="pt-BR" i="1" dirty="0"/>
+              <a:t>range </a:t>
+            </a:r>
+            <a:r>
+              <a:rPr lang="pt-BR" dirty="0"/>
+              <a:t>de valores, etc...)</a:t>
+            </a:r>
           </a:p>
         </p:txBody>
       </p:sp>
     </p:spTree>
     <p:extLst>
       <p:ext uri="{BB962C8B-B14F-4D97-AF65-F5344CB8AC3E}">
-        <p14:creationId xmlns:p14="http://schemas.microsoft.com/office/powerpoint/2010/main" val="1267751359"/>
+        <p14:creationId xmlns:p14="http://schemas.microsoft.com/office/powerpoint/2010/main" val="229613350"/>
       </p:ext>
     </p:extLst>
   </p:cSld>
@@ -8409,7 +8936,7 @@
           <p:cNvPr id="2" name="Título 1">
             <a:extLst>
               <a:ext uri="{FF2B5EF4-FFF2-40B4-BE49-F238E27FC236}">
-                <a16:creationId xmlns:a16="http://schemas.microsoft.com/office/drawing/2014/main" id="{530B3E37-74F3-43B5-8DAA-7C0735F27A1E}"/>
+                <a16:creationId xmlns:a16="http://schemas.microsoft.com/office/drawing/2014/main" id="{9EDC4568-DC25-4AF8-8975-317FCABBB636}"/>
               </a:ext>
             </a:extLst>
           </p:cNvPr>
@@ -8427,17 +8954,8 @@
           <a:p>
             <a:r>
               <a:rPr lang="pt-BR" dirty="0"/>
-              <a:t>Objetos GeneXus: </a:t>
-            </a:r>
-            <a:r>
-              <a:rPr lang="pt-BR" i="1" dirty="0"/>
-              <a:t>Web </a:t>
-            </a:r>
-            <a:r>
-              <a:rPr lang="pt-BR" i="1" dirty="0" err="1"/>
-              <a:t>Panels</a:t>
-            </a:r>
-            <a:endParaRPr lang="pt-BR" dirty="0"/>
+              <a:t>Atributos e Domínios</a:t>
+            </a:r>
           </a:p>
         </p:txBody>
       </p:sp>
@@ -8446,7 +8964,7 @@
           <p:cNvPr id="3" name="Espaço Reservado para Conteúdo 2">
             <a:extLst>
               <a:ext uri="{FF2B5EF4-FFF2-40B4-BE49-F238E27FC236}">
-                <a16:creationId xmlns:a16="http://schemas.microsoft.com/office/drawing/2014/main" id="{8A9782F4-EBF6-4435-9DDA-81E9E5DA3433}"/>
+                <a16:creationId xmlns:a16="http://schemas.microsoft.com/office/drawing/2014/main" id="{DCBEF424-CF7E-43E9-AA5B-362A0FC047AF}"/>
               </a:ext>
             </a:extLst>
           </p:cNvPr>
@@ -8457,28 +8975,105 @@
             <p:ph idx="1"/>
           </p:nvPr>
         </p:nvSpPr>
-        <p:spPr/>
-        <p:txBody>
-          <a:bodyPr/>
-          <a:lstStyle/>
-          <a:p>
-            <a:r>
-              <a:rPr lang="pt-BR" dirty="0"/>
-              <a:t>Definem as telas da aplicação</a:t>
-            </a:r>
-          </a:p>
-          <a:p>
-            <a:r>
-              <a:rPr lang="pt-BR" dirty="0"/>
-              <a:t>Usados para desenhar telas mais complexas do que as desenháveis com o formulário da transação</a:t>
-            </a:r>
+        <p:spPr>
+          <a:xfrm>
+            <a:off x="677334" y="1435401"/>
+            <a:ext cx="8596668" cy="4647347"/>
+          </a:xfrm>
+        </p:spPr>
+        <p:txBody>
+          <a:bodyPr>
+            <a:normAutofit fontScale="92500"/>
+          </a:bodyPr>
+          <a:lstStyle/>
+          <a:p>
+            <a:r>
+              <a:rPr lang="pt-BR" dirty="0"/>
+              <a:t>Um atributo é composto basicamente por nome, descrição, tipo de dados e se aceita nulo ou não</a:t>
+            </a:r>
+          </a:p>
+          <a:p>
+            <a:pPr lvl="1"/>
+            <a:r>
+              <a:rPr lang="pt-BR" dirty="0"/>
+              <a:t>Outras definições</a:t>
+            </a:r>
+          </a:p>
+          <a:p>
+            <a:pPr lvl="2"/>
+            <a:r>
+              <a:rPr lang="pt-BR" dirty="0"/>
+              <a:t>Tipo de controle</a:t>
+            </a:r>
+          </a:p>
+          <a:p>
+            <a:pPr lvl="2"/>
+            <a:r>
+              <a:rPr lang="pt-BR" dirty="0"/>
+              <a:t>Máscara</a:t>
+            </a:r>
+          </a:p>
+          <a:p>
+            <a:pPr lvl="2"/>
+            <a:r>
+              <a:rPr lang="pt-BR" dirty="0"/>
+              <a:t>Aparência (Tamanho, fonte, cores)</a:t>
+            </a:r>
+          </a:p>
+          <a:p>
+            <a:r>
+              <a:rPr lang="pt-BR" dirty="0"/>
+              <a:t>Um domínio é um conjunto de definições que podem ser comuns a atributos/variáveis</a:t>
+            </a:r>
+          </a:p>
+          <a:p>
+            <a:pPr lvl="1"/>
+            <a:r>
+              <a:rPr lang="pt-BR" dirty="0"/>
+              <a:t>Tipo de dados</a:t>
+            </a:r>
+          </a:p>
+          <a:p>
+            <a:pPr lvl="1"/>
+            <a:r>
+              <a:rPr lang="pt-BR" dirty="0"/>
+              <a:t>Tipo de controle</a:t>
+            </a:r>
+          </a:p>
+          <a:p>
+            <a:pPr lvl="1"/>
+            <a:r>
+              <a:rPr lang="pt-BR" dirty="0"/>
+              <a:t>Máscara</a:t>
+            </a:r>
+          </a:p>
+          <a:p>
+            <a:pPr lvl="1"/>
+            <a:r>
+              <a:rPr lang="pt-BR" dirty="0"/>
+              <a:t>Aparência (Tamanho, fonte, cores)</a:t>
+            </a:r>
+          </a:p>
+          <a:p>
+            <a:pPr lvl="1"/>
+            <a:r>
+              <a:rPr lang="pt-BR" dirty="0"/>
+              <a:t>Toda a definição feita em um domínio é aplicada nos atributos baseados nesse domínio. Quando a definição muda, o GeneXus reaplica em todos os atributos baseados!</a:t>
+            </a:r>
+          </a:p>
+          <a:p>
+            <a:pPr lvl="2"/>
+            <a:endParaRPr lang="pt-BR" dirty="0"/>
+          </a:p>
+          <a:p>
+            <a:endParaRPr lang="pt-BR" dirty="0"/>
           </a:p>
         </p:txBody>
       </p:sp>
     </p:spTree>
     <p:extLst>
       <p:ext uri="{BB962C8B-B14F-4D97-AF65-F5344CB8AC3E}">
-        <p14:creationId xmlns:p14="http://schemas.microsoft.com/office/powerpoint/2010/main" val="189512758"/>
+        <p14:creationId xmlns:p14="http://schemas.microsoft.com/office/powerpoint/2010/main" val="1267751359"/>
       </p:ext>
     </p:extLst>
   </p:cSld>

--- a/Techweek2019.pptx
+++ b/Techweek2019.pptx
@@ -8,8 +8,8 @@
     <p:sldId id="256" r:id="rId2"/>
     <p:sldId id="257" r:id="rId3"/>
     <p:sldId id="258" r:id="rId4"/>
-    <p:sldId id="259" r:id="rId5"/>
-    <p:sldId id="272" r:id="rId6"/>
+    <p:sldId id="272" r:id="rId5"/>
+    <p:sldId id="259" r:id="rId6"/>
     <p:sldId id="260" r:id="rId7"/>
     <p:sldId id="263" r:id="rId8"/>
     <p:sldId id="261" r:id="rId9"/>
@@ -851,7 +851,7 @@
           <a:p>
             <a:fld id="{A4B818D9-19C3-4AD2-9336-87D155945ED2}" type="datetimeFigureOut">
               <a:rPr lang="pt-BR" smtClean="0"/>
-              <a:t>15/05/2019</a:t>
+              <a:t>16/05/2019</a:t>
             </a:fld>
             <a:endParaRPr lang="pt-BR"/>
           </a:p>
@@ -1106,7 +1106,7 @@
           <a:p>
             <a:fld id="{A4B818D9-19C3-4AD2-9336-87D155945ED2}" type="datetimeFigureOut">
               <a:rPr lang="pt-BR" smtClean="0"/>
-              <a:t>15/05/2019</a:t>
+              <a:t>16/05/2019</a:t>
             </a:fld>
             <a:endParaRPr lang="pt-BR"/>
           </a:p>
@@ -1420,7 +1420,7 @@
           <a:p>
             <a:fld id="{A4B818D9-19C3-4AD2-9336-87D155945ED2}" type="datetimeFigureOut">
               <a:rPr lang="pt-BR" smtClean="0"/>
-              <a:t>15/05/2019</a:t>
+              <a:t>16/05/2019</a:t>
             </a:fld>
             <a:endParaRPr lang="pt-BR"/>
           </a:p>
@@ -1761,7 +1761,7 @@
           <a:p>
             <a:fld id="{A4B818D9-19C3-4AD2-9336-87D155945ED2}" type="datetimeFigureOut">
               <a:rPr lang="pt-BR" smtClean="0"/>
-              <a:t>15/05/2019</a:t>
+              <a:t>16/05/2019</a:t>
             </a:fld>
             <a:endParaRPr lang="pt-BR"/>
           </a:p>
@@ -2075,7 +2075,7 @@
           <a:p>
             <a:fld id="{A4B818D9-19C3-4AD2-9336-87D155945ED2}" type="datetimeFigureOut">
               <a:rPr lang="pt-BR" smtClean="0"/>
-              <a:t>15/05/2019</a:t>
+              <a:t>16/05/2019</a:t>
             </a:fld>
             <a:endParaRPr lang="pt-BR"/>
           </a:p>
@@ -2468,7 +2468,7 @@
           <a:p>
             <a:fld id="{A4B818D9-19C3-4AD2-9336-87D155945ED2}" type="datetimeFigureOut">
               <a:rPr lang="pt-BR" smtClean="0"/>
-              <a:t>15/05/2019</a:t>
+              <a:t>16/05/2019</a:t>
             </a:fld>
             <a:endParaRPr lang="pt-BR"/>
           </a:p>
@@ -2638,7 +2638,7 @@
           <a:p>
             <a:fld id="{A4B818D9-19C3-4AD2-9336-87D155945ED2}" type="datetimeFigureOut">
               <a:rPr lang="pt-BR" smtClean="0"/>
-              <a:t>15/05/2019</a:t>
+              <a:t>16/05/2019</a:t>
             </a:fld>
             <a:endParaRPr lang="pt-BR"/>
           </a:p>
@@ -2818,7 +2818,7 @@
           <a:p>
             <a:fld id="{A4B818D9-19C3-4AD2-9336-87D155945ED2}" type="datetimeFigureOut">
               <a:rPr lang="pt-BR" smtClean="0"/>
-              <a:t>15/05/2019</a:t>
+              <a:t>16/05/2019</a:t>
             </a:fld>
             <a:endParaRPr lang="pt-BR"/>
           </a:p>
@@ -3004,7 +3004,7 @@
           <a:p>
             <a:fld id="{A4B818D9-19C3-4AD2-9336-87D155945ED2}" type="datetimeFigureOut">
               <a:rPr lang="pt-BR" smtClean="0"/>
-              <a:t>15/05/2019</a:t>
+              <a:t>16/05/2019</a:t>
             </a:fld>
             <a:endParaRPr lang="pt-BR"/>
           </a:p>
@@ -3326,7 +3326,7 @@
           <a:p>
             <a:fld id="{A4B818D9-19C3-4AD2-9336-87D155945ED2}" type="datetimeFigureOut">
               <a:rPr lang="pt-BR" smtClean="0"/>
-              <a:t>15/05/2019</a:t>
+              <a:t>16/05/2019</a:t>
             </a:fld>
             <a:endParaRPr lang="pt-BR"/>
           </a:p>
@@ -3558,7 +3558,7 @@
           <a:p>
             <a:fld id="{A4B818D9-19C3-4AD2-9336-87D155945ED2}" type="datetimeFigureOut">
               <a:rPr lang="pt-BR" smtClean="0"/>
-              <a:t>15/05/2019</a:t>
+              <a:t>16/05/2019</a:t>
             </a:fld>
             <a:endParaRPr lang="pt-BR"/>
           </a:p>
@@ -3932,7 +3932,7 @@
           <a:p>
             <a:fld id="{A4B818D9-19C3-4AD2-9336-87D155945ED2}" type="datetimeFigureOut">
               <a:rPr lang="pt-BR" smtClean="0"/>
-              <a:t>15/05/2019</a:t>
+              <a:t>16/05/2019</a:t>
             </a:fld>
             <a:endParaRPr lang="pt-BR"/>
           </a:p>
@@ -4055,7 +4055,7 @@
           <a:p>
             <a:fld id="{A4B818D9-19C3-4AD2-9336-87D155945ED2}" type="datetimeFigureOut">
               <a:rPr lang="pt-BR" smtClean="0"/>
-              <a:t>15/05/2019</a:t>
+              <a:t>16/05/2019</a:t>
             </a:fld>
             <a:endParaRPr lang="pt-BR"/>
           </a:p>
@@ -4186,7 +4186,7 @@
           <a:p>
             <a:fld id="{A4B818D9-19C3-4AD2-9336-87D155945ED2}" type="datetimeFigureOut">
               <a:rPr lang="pt-BR" smtClean="0"/>
-              <a:t>15/05/2019</a:t>
+              <a:t>16/05/2019</a:t>
             </a:fld>
             <a:endParaRPr lang="pt-BR"/>
           </a:p>
@@ -4441,7 +4441,7 @@
           <a:p>
             <a:fld id="{A4B818D9-19C3-4AD2-9336-87D155945ED2}" type="datetimeFigureOut">
               <a:rPr lang="pt-BR" smtClean="0"/>
-              <a:t>15/05/2019</a:t>
+              <a:t>16/05/2019</a:t>
             </a:fld>
             <a:endParaRPr lang="pt-BR"/>
           </a:p>
@@ -4704,7 +4704,7 @@
           <a:p>
             <a:fld id="{A4B818D9-19C3-4AD2-9336-87D155945ED2}" type="datetimeFigureOut">
               <a:rPr lang="pt-BR" smtClean="0"/>
-              <a:t>15/05/2019</a:t>
+              <a:t>16/05/2019</a:t>
             </a:fld>
             <a:endParaRPr lang="pt-BR"/>
           </a:p>
@@ -5447,7 +5447,7 @@
           <a:p>
             <a:fld id="{A4B818D9-19C3-4AD2-9336-87D155945ED2}" type="datetimeFigureOut">
               <a:rPr lang="pt-BR" smtClean="0"/>
-              <a:t>15/05/2019</a:t>
+              <a:t>16/05/2019</a:t>
             </a:fld>
             <a:endParaRPr lang="pt-BR"/>
           </a:p>
@@ -7864,129 +7864,6 @@
       </p:grpSpPr>
       <p:sp>
         <p:nvSpPr>
-          <p:cNvPr id="2" name="Título 1">
-            <a:extLst>
-              <a:ext uri="{FF2B5EF4-FFF2-40B4-BE49-F238E27FC236}">
-                <a16:creationId xmlns:a16="http://schemas.microsoft.com/office/drawing/2014/main" id="{F4201046-A6C5-4988-9D48-A164228AB6C0}"/>
-              </a:ext>
-            </a:extLst>
-          </p:cNvPr>
-          <p:cNvSpPr>
-            <a:spLocks noGrp="1"/>
-          </p:cNvSpPr>
-          <p:nvPr>
-            <p:ph type="title"/>
-          </p:nvPr>
-        </p:nvSpPr>
-        <p:spPr/>
-        <p:txBody>
-          <a:bodyPr/>
-          <a:lstStyle/>
-          <a:p>
-            <a:r>
-              <a:rPr lang="pt-BR" dirty="0"/>
-              <a:t>Como funciona o GeneXus?</a:t>
-            </a:r>
-          </a:p>
-        </p:txBody>
-      </p:sp>
-      <p:sp>
-        <p:nvSpPr>
-          <p:cNvPr id="3" name="Espaço Reservado para Conteúdo 2">
-            <a:extLst>
-              <a:ext uri="{FF2B5EF4-FFF2-40B4-BE49-F238E27FC236}">
-                <a16:creationId xmlns:a16="http://schemas.microsoft.com/office/drawing/2014/main" id="{FEEF27D2-5411-4350-B922-7C3F8E33B77B}"/>
-              </a:ext>
-            </a:extLst>
-          </p:cNvPr>
-          <p:cNvSpPr>
-            <a:spLocks noGrp="1"/>
-          </p:cNvSpPr>
-          <p:nvPr>
-            <p:ph idx="1"/>
-          </p:nvPr>
-        </p:nvSpPr>
-        <p:spPr/>
-        <p:txBody>
-          <a:bodyPr>
-            <a:normAutofit lnSpcReduction="10000"/>
-          </a:bodyPr>
-          <a:lstStyle/>
-          <a:p>
-            <a:r>
-              <a:rPr lang="pt-BR" sz="3200" dirty="0"/>
-              <a:t>Processos</a:t>
-            </a:r>
-          </a:p>
-          <a:p>
-            <a:pPr lvl="1"/>
-            <a:r>
-              <a:rPr lang="pt-BR" sz="2800" dirty="0"/>
-              <a:t>Definição do conhecimento através dos objetos GeneXus</a:t>
-            </a:r>
-          </a:p>
-          <a:p>
-            <a:pPr lvl="1"/>
-            <a:r>
-              <a:rPr lang="pt-BR" sz="2800" dirty="0"/>
-              <a:t>Especificação</a:t>
-            </a:r>
-          </a:p>
-          <a:p>
-            <a:pPr lvl="1"/>
-            <a:r>
-              <a:rPr lang="pt-BR" sz="2800" dirty="0"/>
-              <a:t>Análise de impacto e alteração do banco de dados</a:t>
-            </a:r>
-          </a:p>
-          <a:p>
-            <a:pPr lvl="1"/>
-            <a:r>
-              <a:rPr lang="pt-BR" sz="2800" dirty="0"/>
-              <a:t>Geração</a:t>
-            </a:r>
-          </a:p>
-          <a:p>
-            <a:pPr lvl="1"/>
-            <a:r>
-              <a:rPr lang="pt-BR" sz="2800" dirty="0"/>
-              <a:t>Compilação</a:t>
-            </a:r>
-          </a:p>
-        </p:txBody>
-      </p:sp>
-    </p:spTree>
-    <p:extLst>
-      <p:ext uri="{BB962C8B-B14F-4D97-AF65-F5344CB8AC3E}">
-        <p14:creationId xmlns:p14="http://schemas.microsoft.com/office/powerpoint/2010/main" val="1700226088"/>
-      </p:ext>
-    </p:extLst>
-  </p:cSld>
-  <p:clrMapOvr>
-    <a:masterClrMapping/>
-  </p:clrMapOvr>
-</p:sld>
-</file>
-
-<file path=ppt/slides/slide5.xml><?xml version="1.0" encoding="utf-8"?>
-<p:sld xmlns:a="http://schemas.openxmlformats.org/drawingml/2006/main" xmlns:r="http://schemas.openxmlformats.org/officeDocument/2006/relationships" xmlns:p="http://schemas.openxmlformats.org/presentationml/2006/main">
-  <p:cSld>
-    <p:spTree>
-      <p:nvGrpSpPr>
-        <p:cNvPr id="1" name=""/>
-        <p:cNvGrpSpPr/>
-        <p:nvPr/>
-      </p:nvGrpSpPr>
-      <p:grpSpPr>
-        <a:xfrm>
-          <a:off x="0" y="0"/>
-          <a:ext cx="0" cy="0"/>
-          <a:chOff x="0" y="0"/>
-          <a:chExt cx="0" cy="0"/>
-        </a:xfrm>
-      </p:grpSpPr>
-      <p:sp>
-        <p:nvSpPr>
           <p:cNvPr id="4" name="Elipse 3">
             <a:extLst>
               <a:ext uri="{FF2B5EF4-FFF2-40B4-BE49-F238E27FC236}">
@@ -8397,6 +8274,141 @@
     <p:extLst>
       <p:ext uri="{BB962C8B-B14F-4D97-AF65-F5344CB8AC3E}">
         <p14:creationId xmlns:p14="http://schemas.microsoft.com/office/powerpoint/2010/main" val="4053677128"/>
+      </p:ext>
+    </p:extLst>
+  </p:cSld>
+  <p:clrMapOvr>
+    <a:masterClrMapping/>
+  </p:clrMapOvr>
+</p:sld>
+</file>
+
+<file path=ppt/slides/slide5.xml><?xml version="1.0" encoding="utf-8"?>
+<p:sld xmlns:a="http://schemas.openxmlformats.org/drawingml/2006/main" xmlns:r="http://schemas.openxmlformats.org/officeDocument/2006/relationships" xmlns:p="http://schemas.openxmlformats.org/presentationml/2006/main">
+  <p:cSld>
+    <p:spTree>
+      <p:nvGrpSpPr>
+        <p:cNvPr id="1" name=""/>
+        <p:cNvGrpSpPr/>
+        <p:nvPr/>
+      </p:nvGrpSpPr>
+      <p:grpSpPr>
+        <a:xfrm>
+          <a:off x="0" y="0"/>
+          <a:ext cx="0" cy="0"/>
+          <a:chOff x="0" y="0"/>
+          <a:chExt cx="0" cy="0"/>
+        </a:xfrm>
+      </p:grpSpPr>
+      <p:sp>
+        <p:nvSpPr>
+          <p:cNvPr id="2" name="Título 1">
+            <a:extLst>
+              <a:ext uri="{FF2B5EF4-FFF2-40B4-BE49-F238E27FC236}">
+                <a16:creationId xmlns:a16="http://schemas.microsoft.com/office/drawing/2014/main" id="{F4201046-A6C5-4988-9D48-A164228AB6C0}"/>
+              </a:ext>
+            </a:extLst>
+          </p:cNvPr>
+          <p:cNvSpPr>
+            <a:spLocks noGrp="1"/>
+          </p:cNvSpPr>
+          <p:nvPr>
+            <p:ph type="title"/>
+          </p:nvPr>
+        </p:nvSpPr>
+        <p:spPr/>
+        <p:txBody>
+          <a:bodyPr/>
+          <a:lstStyle/>
+          <a:p>
+            <a:r>
+              <a:rPr lang="pt-BR" dirty="0"/>
+              <a:t>Como funciona o GeneXus?</a:t>
+            </a:r>
+          </a:p>
+        </p:txBody>
+      </p:sp>
+      <p:sp>
+        <p:nvSpPr>
+          <p:cNvPr id="3" name="Espaço Reservado para Conteúdo 2">
+            <a:extLst>
+              <a:ext uri="{FF2B5EF4-FFF2-40B4-BE49-F238E27FC236}">
+                <a16:creationId xmlns:a16="http://schemas.microsoft.com/office/drawing/2014/main" id="{FEEF27D2-5411-4350-B922-7C3F8E33B77B}"/>
+              </a:ext>
+            </a:extLst>
+          </p:cNvPr>
+          <p:cNvSpPr>
+            <a:spLocks noGrp="1"/>
+          </p:cNvSpPr>
+          <p:nvPr>
+            <p:ph idx="1"/>
+          </p:nvPr>
+        </p:nvSpPr>
+        <p:spPr>
+          <a:xfrm>
+            <a:off x="677334" y="1435401"/>
+            <a:ext cx="8596668" cy="4276286"/>
+          </a:xfrm>
+        </p:spPr>
+        <p:txBody>
+          <a:bodyPr>
+            <a:normAutofit fontScale="92500"/>
+          </a:bodyPr>
+          <a:lstStyle/>
+          <a:p>
+            <a:r>
+              <a:rPr lang="pt-BR" sz="3200" dirty="0"/>
+              <a:t>Processos</a:t>
+            </a:r>
+          </a:p>
+          <a:p>
+            <a:pPr lvl="1"/>
+            <a:r>
+              <a:rPr lang="pt-BR" sz="2800" dirty="0"/>
+              <a:t>Definição do conhecimento através dos objetos GeneXus</a:t>
+            </a:r>
+          </a:p>
+          <a:p>
+            <a:pPr lvl="1"/>
+            <a:r>
+              <a:rPr lang="pt-BR" sz="2800" dirty="0"/>
+              <a:t>Especificação</a:t>
+            </a:r>
+          </a:p>
+          <a:p>
+            <a:pPr lvl="2"/>
+            <a:r>
+              <a:rPr lang="pt-BR" sz="2600" dirty="0"/>
+              <a:t>Lista de Navegação</a:t>
+            </a:r>
+          </a:p>
+          <a:p>
+            <a:pPr lvl="1"/>
+            <a:r>
+              <a:rPr lang="pt-BR" sz="2800" dirty="0"/>
+              <a:t>Análise de impacto e alteração do banco de dados</a:t>
+            </a:r>
+          </a:p>
+          <a:p>
+            <a:pPr lvl="1"/>
+            <a:r>
+              <a:rPr lang="pt-BR" sz="2800" dirty="0"/>
+              <a:t>Geração</a:t>
+            </a:r>
+          </a:p>
+          <a:p>
+            <a:pPr lvl="1"/>
+            <a:r>
+              <a:rPr lang="pt-BR" sz="2800" dirty="0"/>
+              <a:t>Compilação</a:t>
+            </a:r>
+          </a:p>
+        </p:txBody>
+      </p:sp>
+    </p:spTree>
+    <p:extLst>
+      <p:ext uri="{BB962C8B-B14F-4D97-AF65-F5344CB8AC3E}">
+        <p14:creationId xmlns:p14="http://schemas.microsoft.com/office/powerpoint/2010/main" val="1700226088"/>
       </p:ext>
     </p:extLst>
   </p:cSld>

--- a/Techweek2019.pptx
+++ b/Techweek2019.pptx
@@ -10,8 +10,8 @@
     <p:sldId id="258" r:id="rId4"/>
     <p:sldId id="272" r:id="rId5"/>
     <p:sldId id="259" r:id="rId6"/>
-    <p:sldId id="260" r:id="rId7"/>
-    <p:sldId id="263" r:id="rId8"/>
+    <p:sldId id="274" r:id="rId7"/>
+    <p:sldId id="260" r:id="rId8"/>
     <p:sldId id="261" r:id="rId9"/>
     <p:sldId id="264" r:id="rId10"/>
     <p:sldId id="262" r:id="rId11"/>
@@ -851,7 +851,7 @@
           <a:p>
             <a:fld id="{A4B818D9-19C3-4AD2-9336-87D155945ED2}" type="datetimeFigureOut">
               <a:rPr lang="pt-BR" smtClean="0"/>
-              <a:t>16/05/2019</a:t>
+              <a:t>20/05/2019</a:t>
             </a:fld>
             <a:endParaRPr lang="pt-BR"/>
           </a:p>
@@ -1106,7 +1106,7 @@
           <a:p>
             <a:fld id="{A4B818D9-19C3-4AD2-9336-87D155945ED2}" type="datetimeFigureOut">
               <a:rPr lang="pt-BR" smtClean="0"/>
-              <a:t>16/05/2019</a:t>
+              <a:t>20/05/2019</a:t>
             </a:fld>
             <a:endParaRPr lang="pt-BR"/>
           </a:p>
@@ -1420,7 +1420,7 @@
           <a:p>
             <a:fld id="{A4B818D9-19C3-4AD2-9336-87D155945ED2}" type="datetimeFigureOut">
               <a:rPr lang="pt-BR" smtClean="0"/>
-              <a:t>16/05/2019</a:t>
+              <a:t>20/05/2019</a:t>
             </a:fld>
             <a:endParaRPr lang="pt-BR"/>
           </a:p>
@@ -1761,7 +1761,7 @@
           <a:p>
             <a:fld id="{A4B818D9-19C3-4AD2-9336-87D155945ED2}" type="datetimeFigureOut">
               <a:rPr lang="pt-BR" smtClean="0"/>
-              <a:t>16/05/2019</a:t>
+              <a:t>20/05/2019</a:t>
             </a:fld>
             <a:endParaRPr lang="pt-BR"/>
           </a:p>
@@ -2075,7 +2075,7 @@
           <a:p>
             <a:fld id="{A4B818D9-19C3-4AD2-9336-87D155945ED2}" type="datetimeFigureOut">
               <a:rPr lang="pt-BR" smtClean="0"/>
-              <a:t>16/05/2019</a:t>
+              <a:t>20/05/2019</a:t>
             </a:fld>
             <a:endParaRPr lang="pt-BR"/>
           </a:p>
@@ -2468,7 +2468,7 @@
           <a:p>
             <a:fld id="{A4B818D9-19C3-4AD2-9336-87D155945ED2}" type="datetimeFigureOut">
               <a:rPr lang="pt-BR" smtClean="0"/>
-              <a:t>16/05/2019</a:t>
+              <a:t>20/05/2019</a:t>
             </a:fld>
             <a:endParaRPr lang="pt-BR"/>
           </a:p>
@@ -2638,7 +2638,7 @@
           <a:p>
             <a:fld id="{A4B818D9-19C3-4AD2-9336-87D155945ED2}" type="datetimeFigureOut">
               <a:rPr lang="pt-BR" smtClean="0"/>
-              <a:t>16/05/2019</a:t>
+              <a:t>20/05/2019</a:t>
             </a:fld>
             <a:endParaRPr lang="pt-BR"/>
           </a:p>
@@ -2818,7 +2818,7 @@
           <a:p>
             <a:fld id="{A4B818D9-19C3-4AD2-9336-87D155945ED2}" type="datetimeFigureOut">
               <a:rPr lang="pt-BR" smtClean="0"/>
-              <a:t>16/05/2019</a:t>
+              <a:t>20/05/2019</a:t>
             </a:fld>
             <a:endParaRPr lang="pt-BR"/>
           </a:p>
@@ -3004,7 +3004,7 @@
           <a:p>
             <a:fld id="{A4B818D9-19C3-4AD2-9336-87D155945ED2}" type="datetimeFigureOut">
               <a:rPr lang="pt-BR" smtClean="0"/>
-              <a:t>16/05/2019</a:t>
+              <a:t>20/05/2019</a:t>
             </a:fld>
             <a:endParaRPr lang="pt-BR"/>
           </a:p>
@@ -3326,7 +3326,7 @@
           <a:p>
             <a:fld id="{A4B818D9-19C3-4AD2-9336-87D155945ED2}" type="datetimeFigureOut">
               <a:rPr lang="pt-BR" smtClean="0"/>
-              <a:t>16/05/2019</a:t>
+              <a:t>20/05/2019</a:t>
             </a:fld>
             <a:endParaRPr lang="pt-BR"/>
           </a:p>
@@ -3558,7 +3558,7 @@
           <a:p>
             <a:fld id="{A4B818D9-19C3-4AD2-9336-87D155945ED2}" type="datetimeFigureOut">
               <a:rPr lang="pt-BR" smtClean="0"/>
-              <a:t>16/05/2019</a:t>
+              <a:t>20/05/2019</a:t>
             </a:fld>
             <a:endParaRPr lang="pt-BR"/>
           </a:p>
@@ -3932,7 +3932,7 @@
           <a:p>
             <a:fld id="{A4B818D9-19C3-4AD2-9336-87D155945ED2}" type="datetimeFigureOut">
               <a:rPr lang="pt-BR" smtClean="0"/>
-              <a:t>16/05/2019</a:t>
+              <a:t>20/05/2019</a:t>
             </a:fld>
             <a:endParaRPr lang="pt-BR"/>
           </a:p>
@@ -4055,7 +4055,7 @@
           <a:p>
             <a:fld id="{A4B818D9-19C3-4AD2-9336-87D155945ED2}" type="datetimeFigureOut">
               <a:rPr lang="pt-BR" smtClean="0"/>
-              <a:t>16/05/2019</a:t>
+              <a:t>20/05/2019</a:t>
             </a:fld>
             <a:endParaRPr lang="pt-BR"/>
           </a:p>
@@ -4186,7 +4186,7 @@
           <a:p>
             <a:fld id="{A4B818D9-19C3-4AD2-9336-87D155945ED2}" type="datetimeFigureOut">
               <a:rPr lang="pt-BR" smtClean="0"/>
-              <a:t>16/05/2019</a:t>
+              <a:t>20/05/2019</a:t>
             </a:fld>
             <a:endParaRPr lang="pt-BR"/>
           </a:p>
@@ -4441,7 +4441,7 @@
           <a:p>
             <a:fld id="{A4B818D9-19C3-4AD2-9336-87D155945ED2}" type="datetimeFigureOut">
               <a:rPr lang="pt-BR" smtClean="0"/>
-              <a:t>16/05/2019</a:t>
+              <a:t>20/05/2019</a:t>
             </a:fld>
             <a:endParaRPr lang="pt-BR"/>
           </a:p>
@@ -4704,7 +4704,7 @@
           <a:p>
             <a:fld id="{A4B818D9-19C3-4AD2-9336-87D155945ED2}" type="datetimeFigureOut">
               <a:rPr lang="pt-BR" smtClean="0"/>
-              <a:t>16/05/2019</a:t>
+              <a:t>20/05/2019</a:t>
             </a:fld>
             <a:endParaRPr lang="pt-BR"/>
           </a:p>
@@ -5447,7 +5447,7 @@
           <a:p>
             <a:fld id="{A4B818D9-19C3-4AD2-9336-87D155945ED2}" type="datetimeFigureOut">
               <a:rPr lang="pt-BR" smtClean="0"/>
-              <a:t>16/05/2019</a:t>
+              <a:t>20/05/2019</a:t>
             </a:fld>
             <a:endParaRPr lang="pt-BR"/>
           </a:p>
@@ -7441,7 +7441,21 @@
               <a:rPr lang="pt-BR" sz="2400" i="1" dirty="0" err="1"/>
               <a:t>side</a:t>
             </a:r>
-            <a:endParaRPr lang="pt-BR" sz="2400" dirty="0"/>
+            <a:endParaRPr lang="pt-BR" sz="2400" i="1" dirty="0"/>
+          </a:p>
+          <a:p>
+            <a:r>
+              <a:rPr lang="pt-BR" sz="2400" dirty="0"/>
+              <a:t>Integrações com </a:t>
+            </a:r>
+            <a:r>
+              <a:rPr lang="pt-BR" sz="2400" i="1" dirty="0"/>
+              <a:t>webservices</a:t>
+            </a:r>
+            <a:r>
+              <a:rPr lang="pt-BR" sz="2400" dirty="0"/>
+              <a:t> e código nativo (C#/Java/Instruções SQL)</a:t>
+            </a:r>
           </a:p>
         </p:txBody>
       </p:sp>
@@ -7696,7 +7710,7 @@
         </p:spPr>
         <p:txBody>
           <a:bodyPr>
-            <a:normAutofit lnSpcReduction="10000"/>
+            <a:normAutofit/>
           </a:bodyPr>
           <a:lstStyle/>
           <a:p>
@@ -7798,21 +7812,6 @@
             <a:r>
               <a:rPr lang="pt-BR" dirty="0"/>
               <a:t>, Web e SD</a:t>
-            </a:r>
-          </a:p>
-          <a:p>
-            <a:pPr lvl="1"/>
-            <a:r>
-              <a:rPr lang="pt-BR" dirty="0"/>
-              <a:t>SQL Server, PostgreSQL, </a:t>
-            </a:r>
-            <a:r>
-              <a:rPr lang="pt-BR" dirty="0" err="1"/>
-              <a:t>Informix</a:t>
-            </a:r>
-            <a:r>
-              <a:rPr lang="pt-BR" dirty="0"/>
-              <a:t>, Oracle, MySQL, entre outros</a:t>
             </a:r>
           </a:p>
           <a:p>
@@ -8440,7 +8439,7 @@
           <p:cNvPr id="2" name="Título 1">
             <a:extLst>
               <a:ext uri="{FF2B5EF4-FFF2-40B4-BE49-F238E27FC236}">
-                <a16:creationId xmlns:a16="http://schemas.microsoft.com/office/drawing/2014/main" id="{D3B41A0A-FEC1-4386-82E3-91A4B0D0E70C}"/>
+                <a16:creationId xmlns:a16="http://schemas.microsoft.com/office/drawing/2014/main" id="{6F9EA3A9-2D7E-4459-B248-8DD54F5CB694}"/>
               </a:ext>
             </a:extLst>
           </p:cNvPr>
@@ -8451,20 +8450,20 @@
             <p:ph type="title"/>
           </p:nvPr>
         </p:nvSpPr>
-        <p:spPr>
-          <a:xfrm>
-            <a:off x="677334" y="609600"/>
-            <a:ext cx="8596668" cy="722811"/>
-          </a:xfrm>
-        </p:spPr>
+        <p:spPr/>
         <p:txBody>
           <a:bodyPr/>
           <a:lstStyle/>
           <a:p>
             <a:r>
-              <a:rPr lang="pt-BR" dirty="0"/>
-              <a:t>Objetos GeneXus</a:t>
-            </a:r>
+              <a:rPr lang="pt-BR" i="1" dirty="0" err="1"/>
+              <a:t>Environments</a:t>
+            </a:r>
+            <a:r>
+              <a:rPr lang="pt-BR" dirty="0"/>
+              <a:t>?</a:t>
+            </a:r>
+            <a:endParaRPr lang="pt-BR" i="1" dirty="0"/>
           </a:p>
         </p:txBody>
       </p:sp>
@@ -8473,7 +8472,7 @@
           <p:cNvPr id="3" name="Espaço Reservado para Conteúdo 2">
             <a:extLst>
               <a:ext uri="{FF2B5EF4-FFF2-40B4-BE49-F238E27FC236}">
-                <a16:creationId xmlns:a16="http://schemas.microsoft.com/office/drawing/2014/main" id="{CAFCFB6F-6204-48EB-A175-889A89E85B11}"/>
+                <a16:creationId xmlns:a16="http://schemas.microsoft.com/office/drawing/2014/main" id="{811BCAD2-E890-4A64-B7C0-D0BFE8ECA2CF}"/>
               </a:ext>
             </a:extLst>
           </p:cNvPr>
@@ -8484,113 +8483,97 @@
             <p:ph idx="1"/>
           </p:nvPr>
         </p:nvSpPr>
-        <p:spPr>
-          <a:xfrm>
-            <a:off x="677334" y="1435401"/>
-            <a:ext cx="8596668" cy="4382303"/>
-          </a:xfrm>
-        </p:spPr>
-        <p:txBody>
-          <a:bodyPr>
-            <a:normAutofit fontScale="92500" lnSpcReduction="10000"/>
-          </a:bodyPr>
-          <a:lstStyle/>
-          <a:p>
-            <a:r>
-              <a:rPr lang="pt-BR" dirty="0"/>
-              <a:t>Definições de propriedades, eventos, telas e regras similares, cada um com suas especificidades</a:t>
-            </a:r>
-          </a:p>
-          <a:p>
-            <a:r>
-              <a:rPr lang="pt-BR" dirty="0"/>
-              <a:t>Tipos de objetos</a:t>
+        <p:spPr/>
+        <p:txBody>
+          <a:bodyPr/>
+          <a:lstStyle/>
+          <a:p>
+            <a:r>
+              <a:rPr lang="pt-BR" dirty="0"/>
+              <a:t>Conjuntos de configurações comuns do ambiente da aplicação</a:t>
             </a:r>
           </a:p>
           <a:p>
             <a:pPr lvl="1"/>
             <a:r>
               <a:rPr lang="pt-BR" dirty="0"/>
-              <a:t>Domínios</a:t>
+              <a:t>Geradores</a:t>
+            </a:r>
+          </a:p>
+          <a:p>
+            <a:pPr lvl="2"/>
+            <a:r>
+              <a:rPr lang="pt-BR" dirty="0"/>
+              <a:t>.NET</a:t>
+            </a:r>
+          </a:p>
+          <a:p>
+            <a:pPr lvl="2"/>
+            <a:r>
+              <a:rPr lang="pt-BR" dirty="0"/>
+              <a:t>Java</a:t>
+            </a:r>
+          </a:p>
+          <a:p>
+            <a:pPr lvl="2"/>
+            <a:r>
+              <a:rPr lang="pt-BR" i="1" dirty="0" err="1"/>
+              <a:t>Smart</a:t>
+            </a:r>
+            <a:r>
+              <a:rPr lang="pt-BR" i="1" dirty="0"/>
+              <a:t> Devices</a:t>
             </a:r>
           </a:p>
           <a:p>
             <a:pPr lvl="1"/>
             <a:r>
               <a:rPr lang="pt-BR" dirty="0"/>
-              <a:t>Transações</a:t>
-            </a:r>
-          </a:p>
-          <a:p>
-            <a:pPr lvl="1"/>
-            <a:r>
-              <a:rPr lang="pt-BR" i="1" dirty="0"/>
-              <a:t>Web </a:t>
-            </a:r>
-            <a:r>
-              <a:rPr lang="pt-BR" i="1" dirty="0" err="1"/>
-              <a:t>Panels</a:t>
-            </a:r>
-            <a:endParaRPr lang="pt-BR" i="1" dirty="0"/>
-          </a:p>
-          <a:p>
-            <a:pPr lvl="1"/>
-            <a:r>
-              <a:rPr lang="pt-BR" i="1" dirty="0"/>
-              <a:t>Procedures</a:t>
-            </a:r>
-          </a:p>
-          <a:p>
-            <a:pPr lvl="1"/>
-            <a:r>
-              <a:rPr lang="pt-BR" dirty="0"/>
-              <a:t>Imagens</a:t>
-            </a:r>
-          </a:p>
-          <a:p>
-            <a:pPr lvl="1"/>
-            <a:r>
-              <a:rPr lang="pt-BR" dirty="0"/>
-              <a:t>Temas</a:t>
-            </a:r>
-          </a:p>
-          <a:p>
-            <a:pPr lvl="1"/>
-            <a:r>
-              <a:rPr lang="pt-BR" dirty="0"/>
-              <a:t>Gráficos</a:t>
-            </a:r>
-          </a:p>
-          <a:p>
-            <a:pPr lvl="1"/>
+              <a:t>Banco de dados</a:t>
+            </a:r>
+          </a:p>
+          <a:p>
+            <a:pPr lvl="2"/>
+            <a:r>
+              <a:rPr lang="pt-BR" dirty="0"/>
+              <a:t>Oracle</a:t>
+            </a:r>
+          </a:p>
+          <a:p>
+            <a:pPr lvl="2"/>
+            <a:r>
+              <a:rPr lang="pt-BR" dirty="0"/>
+              <a:t>SQL Server</a:t>
+            </a:r>
+          </a:p>
+          <a:p>
+            <a:pPr lvl="2"/>
+            <a:r>
+              <a:rPr lang="pt-BR" dirty="0"/>
+              <a:t>PostgreSQL</a:t>
+            </a:r>
+          </a:p>
+          <a:p>
+            <a:pPr lvl="2"/>
             <a:r>
               <a:rPr lang="pt-BR" dirty="0" err="1"/>
-              <a:t>SDTs</a:t>
+              <a:t>Informix</a:t>
             </a:r>
             <a:endParaRPr lang="pt-BR" dirty="0"/>
           </a:p>
           <a:p>
-            <a:pPr lvl="1"/>
-            <a:r>
-              <a:rPr lang="pt-BR" dirty="0"/>
-              <a:t>E muitos mais...</a:t>
-            </a:r>
-          </a:p>
-          <a:p>
-            <a:r>
-              <a:rPr lang="pt-BR" dirty="0"/>
-              <a:t>Objetos GeneXus não tem nenhuma correlação com Orientação a Objetos</a:t>
-            </a:r>
-          </a:p>
-          <a:p>
-            <a:endParaRPr lang="pt-BR" dirty="0"/>
+            <a:pPr lvl="2"/>
+            <a:r>
+              <a:rPr lang="pt-BR" dirty="0"/>
+              <a:t>MySQL</a:t>
+            </a:r>
           </a:p>
         </p:txBody>
       </p:sp>
     </p:spTree>
     <p:extLst>
       <p:ext uri="{BB962C8B-B14F-4D97-AF65-F5344CB8AC3E}">
-        <p14:creationId xmlns:p14="http://schemas.microsoft.com/office/powerpoint/2010/main" val="1168226438"/>
+        <p14:creationId xmlns:p14="http://schemas.microsoft.com/office/powerpoint/2010/main" val="202297038"/>
       </p:ext>
     </p:extLst>
   </p:cSld>
@@ -8622,7 +8605,7 @@
           <p:cNvPr id="2" name="Título 1">
             <a:extLst>
               <a:ext uri="{FF2B5EF4-FFF2-40B4-BE49-F238E27FC236}">
-                <a16:creationId xmlns:a16="http://schemas.microsoft.com/office/drawing/2014/main" id="{4655E4EF-947B-401E-9836-983005879035}"/>
+                <a16:creationId xmlns:a16="http://schemas.microsoft.com/office/drawing/2014/main" id="{D3B41A0A-FEC1-4386-82E3-91A4B0D0E70C}"/>
               </a:ext>
             </a:extLst>
           </p:cNvPr>
@@ -8633,14 +8616,19 @@
             <p:ph type="title"/>
           </p:nvPr>
         </p:nvSpPr>
-        <p:spPr/>
+        <p:spPr>
+          <a:xfrm>
+            <a:off x="677334" y="609600"/>
+            <a:ext cx="8596668" cy="722811"/>
+          </a:xfrm>
+        </p:spPr>
         <p:txBody>
           <a:bodyPr/>
           <a:lstStyle/>
           <a:p>
             <a:r>
               <a:rPr lang="pt-BR" dirty="0"/>
-              <a:t>Definições gerais para os objetos</a:t>
+              <a:t>Objetos GeneXus</a:t>
             </a:r>
           </a:p>
         </p:txBody>
@@ -8650,7 +8638,7 @@
           <p:cNvPr id="3" name="Espaço Reservado para Conteúdo 2">
             <a:extLst>
               <a:ext uri="{FF2B5EF4-FFF2-40B4-BE49-F238E27FC236}">
-                <a16:creationId xmlns:a16="http://schemas.microsoft.com/office/drawing/2014/main" id="{C647BE43-BC2F-49B9-AC2E-FA7FC315AAF1}"/>
+                <a16:creationId xmlns:a16="http://schemas.microsoft.com/office/drawing/2014/main" id="{CAFCFB6F-6204-48EB-A175-889A89E85B11}"/>
               </a:ext>
             </a:extLst>
           </p:cNvPr>
@@ -8664,69 +8652,42 @@
         <p:spPr>
           <a:xfrm>
             <a:off x="677334" y="1435401"/>
-            <a:ext cx="8596668" cy="4408808"/>
+            <a:ext cx="8596668" cy="4382303"/>
           </a:xfrm>
         </p:spPr>
         <p:txBody>
-          <a:bodyPr/>
-          <a:lstStyle/>
-          <a:p>
-            <a:r>
-              <a:rPr lang="pt-BR" dirty="0"/>
-              <a:t>Comum a diversos tipos de objetos:</a:t>
+          <a:bodyPr>
+            <a:normAutofit fontScale="92500" lnSpcReduction="10000"/>
+          </a:bodyPr>
+          <a:lstStyle/>
+          <a:p>
+            <a:r>
+              <a:rPr lang="pt-BR" dirty="0"/>
+              <a:t>Definições de propriedades, eventos, telas e regras similares, cada um com suas especificidades</a:t>
+            </a:r>
+          </a:p>
+          <a:p>
+            <a:r>
+              <a:rPr lang="pt-BR" dirty="0"/>
+              <a:t>Tipos de objetos</a:t>
             </a:r>
           </a:p>
           <a:p>
             <a:pPr lvl="1"/>
             <a:r>
               <a:rPr lang="pt-BR" dirty="0"/>
-              <a:t>Aba “</a:t>
-            </a:r>
-            <a:r>
-              <a:rPr lang="pt-BR" dirty="0" err="1"/>
-              <a:t>Rules</a:t>
-            </a:r>
-            <a:r>
-              <a:rPr lang="pt-BR" dirty="0"/>
-              <a:t>”</a:t>
+              <a:t>Domínios</a:t>
             </a:r>
           </a:p>
           <a:p>
             <a:pPr lvl="1"/>
             <a:r>
               <a:rPr lang="pt-BR" dirty="0"/>
-              <a:t>Aba “</a:t>
-            </a:r>
-            <a:r>
-              <a:rPr lang="pt-BR" dirty="0" err="1"/>
-              <a:t>Documentation</a:t>
-            </a:r>
-            <a:r>
-              <a:rPr lang="pt-BR" dirty="0"/>
-              <a:t>”</a:t>
+              <a:t>Transações</a:t>
             </a:r>
           </a:p>
           <a:p>
             <a:pPr lvl="1"/>
-            <a:r>
-              <a:rPr lang="pt-BR" dirty="0"/>
-              <a:t>Regra “</a:t>
-            </a:r>
-            <a:r>
-              <a:rPr lang="pt-BR" dirty="0" err="1"/>
-              <a:t>Parm</a:t>
-            </a:r>
-            <a:r>
-              <a:rPr lang="pt-BR" dirty="0"/>
-              <a:t>”</a:t>
-            </a:r>
-          </a:p>
-          <a:p>
-            <a:pPr lvl="1"/>
-            <a:r>
-              <a:rPr lang="pt-BR" dirty="0"/>
-              <a:t>No caso de </a:t>
-            </a:r>
             <a:r>
               <a:rPr lang="pt-BR" i="1" dirty="0"/>
               <a:t>Web </a:t>
@@ -8735,82 +8696,66 @@
               <a:rPr lang="pt-BR" i="1" dirty="0" err="1"/>
               <a:t>Panels</a:t>
             </a:r>
-            <a:r>
-              <a:rPr lang="pt-BR" i="1" dirty="0"/>
-              <a:t> </a:t>
-            </a:r>
-            <a:r>
-              <a:rPr lang="pt-BR" dirty="0"/>
-              <a:t>e </a:t>
-            </a:r>
+            <a:endParaRPr lang="pt-BR" i="1" dirty="0"/>
+          </a:p>
+          <a:p>
+            <a:pPr lvl="1"/>
             <a:r>
               <a:rPr lang="pt-BR" i="1" dirty="0"/>
               <a:t>Procedures</a:t>
             </a:r>
-            <a:r>
-              <a:rPr lang="pt-BR" dirty="0"/>
-              <a:t>, a aba “</a:t>
-            </a:r>
+          </a:p>
+          <a:p>
+            <a:pPr lvl="1"/>
+            <a:r>
+              <a:rPr lang="pt-BR" dirty="0"/>
+              <a:t>Imagens</a:t>
+            </a:r>
+          </a:p>
+          <a:p>
+            <a:pPr lvl="1"/>
+            <a:r>
+              <a:rPr lang="pt-BR" dirty="0"/>
+              <a:t>Temas</a:t>
+            </a:r>
+          </a:p>
+          <a:p>
+            <a:pPr lvl="1"/>
+            <a:r>
+              <a:rPr lang="pt-BR" dirty="0"/>
+              <a:t>Gráficos</a:t>
+            </a:r>
+          </a:p>
+          <a:p>
+            <a:pPr lvl="1"/>
             <a:r>
               <a:rPr lang="pt-BR" dirty="0" err="1"/>
-              <a:t>Conditions</a:t>
-            </a:r>
-            <a:r>
-              <a:rPr lang="pt-BR" dirty="0"/>
-              <a:t>”</a:t>
-            </a:r>
+              <a:t>SDTs</a:t>
+            </a:r>
+            <a:endParaRPr lang="pt-BR" dirty="0"/>
           </a:p>
           <a:p>
             <a:pPr lvl="1"/>
             <a:r>
               <a:rPr lang="pt-BR" dirty="0"/>
-              <a:t>Em transações</a:t>
-            </a:r>
-            <a:r>
-              <a:rPr lang="pt-BR" i="1" dirty="0"/>
-              <a:t> </a:t>
-            </a:r>
-            <a:r>
-              <a:rPr lang="pt-BR" dirty="0"/>
-              <a:t>e </a:t>
-            </a:r>
-            <a:r>
-              <a:rPr lang="pt-BR" i="1" dirty="0"/>
-              <a:t>Web </a:t>
-            </a:r>
-            <a:r>
-              <a:rPr lang="pt-BR" i="1" dirty="0" err="1"/>
-              <a:t>Panels</a:t>
-            </a:r>
-            <a:endParaRPr lang="pt-BR" i="1" dirty="0"/>
-          </a:p>
-          <a:p>
-            <a:pPr lvl="2"/>
-            <a:r>
-              <a:rPr lang="pt-BR" dirty="0"/>
-              <a:t>Habilitação de campos</a:t>
-            </a:r>
-          </a:p>
-          <a:p>
-            <a:pPr lvl="2"/>
-            <a:r>
-              <a:rPr lang="pt-BR" dirty="0"/>
-              <a:t>Regra “Prompt”</a:t>
-            </a:r>
-          </a:p>
-          <a:p>
-            <a:pPr lvl="1"/>
-            <a:r>
-              <a:rPr lang="pt-BR" dirty="0"/>
-              <a:t>Definição de variáveis baseadas em domínios</a:t>
-            </a:r>
+              <a:t>E muitos mais...</a:t>
+            </a:r>
+          </a:p>
+          <a:p>
+            <a:r>
+              <a:rPr lang="pt-BR" dirty="0"/>
+              <a:t>Objetos GeneXus não tem nenhuma correlação com Orientação a Objetos</a:t>
+            </a:r>
+          </a:p>
+          <a:p>
+            <a:endParaRPr lang="pt-BR" dirty="0"/>
           </a:p>
         </p:txBody>
       </p:sp>
     </p:spTree>
     <p:extLst>
       <p:ext uri="{BB962C8B-B14F-4D97-AF65-F5344CB8AC3E}">
-        <p14:creationId xmlns:p14="http://schemas.microsoft.com/office/powerpoint/2010/main" val="3177980186"/>
+        <p14:creationId xmlns:p14="http://schemas.microsoft.com/office/powerpoint/2010/main" val="1168226438"/>
       </p:ext>
     </p:extLst>
   </p:cSld>

--- a/Techweek2019.pptx
+++ b/Techweek2019.pptx
@@ -17,12 +17,11 @@
     <p:sldId id="262" r:id="rId11"/>
     <p:sldId id="265" r:id="rId12"/>
     <p:sldId id="266" r:id="rId13"/>
-    <p:sldId id="267" r:id="rId14"/>
-    <p:sldId id="268" r:id="rId15"/>
-    <p:sldId id="269" r:id="rId16"/>
-    <p:sldId id="271" r:id="rId17"/>
-    <p:sldId id="270" r:id="rId18"/>
-    <p:sldId id="273" r:id="rId19"/>
+    <p:sldId id="268" r:id="rId14"/>
+    <p:sldId id="269" r:id="rId15"/>
+    <p:sldId id="271" r:id="rId16"/>
+    <p:sldId id="270" r:id="rId17"/>
+    <p:sldId id="273" r:id="rId18"/>
   </p:sldIdLst>
   <p:sldSz cx="12192000" cy="6858000"/>
   <p:notesSz cx="6858000" cy="9144000"/>
@@ -851,7 +850,7 @@
           <a:p>
             <a:fld id="{A4B818D9-19C3-4AD2-9336-87D155945ED2}" type="datetimeFigureOut">
               <a:rPr lang="pt-BR" smtClean="0"/>
-              <a:t>20/05/2019</a:t>
+              <a:t>22/05/2019</a:t>
             </a:fld>
             <a:endParaRPr lang="pt-BR"/>
           </a:p>
@@ -1106,7 +1105,7 @@
           <a:p>
             <a:fld id="{A4B818D9-19C3-4AD2-9336-87D155945ED2}" type="datetimeFigureOut">
               <a:rPr lang="pt-BR" smtClean="0"/>
-              <a:t>20/05/2019</a:t>
+              <a:t>22/05/2019</a:t>
             </a:fld>
             <a:endParaRPr lang="pt-BR"/>
           </a:p>
@@ -1420,7 +1419,7 @@
           <a:p>
             <a:fld id="{A4B818D9-19C3-4AD2-9336-87D155945ED2}" type="datetimeFigureOut">
               <a:rPr lang="pt-BR" smtClean="0"/>
-              <a:t>20/05/2019</a:t>
+              <a:t>22/05/2019</a:t>
             </a:fld>
             <a:endParaRPr lang="pt-BR"/>
           </a:p>
@@ -1761,7 +1760,7 @@
           <a:p>
             <a:fld id="{A4B818D9-19C3-4AD2-9336-87D155945ED2}" type="datetimeFigureOut">
               <a:rPr lang="pt-BR" smtClean="0"/>
-              <a:t>20/05/2019</a:t>
+              <a:t>22/05/2019</a:t>
             </a:fld>
             <a:endParaRPr lang="pt-BR"/>
           </a:p>
@@ -2075,7 +2074,7 @@
           <a:p>
             <a:fld id="{A4B818D9-19C3-4AD2-9336-87D155945ED2}" type="datetimeFigureOut">
               <a:rPr lang="pt-BR" smtClean="0"/>
-              <a:t>20/05/2019</a:t>
+              <a:t>22/05/2019</a:t>
             </a:fld>
             <a:endParaRPr lang="pt-BR"/>
           </a:p>
@@ -2468,7 +2467,7 @@
           <a:p>
             <a:fld id="{A4B818D9-19C3-4AD2-9336-87D155945ED2}" type="datetimeFigureOut">
               <a:rPr lang="pt-BR" smtClean="0"/>
-              <a:t>20/05/2019</a:t>
+              <a:t>22/05/2019</a:t>
             </a:fld>
             <a:endParaRPr lang="pt-BR"/>
           </a:p>
@@ -2638,7 +2637,7 @@
           <a:p>
             <a:fld id="{A4B818D9-19C3-4AD2-9336-87D155945ED2}" type="datetimeFigureOut">
               <a:rPr lang="pt-BR" smtClean="0"/>
-              <a:t>20/05/2019</a:t>
+              <a:t>22/05/2019</a:t>
             </a:fld>
             <a:endParaRPr lang="pt-BR"/>
           </a:p>
@@ -2818,7 +2817,7 @@
           <a:p>
             <a:fld id="{A4B818D9-19C3-4AD2-9336-87D155945ED2}" type="datetimeFigureOut">
               <a:rPr lang="pt-BR" smtClean="0"/>
-              <a:t>20/05/2019</a:t>
+              <a:t>22/05/2019</a:t>
             </a:fld>
             <a:endParaRPr lang="pt-BR"/>
           </a:p>
@@ -3004,7 +3003,7 @@
           <a:p>
             <a:fld id="{A4B818D9-19C3-4AD2-9336-87D155945ED2}" type="datetimeFigureOut">
               <a:rPr lang="pt-BR" smtClean="0"/>
-              <a:t>20/05/2019</a:t>
+              <a:t>22/05/2019</a:t>
             </a:fld>
             <a:endParaRPr lang="pt-BR"/>
           </a:p>
@@ -3326,7 +3325,7 @@
           <a:p>
             <a:fld id="{A4B818D9-19C3-4AD2-9336-87D155945ED2}" type="datetimeFigureOut">
               <a:rPr lang="pt-BR" smtClean="0"/>
-              <a:t>20/05/2019</a:t>
+              <a:t>22/05/2019</a:t>
             </a:fld>
             <a:endParaRPr lang="pt-BR"/>
           </a:p>
@@ -3558,7 +3557,7 @@
           <a:p>
             <a:fld id="{A4B818D9-19C3-4AD2-9336-87D155945ED2}" type="datetimeFigureOut">
               <a:rPr lang="pt-BR" smtClean="0"/>
-              <a:t>20/05/2019</a:t>
+              <a:t>22/05/2019</a:t>
             </a:fld>
             <a:endParaRPr lang="pt-BR"/>
           </a:p>
@@ -3932,7 +3931,7 @@
           <a:p>
             <a:fld id="{A4B818D9-19C3-4AD2-9336-87D155945ED2}" type="datetimeFigureOut">
               <a:rPr lang="pt-BR" smtClean="0"/>
-              <a:t>20/05/2019</a:t>
+              <a:t>22/05/2019</a:t>
             </a:fld>
             <a:endParaRPr lang="pt-BR"/>
           </a:p>
@@ -4055,7 +4054,7 @@
           <a:p>
             <a:fld id="{A4B818D9-19C3-4AD2-9336-87D155945ED2}" type="datetimeFigureOut">
               <a:rPr lang="pt-BR" smtClean="0"/>
-              <a:t>20/05/2019</a:t>
+              <a:t>22/05/2019</a:t>
             </a:fld>
             <a:endParaRPr lang="pt-BR"/>
           </a:p>
@@ -4186,7 +4185,7 @@
           <a:p>
             <a:fld id="{A4B818D9-19C3-4AD2-9336-87D155945ED2}" type="datetimeFigureOut">
               <a:rPr lang="pt-BR" smtClean="0"/>
-              <a:t>20/05/2019</a:t>
+              <a:t>22/05/2019</a:t>
             </a:fld>
             <a:endParaRPr lang="pt-BR"/>
           </a:p>
@@ -4441,7 +4440,7 @@
           <a:p>
             <a:fld id="{A4B818D9-19C3-4AD2-9336-87D155945ED2}" type="datetimeFigureOut">
               <a:rPr lang="pt-BR" smtClean="0"/>
-              <a:t>20/05/2019</a:t>
+              <a:t>22/05/2019</a:t>
             </a:fld>
             <a:endParaRPr lang="pt-BR"/>
           </a:p>
@@ -4704,7 +4703,7 @@
           <a:p>
             <a:fld id="{A4B818D9-19C3-4AD2-9336-87D155945ED2}" type="datetimeFigureOut">
               <a:rPr lang="pt-BR" smtClean="0"/>
-              <a:t>20/05/2019</a:t>
+              <a:t>22/05/2019</a:t>
             </a:fld>
             <a:endParaRPr lang="pt-BR"/>
           </a:p>
@@ -5447,7 +5446,7 @@
           <a:p>
             <a:fld id="{A4B818D9-19C3-4AD2-9336-87D155945ED2}" type="datetimeFigureOut">
               <a:rPr lang="pt-BR" smtClean="0"/>
-              <a:t>20/05/2019</a:t>
+              <a:t>22/05/2019</a:t>
             </a:fld>
             <a:endParaRPr lang="pt-BR"/>
           </a:p>
@@ -6855,7 +6854,7 @@
           <p:cNvPr id="2" name="Título 1">
             <a:extLst>
               <a:ext uri="{FF2B5EF4-FFF2-40B4-BE49-F238E27FC236}">
-                <a16:creationId xmlns:a16="http://schemas.microsoft.com/office/drawing/2014/main" id="{608596FF-B3AD-4570-9C87-3B810B5100C6}"/>
+                <a16:creationId xmlns:a16="http://schemas.microsoft.com/office/drawing/2014/main" id="{107728D3-6452-4688-B4FB-579182B5832E}"/>
               </a:ext>
             </a:extLst>
           </p:cNvPr>
@@ -6873,8 +6872,13 @@
           <a:p>
             <a:r>
               <a:rPr lang="pt-BR" dirty="0"/>
-              <a:t>Objetos: Gráficos</a:t>
-            </a:r>
+              <a:t>Objetos: </a:t>
+            </a:r>
+            <a:r>
+              <a:rPr lang="pt-BR" dirty="0" err="1"/>
+              <a:t>SDTs</a:t>
+            </a:r>
+            <a:endParaRPr lang="pt-BR" dirty="0"/>
           </a:p>
         </p:txBody>
       </p:sp>
@@ -6883,7 +6887,7 @@
           <p:cNvPr id="3" name="Espaço Reservado para Conteúdo 2">
             <a:extLst>
               <a:ext uri="{FF2B5EF4-FFF2-40B4-BE49-F238E27FC236}">
-                <a16:creationId xmlns:a16="http://schemas.microsoft.com/office/drawing/2014/main" id="{48B3C37A-7725-48B7-A32C-03EA025E11C1}"/>
+                <a16:creationId xmlns:a16="http://schemas.microsoft.com/office/drawing/2014/main" id="{32D66BEB-88A2-4EDA-9128-5F8ED2B2EF35}"/>
               </a:ext>
             </a:extLst>
           </p:cNvPr>
@@ -6896,77 +6900,52 @@
         </p:nvSpPr>
         <p:spPr/>
         <p:txBody>
-          <a:bodyPr/>
-          <a:lstStyle/>
-          <a:p>
-            <a:r>
-              <a:rPr lang="pt-BR" dirty="0"/>
-              <a:t>Servem para demonstrar dados em forma de gráficos ou tabelas dinâmicas</a:t>
-            </a:r>
-          </a:p>
-          <a:p>
-            <a:r>
-              <a:rPr lang="pt-BR" dirty="0"/>
-              <a:t>Gráficos geram Flash ou </a:t>
-            </a:r>
-            <a:r>
-              <a:rPr lang="pt-BR" dirty="0" err="1"/>
-              <a:t>Javascript</a:t>
-            </a:r>
-            <a:r>
-              <a:rPr lang="pt-BR" dirty="0"/>
-              <a:t>, utilizando </a:t>
-            </a:r>
-            <a:r>
-              <a:rPr lang="pt-BR" i="1" dirty="0" err="1"/>
-              <a:t>Highcharts</a:t>
-            </a:r>
-            <a:endParaRPr lang="pt-BR" i="1" dirty="0"/>
-          </a:p>
-          <a:p>
-            <a:r>
-              <a:rPr lang="pt-BR" dirty="0"/>
-              <a:t>Mediante estrutura definida, é gerada uma instrução SQL para busca dos dados</a:t>
-            </a:r>
-          </a:p>
-          <a:p>
-            <a:r>
-              <a:rPr lang="pt-BR" dirty="0"/>
-              <a:t>Gráficos</a:t>
-            </a:r>
-          </a:p>
-          <a:p>
-            <a:pPr lvl="1"/>
-            <a:r>
-              <a:rPr lang="pt-BR" dirty="0"/>
-              <a:t>Pizza</a:t>
-            </a:r>
-          </a:p>
-          <a:p>
-            <a:pPr lvl="1"/>
-            <a:r>
-              <a:rPr lang="pt-BR" dirty="0"/>
-              <a:t>Barras</a:t>
-            </a:r>
-          </a:p>
-          <a:p>
-            <a:pPr lvl="1"/>
-            <a:r>
-              <a:rPr lang="pt-BR" dirty="0"/>
-              <a:t>Linha</a:t>
-            </a:r>
-          </a:p>
-          <a:p>
-            <a:pPr lvl="1"/>
-            <a:r>
-              <a:rPr lang="pt-BR" dirty="0"/>
-              <a:t>E outros...</a:t>
-            </a:r>
-          </a:p>
-          <a:p>
-            <a:r>
-              <a:rPr lang="pt-BR" dirty="0"/>
-              <a:t>Troca em tempo de execução da visualização dos gráficos</a:t>
+          <a:bodyPr>
+            <a:normAutofit/>
+          </a:bodyPr>
+          <a:lstStyle/>
+          <a:p>
+            <a:r>
+              <a:rPr lang="pt-BR" sz="2400" i="1" dirty="0"/>
+              <a:t>Structured Data </a:t>
+            </a:r>
+            <a:r>
+              <a:rPr lang="pt-BR" sz="2400" i="1" dirty="0" err="1"/>
+              <a:t>Types</a:t>
+            </a:r>
+            <a:r>
+              <a:rPr lang="pt-BR" sz="2400" i="1" dirty="0"/>
+              <a:t>,</a:t>
+            </a:r>
+            <a:r>
+              <a:rPr lang="pt-BR" sz="2400" dirty="0"/>
+              <a:t> ou Tipos de Dados Estruturados</a:t>
+            </a:r>
+          </a:p>
+          <a:p>
+            <a:r>
+              <a:rPr lang="pt-BR" sz="2400" dirty="0"/>
+              <a:t>Similar ao </a:t>
+            </a:r>
+            <a:r>
+              <a:rPr lang="pt-BR" sz="2400" i="1" dirty="0" err="1"/>
+              <a:t>struct</a:t>
+            </a:r>
+            <a:r>
+              <a:rPr lang="pt-BR" sz="2400" dirty="0"/>
+              <a:t> do C++</a:t>
+            </a:r>
+          </a:p>
+          <a:p>
+            <a:r>
+              <a:rPr lang="pt-BR" sz="2400" dirty="0"/>
+              <a:t>Fácil manipulação de listas</a:t>
+            </a:r>
+          </a:p>
+          <a:p>
+            <a:r>
+              <a:rPr lang="pt-BR" sz="2400" dirty="0"/>
+              <a:t>Permite geração fácil de dados em formato JSON e XML</a:t>
             </a:r>
           </a:p>
         </p:txBody>
@@ -6974,7 +6953,7 @@
     </p:spTree>
     <p:extLst>
       <p:ext uri="{BB962C8B-B14F-4D97-AF65-F5344CB8AC3E}">
-        <p14:creationId xmlns:p14="http://schemas.microsoft.com/office/powerpoint/2010/main" val="4202855611"/>
+        <p14:creationId xmlns:p14="http://schemas.microsoft.com/office/powerpoint/2010/main" val="3862354369"/>
       </p:ext>
     </p:extLst>
   </p:cSld>
@@ -7003,10 +6982,10 @@
       </p:grpSpPr>
       <p:sp>
         <p:nvSpPr>
-          <p:cNvPr id="2" name="Título 1">
+          <p:cNvPr id="4" name="Título 3">
             <a:extLst>
               <a:ext uri="{FF2B5EF4-FFF2-40B4-BE49-F238E27FC236}">
-                <a16:creationId xmlns:a16="http://schemas.microsoft.com/office/drawing/2014/main" id="{107728D3-6452-4688-B4FB-579182B5832E}"/>
+                <a16:creationId xmlns:a16="http://schemas.microsoft.com/office/drawing/2014/main" id="{AEF7B264-F456-4C98-926D-C90778708B03}"/>
               </a:ext>
             </a:extLst>
           </p:cNvPr>
@@ -7017,40 +6996,12 @@
             <p:ph type="title"/>
           </p:nvPr>
         </p:nvSpPr>
-        <p:spPr/>
-        <p:txBody>
-          <a:bodyPr/>
-          <a:lstStyle/>
-          <a:p>
-            <a:r>
-              <a:rPr lang="pt-BR" dirty="0"/>
-              <a:t>Objetos: </a:t>
-            </a:r>
-            <a:r>
-              <a:rPr lang="pt-BR" dirty="0" err="1"/>
-              <a:t>SDTs</a:t>
-            </a:r>
-            <a:endParaRPr lang="pt-BR" dirty="0"/>
-          </a:p>
-        </p:txBody>
-      </p:sp>
-      <p:sp>
-        <p:nvSpPr>
-          <p:cNvPr id="3" name="Espaço Reservado para Conteúdo 2">
-            <a:extLst>
-              <a:ext uri="{FF2B5EF4-FFF2-40B4-BE49-F238E27FC236}">
-                <a16:creationId xmlns:a16="http://schemas.microsoft.com/office/drawing/2014/main" id="{32D66BEB-88A2-4EDA-9128-5F8ED2B2EF35}"/>
-              </a:ext>
-            </a:extLst>
-          </p:cNvPr>
-          <p:cNvSpPr>
-            <a:spLocks noGrp="1"/>
-          </p:cNvSpPr>
-          <p:nvPr>
-            <p:ph idx="1"/>
-          </p:nvPr>
-        </p:nvSpPr>
-        <p:spPr/>
+        <p:spPr>
+          <a:xfrm>
+            <a:off x="2449862" y="1701018"/>
+            <a:ext cx="7073965" cy="3455963"/>
+          </a:xfrm>
+        </p:spPr>
         <p:txBody>
           <a:bodyPr>
             <a:normAutofit/>
@@ -7058,46 +7009,8 @@
           <a:lstStyle/>
           <a:p>
             <a:r>
-              <a:rPr lang="pt-BR" sz="2400" i="1" dirty="0"/>
-              <a:t>Structured Data </a:t>
-            </a:r>
-            <a:r>
-              <a:rPr lang="pt-BR" sz="2400" i="1" dirty="0" err="1"/>
-              <a:t>Types</a:t>
-            </a:r>
-            <a:r>
-              <a:rPr lang="pt-BR" sz="2400" i="1" dirty="0"/>
-              <a:t>,</a:t>
-            </a:r>
-            <a:r>
-              <a:rPr lang="pt-BR" sz="2400" dirty="0"/>
-              <a:t> ou Tipos de Dados Estruturados</a:t>
-            </a:r>
-          </a:p>
-          <a:p>
-            <a:r>
-              <a:rPr lang="pt-BR" sz="2400" dirty="0"/>
-              <a:t>Similar ao </a:t>
-            </a:r>
-            <a:r>
-              <a:rPr lang="pt-BR" sz="2400" i="1" dirty="0" err="1"/>
-              <a:t>struct</a:t>
-            </a:r>
-            <a:r>
-              <a:rPr lang="pt-BR" sz="2400" dirty="0"/>
-              <a:t> do C++</a:t>
-            </a:r>
-          </a:p>
-          <a:p>
-            <a:r>
-              <a:rPr lang="pt-BR" sz="2400" dirty="0"/>
-              <a:t>Fácil manipulação de listas</a:t>
-            </a:r>
-          </a:p>
-          <a:p>
-            <a:r>
-              <a:rPr lang="pt-BR" sz="2400" dirty="0"/>
-              <a:t>Permite geração fácil de dados em formato JSON e XML</a:t>
+              <a:rPr lang="pt-BR" sz="9600" dirty="0"/>
+              <a:t>Vamos à prática?</a:t>
             </a:r>
           </a:p>
         </p:txBody>
@@ -7105,7 +7018,7 @@
     </p:spTree>
     <p:extLst>
       <p:ext uri="{BB962C8B-B14F-4D97-AF65-F5344CB8AC3E}">
-        <p14:creationId xmlns:p14="http://schemas.microsoft.com/office/powerpoint/2010/main" val="3862354369"/>
+        <p14:creationId xmlns:p14="http://schemas.microsoft.com/office/powerpoint/2010/main" val="3584567852"/>
       </p:ext>
     </p:extLst>
   </p:cSld>
@@ -7134,10 +7047,10 @@
       </p:grpSpPr>
       <p:sp>
         <p:nvSpPr>
-          <p:cNvPr id="4" name="Título 3">
+          <p:cNvPr id="3" name="Título 2">
             <a:extLst>
               <a:ext uri="{FF2B5EF4-FFF2-40B4-BE49-F238E27FC236}">
-                <a16:creationId xmlns:a16="http://schemas.microsoft.com/office/drawing/2014/main" id="{AEF7B264-F456-4C98-926D-C90778708B03}"/>
+                <a16:creationId xmlns:a16="http://schemas.microsoft.com/office/drawing/2014/main" id="{32A9B528-177C-4731-ABA9-0FFF4B188C8A}"/>
               </a:ext>
             </a:extLst>
           </p:cNvPr>
@@ -7148,12 +7061,40 @@
             <p:ph type="title"/>
           </p:nvPr>
         </p:nvSpPr>
-        <p:spPr>
-          <a:xfrm>
-            <a:off x="2449862" y="1701018"/>
-            <a:ext cx="7073965" cy="3455963"/>
-          </a:xfrm>
-        </p:spPr>
+        <p:spPr/>
+        <p:txBody>
+          <a:bodyPr/>
+          <a:lstStyle/>
+          <a:p>
+            <a:r>
+              <a:rPr lang="pt-BR" dirty="0"/>
+              <a:t>Outros produtos da </a:t>
+            </a:r>
+            <a:r>
+              <a:rPr lang="pt-BR" dirty="0" err="1"/>
+              <a:t>ARTech</a:t>
+            </a:r>
+            <a:endParaRPr lang="pt-BR" dirty="0"/>
+          </a:p>
+        </p:txBody>
+      </p:sp>
+      <p:sp>
+        <p:nvSpPr>
+          <p:cNvPr id="4" name="Espaço Reservado para Conteúdo 3">
+            <a:extLst>
+              <a:ext uri="{FF2B5EF4-FFF2-40B4-BE49-F238E27FC236}">
+                <a16:creationId xmlns:a16="http://schemas.microsoft.com/office/drawing/2014/main" id="{F74D51DC-CCF4-4F16-AA86-BB66E8FE2836}"/>
+              </a:ext>
+            </a:extLst>
+          </p:cNvPr>
+          <p:cNvSpPr>
+            <a:spLocks noGrp="1"/>
+          </p:cNvSpPr>
+          <p:nvPr>
+            <p:ph idx="1"/>
+          </p:nvPr>
+        </p:nvSpPr>
+        <p:spPr/>
         <p:txBody>
           <a:bodyPr>
             <a:normAutofit/>
@@ -7161,16 +7102,38 @@
           <a:lstStyle/>
           <a:p>
             <a:r>
-              <a:rPr lang="pt-BR" sz="9600" dirty="0"/>
-              <a:t>Vamos à prática?</a:t>
-            </a:r>
+              <a:rPr lang="pt-BR" sz="2800" dirty="0" err="1"/>
+              <a:t>GXTest</a:t>
+            </a:r>
+            <a:endParaRPr lang="pt-BR" sz="2800" dirty="0"/>
+          </a:p>
+          <a:p>
+            <a:r>
+              <a:rPr lang="pt-BR" sz="2800" dirty="0" err="1"/>
+              <a:t>GXServer</a:t>
+            </a:r>
+            <a:endParaRPr lang="pt-BR" sz="2800" dirty="0"/>
+          </a:p>
+          <a:p>
+            <a:r>
+              <a:rPr lang="pt-BR" sz="2800" dirty="0" err="1"/>
+              <a:t>GXQuery</a:t>
+            </a:r>
+            <a:endParaRPr lang="pt-BR" sz="2800" dirty="0"/>
+          </a:p>
+          <a:p>
+            <a:r>
+              <a:rPr lang="pt-BR" sz="2800" dirty="0" err="1"/>
+              <a:t>GXPortal</a:t>
+            </a:r>
+            <a:endParaRPr lang="pt-BR" sz="2800" dirty="0"/>
           </a:p>
         </p:txBody>
       </p:sp>
     </p:spTree>
     <p:extLst>
       <p:ext uri="{BB962C8B-B14F-4D97-AF65-F5344CB8AC3E}">
-        <p14:creationId xmlns:p14="http://schemas.microsoft.com/office/powerpoint/2010/main" val="3584567852"/>
+        <p14:creationId xmlns:p14="http://schemas.microsoft.com/office/powerpoint/2010/main" val="1721587164"/>
       </p:ext>
     </p:extLst>
   </p:cSld>
@@ -7199,121 +7162,6 @@
       </p:grpSpPr>
       <p:sp>
         <p:nvSpPr>
-          <p:cNvPr id="3" name="Título 2">
-            <a:extLst>
-              <a:ext uri="{FF2B5EF4-FFF2-40B4-BE49-F238E27FC236}">
-                <a16:creationId xmlns:a16="http://schemas.microsoft.com/office/drawing/2014/main" id="{32A9B528-177C-4731-ABA9-0FFF4B188C8A}"/>
-              </a:ext>
-            </a:extLst>
-          </p:cNvPr>
-          <p:cNvSpPr>
-            <a:spLocks noGrp="1"/>
-          </p:cNvSpPr>
-          <p:nvPr>
-            <p:ph type="title"/>
-          </p:nvPr>
-        </p:nvSpPr>
-        <p:spPr/>
-        <p:txBody>
-          <a:bodyPr/>
-          <a:lstStyle/>
-          <a:p>
-            <a:r>
-              <a:rPr lang="pt-BR" dirty="0"/>
-              <a:t>Outros produtos da </a:t>
-            </a:r>
-            <a:r>
-              <a:rPr lang="pt-BR" dirty="0" err="1"/>
-              <a:t>ARTech</a:t>
-            </a:r>
-            <a:endParaRPr lang="pt-BR" dirty="0"/>
-          </a:p>
-        </p:txBody>
-      </p:sp>
-      <p:sp>
-        <p:nvSpPr>
-          <p:cNvPr id="4" name="Espaço Reservado para Conteúdo 3">
-            <a:extLst>
-              <a:ext uri="{FF2B5EF4-FFF2-40B4-BE49-F238E27FC236}">
-                <a16:creationId xmlns:a16="http://schemas.microsoft.com/office/drawing/2014/main" id="{F74D51DC-CCF4-4F16-AA86-BB66E8FE2836}"/>
-              </a:ext>
-            </a:extLst>
-          </p:cNvPr>
-          <p:cNvSpPr>
-            <a:spLocks noGrp="1"/>
-          </p:cNvSpPr>
-          <p:nvPr>
-            <p:ph idx="1"/>
-          </p:nvPr>
-        </p:nvSpPr>
-        <p:spPr/>
-        <p:txBody>
-          <a:bodyPr>
-            <a:normAutofit/>
-          </a:bodyPr>
-          <a:lstStyle/>
-          <a:p>
-            <a:r>
-              <a:rPr lang="pt-BR" sz="2800" dirty="0" err="1"/>
-              <a:t>GXTest</a:t>
-            </a:r>
-            <a:endParaRPr lang="pt-BR" sz="2800" dirty="0"/>
-          </a:p>
-          <a:p>
-            <a:r>
-              <a:rPr lang="pt-BR" sz="2800" dirty="0" err="1"/>
-              <a:t>GXServer</a:t>
-            </a:r>
-            <a:endParaRPr lang="pt-BR" sz="2800" dirty="0"/>
-          </a:p>
-          <a:p>
-            <a:r>
-              <a:rPr lang="pt-BR" sz="2800" dirty="0" err="1"/>
-              <a:t>GXQuery</a:t>
-            </a:r>
-            <a:endParaRPr lang="pt-BR" sz="2800" dirty="0"/>
-          </a:p>
-          <a:p>
-            <a:r>
-              <a:rPr lang="pt-BR" sz="2800" dirty="0" err="1"/>
-              <a:t>GXPortal</a:t>
-            </a:r>
-            <a:endParaRPr lang="pt-BR" sz="2800" dirty="0"/>
-          </a:p>
-        </p:txBody>
-      </p:sp>
-    </p:spTree>
-    <p:extLst>
-      <p:ext uri="{BB962C8B-B14F-4D97-AF65-F5344CB8AC3E}">
-        <p14:creationId xmlns:p14="http://schemas.microsoft.com/office/powerpoint/2010/main" val="1721587164"/>
-      </p:ext>
-    </p:extLst>
-  </p:cSld>
-  <p:clrMapOvr>
-    <a:masterClrMapping/>
-  </p:clrMapOvr>
-</p:sld>
-</file>
-
-<file path=ppt/slides/slide17.xml><?xml version="1.0" encoding="utf-8"?>
-<p:sld xmlns:a="http://schemas.openxmlformats.org/drawingml/2006/main" xmlns:r="http://schemas.openxmlformats.org/officeDocument/2006/relationships" xmlns:p="http://schemas.openxmlformats.org/presentationml/2006/main">
-  <p:cSld>
-    <p:spTree>
-      <p:nvGrpSpPr>
-        <p:cNvPr id="1" name=""/>
-        <p:cNvGrpSpPr/>
-        <p:nvPr/>
-      </p:nvGrpSpPr>
-      <p:grpSpPr>
-        <a:xfrm>
-          <a:off x="0" y="0"/>
-          <a:ext cx="0" cy="0"/>
-          <a:chOff x="0" y="0"/>
-          <a:chExt cx="0" cy="0"/>
-        </a:xfrm>
-      </p:grpSpPr>
-      <p:sp>
-        <p:nvSpPr>
           <p:cNvPr id="5" name="Título 4">
             <a:extLst>
               <a:ext uri="{FF2B5EF4-FFF2-40B4-BE49-F238E27FC236}">
@@ -7472,7 +7320,7 @@
 </p:sld>
 </file>
 
-<file path=ppt/slides/slide18.xml><?xml version="1.0" encoding="utf-8"?>
+<file path=ppt/slides/slide17.xml><?xml version="1.0" encoding="utf-8"?>
 <p:sld xmlns:a="http://schemas.openxmlformats.org/drawingml/2006/main" xmlns:r="http://schemas.openxmlformats.org/officeDocument/2006/relationships" xmlns:p="http://schemas.openxmlformats.org/presentationml/2006/main">
   <p:cSld>
     <p:spTree>
@@ -8657,7 +8505,7 @@
         </p:spPr>
         <p:txBody>
           <a:bodyPr>
-            <a:normAutofit fontScale="92500" lnSpcReduction="10000"/>
+            <a:normAutofit lnSpcReduction="10000"/>
           </a:bodyPr>
           <a:lstStyle/>
           <a:p>
@@ -8717,13 +8565,6 @@
             <a:r>
               <a:rPr lang="pt-BR" dirty="0"/>
               <a:t>Temas</a:t>
-            </a:r>
-          </a:p>
-          <a:p>
-            <a:pPr lvl="1"/>
-            <a:r>
-              <a:rPr lang="pt-BR" dirty="0"/>
-              <a:t>Gráficos</a:t>
             </a:r>
           </a:p>
           <a:p>

--- a/Techweek2019.pptx
+++ b/Techweek2019.pptx
@@ -850,7 +850,7 @@
           <a:p>
             <a:fld id="{A4B818D9-19C3-4AD2-9336-87D155945ED2}" type="datetimeFigureOut">
               <a:rPr lang="pt-BR" smtClean="0"/>
-              <a:t>22/05/2019</a:t>
+              <a:t>23/05/2019</a:t>
             </a:fld>
             <a:endParaRPr lang="pt-BR"/>
           </a:p>
@@ -1105,7 +1105,7 @@
           <a:p>
             <a:fld id="{A4B818D9-19C3-4AD2-9336-87D155945ED2}" type="datetimeFigureOut">
               <a:rPr lang="pt-BR" smtClean="0"/>
-              <a:t>22/05/2019</a:t>
+              <a:t>23/05/2019</a:t>
             </a:fld>
             <a:endParaRPr lang="pt-BR"/>
           </a:p>
@@ -1419,7 +1419,7 @@
           <a:p>
             <a:fld id="{A4B818D9-19C3-4AD2-9336-87D155945ED2}" type="datetimeFigureOut">
               <a:rPr lang="pt-BR" smtClean="0"/>
-              <a:t>22/05/2019</a:t>
+              <a:t>23/05/2019</a:t>
             </a:fld>
             <a:endParaRPr lang="pt-BR"/>
           </a:p>
@@ -1760,7 +1760,7 @@
           <a:p>
             <a:fld id="{A4B818D9-19C3-4AD2-9336-87D155945ED2}" type="datetimeFigureOut">
               <a:rPr lang="pt-BR" smtClean="0"/>
-              <a:t>22/05/2019</a:t>
+              <a:t>23/05/2019</a:t>
             </a:fld>
             <a:endParaRPr lang="pt-BR"/>
           </a:p>
@@ -2074,7 +2074,7 @@
           <a:p>
             <a:fld id="{A4B818D9-19C3-4AD2-9336-87D155945ED2}" type="datetimeFigureOut">
               <a:rPr lang="pt-BR" smtClean="0"/>
-              <a:t>22/05/2019</a:t>
+              <a:t>23/05/2019</a:t>
             </a:fld>
             <a:endParaRPr lang="pt-BR"/>
           </a:p>
@@ -2467,7 +2467,7 @@
           <a:p>
             <a:fld id="{A4B818D9-19C3-4AD2-9336-87D155945ED2}" type="datetimeFigureOut">
               <a:rPr lang="pt-BR" smtClean="0"/>
-              <a:t>22/05/2019</a:t>
+              <a:t>23/05/2019</a:t>
             </a:fld>
             <a:endParaRPr lang="pt-BR"/>
           </a:p>
@@ -2637,7 +2637,7 @@
           <a:p>
             <a:fld id="{A4B818D9-19C3-4AD2-9336-87D155945ED2}" type="datetimeFigureOut">
               <a:rPr lang="pt-BR" smtClean="0"/>
-              <a:t>22/05/2019</a:t>
+              <a:t>23/05/2019</a:t>
             </a:fld>
             <a:endParaRPr lang="pt-BR"/>
           </a:p>
@@ -2817,7 +2817,7 @@
           <a:p>
             <a:fld id="{A4B818D9-19C3-4AD2-9336-87D155945ED2}" type="datetimeFigureOut">
               <a:rPr lang="pt-BR" smtClean="0"/>
-              <a:t>22/05/2019</a:t>
+              <a:t>23/05/2019</a:t>
             </a:fld>
             <a:endParaRPr lang="pt-BR"/>
           </a:p>
@@ -3003,7 +3003,7 @@
           <a:p>
             <a:fld id="{A4B818D9-19C3-4AD2-9336-87D155945ED2}" type="datetimeFigureOut">
               <a:rPr lang="pt-BR" smtClean="0"/>
-              <a:t>22/05/2019</a:t>
+              <a:t>23/05/2019</a:t>
             </a:fld>
             <a:endParaRPr lang="pt-BR"/>
           </a:p>
@@ -3325,7 +3325,7 @@
           <a:p>
             <a:fld id="{A4B818D9-19C3-4AD2-9336-87D155945ED2}" type="datetimeFigureOut">
               <a:rPr lang="pt-BR" smtClean="0"/>
-              <a:t>22/05/2019</a:t>
+              <a:t>23/05/2019</a:t>
             </a:fld>
             <a:endParaRPr lang="pt-BR"/>
           </a:p>
@@ -3557,7 +3557,7 @@
           <a:p>
             <a:fld id="{A4B818D9-19C3-4AD2-9336-87D155945ED2}" type="datetimeFigureOut">
               <a:rPr lang="pt-BR" smtClean="0"/>
-              <a:t>22/05/2019</a:t>
+              <a:t>23/05/2019</a:t>
             </a:fld>
             <a:endParaRPr lang="pt-BR"/>
           </a:p>
@@ -3931,7 +3931,7 @@
           <a:p>
             <a:fld id="{A4B818D9-19C3-4AD2-9336-87D155945ED2}" type="datetimeFigureOut">
               <a:rPr lang="pt-BR" smtClean="0"/>
-              <a:t>22/05/2019</a:t>
+              <a:t>23/05/2019</a:t>
             </a:fld>
             <a:endParaRPr lang="pt-BR"/>
           </a:p>
@@ -4054,7 +4054,7 @@
           <a:p>
             <a:fld id="{A4B818D9-19C3-4AD2-9336-87D155945ED2}" type="datetimeFigureOut">
               <a:rPr lang="pt-BR" smtClean="0"/>
-              <a:t>22/05/2019</a:t>
+              <a:t>23/05/2019</a:t>
             </a:fld>
             <a:endParaRPr lang="pt-BR"/>
           </a:p>
@@ -4185,7 +4185,7 @@
           <a:p>
             <a:fld id="{A4B818D9-19C3-4AD2-9336-87D155945ED2}" type="datetimeFigureOut">
               <a:rPr lang="pt-BR" smtClean="0"/>
-              <a:t>22/05/2019</a:t>
+              <a:t>23/05/2019</a:t>
             </a:fld>
             <a:endParaRPr lang="pt-BR"/>
           </a:p>
@@ -4440,7 +4440,7 @@
           <a:p>
             <a:fld id="{A4B818D9-19C3-4AD2-9336-87D155945ED2}" type="datetimeFigureOut">
               <a:rPr lang="pt-BR" smtClean="0"/>
-              <a:t>22/05/2019</a:t>
+              <a:t>23/05/2019</a:t>
             </a:fld>
             <a:endParaRPr lang="pt-BR"/>
           </a:p>
@@ -4703,7 +4703,7 @@
           <a:p>
             <a:fld id="{A4B818D9-19C3-4AD2-9336-87D155945ED2}" type="datetimeFigureOut">
               <a:rPr lang="pt-BR" smtClean="0"/>
-              <a:t>22/05/2019</a:t>
+              <a:t>23/05/2019</a:t>
             </a:fld>
             <a:endParaRPr lang="pt-BR"/>
           </a:p>
@@ -5446,7 +5446,7 @@
           <a:p>
             <a:fld id="{A4B818D9-19C3-4AD2-9336-87D155945ED2}" type="datetimeFigureOut">
               <a:rPr lang="pt-BR" smtClean="0"/>
-              <a:t>22/05/2019</a:t>
+              <a:t>23/05/2019</a:t>
             </a:fld>
             <a:endParaRPr lang="pt-BR"/>
           </a:p>
@@ -8697,6 +8697,12 @@
               <a:t>de valores, etc...)</a:t>
             </a:r>
           </a:p>
+          <a:p>
+            <a:r>
+              <a:rPr lang="pt-BR" dirty="0"/>
+              <a:t>Fornece um formulário para entrada de dados</a:t>
+            </a:r>
+          </a:p>
         </p:txBody>
       </p:sp>
     </p:spTree>
